--- a/ML.pptx
+++ b/ML.pptx
@@ -2,10 +2,10 @@
 <file path=ppt/presentation.xml><?xml version="1.0" encoding="utf-8"?>
 <p:presentation xmlns:a="http://schemas.openxmlformats.org/drawingml/2006/main" xmlns:r="http://schemas.openxmlformats.org/officeDocument/2006/relationships" xmlns:p="http://schemas.openxmlformats.org/presentationml/2006/main" saveSubsetFonts="1">
   <p:sldMasterIdLst>
-    <p:sldMasterId id="2147483660" r:id="rId1"/>
+    <p:sldMasterId id="2147483690" r:id="rId1"/>
   </p:sldMasterIdLst>
   <p:notesMasterIdLst>
-    <p:notesMasterId r:id="rId7"/>
+    <p:notesMasterId r:id="rId9"/>
   </p:notesMasterIdLst>
   <p:sldIdLst>
     <p:sldId id="256" r:id="rId2"/>
@@ -13,6 +13,8 @@
     <p:sldId id="259" r:id="rId4"/>
     <p:sldId id="258" r:id="rId5"/>
     <p:sldId id="260" r:id="rId6"/>
+    <p:sldId id="261" r:id="rId7"/>
+    <p:sldId id="262" r:id="rId8"/>
   </p:sldIdLst>
   <p:sldSz cx="12192000" cy="6858000"/>
   <p:notesSz cx="6858000" cy="9144000"/>
@@ -111,6 +113,11 @@
       </a:defRPr>
     </a:lvl9pPr>
   </p:defaultTextStyle>
+  <p:extLst>
+    <p:ext uri="{EFAFB233-063F-42B5-8137-9DF3F51BA10A}">
+      <p15:sldGuideLst xmlns:p15="http://schemas.microsoft.com/office/powerpoint/2012/main"/>
+    </p:ext>
+  </p:extLst>
 </p:presentation>
 </file>
 
@@ -565,7 +572,7 @@
 </file>
 
 <file path=ppt/slideLayouts/slideLayout1.xml><?xml version="1.0" encoding="utf-8"?>
-<p:sldLayout xmlns:a="http://schemas.openxmlformats.org/drawingml/2006/main" xmlns:r="http://schemas.openxmlformats.org/officeDocument/2006/relationships" xmlns:p="http://schemas.openxmlformats.org/presentationml/2006/main" type="title" preserve="1">
+<p:sldLayout xmlns:a="http://schemas.openxmlformats.org/drawingml/2006/main" xmlns:r="http://schemas.openxmlformats.org/officeDocument/2006/relationships" xmlns:p="http://schemas.openxmlformats.org/presentationml/2006/main" showMasterSp="0" type="title" preserve="1">
   <p:cSld name="Title Slide">
     <p:spTree>
       <p:nvGrpSpPr>
@@ -581,6 +588,319 @@
           <a:chExt cx="0" cy="0"/>
         </a:xfrm>
       </p:grpSpPr>
+      <p:grpSp>
+        <p:nvGrpSpPr>
+          <p:cNvPr id="19" name="Group 18"/>
+          <p:cNvGrpSpPr/>
+          <p:nvPr/>
+        </p:nvGrpSpPr>
+        <p:grpSpPr>
+          <a:xfrm>
+            <a:off x="546100" y="-4763"/>
+            <a:ext cx="5014912" cy="6862763"/>
+            <a:chOff x="2928938" y="-4763"/>
+            <a:chExt cx="5014912" cy="6862763"/>
+          </a:xfrm>
+        </p:grpSpPr>
+        <p:sp>
+          <p:nvSpPr>
+            <p:cNvPr id="22" name="Freeform 6"/>
+            <p:cNvSpPr/>
+            <p:nvPr/>
+          </p:nvSpPr>
+          <p:spPr bwMode="auto">
+            <a:xfrm>
+              <a:off x="3367088" y="-4763"/>
+              <a:ext cx="1063625" cy="2782888"/>
+            </a:xfrm>
+            <a:custGeom>
+              <a:avLst/>
+              <a:gdLst/>
+              <a:ahLst/>
+              <a:cxnLst/>
+              <a:rect l="0" t="0" r="r" b="b"/>
+              <a:pathLst>
+                <a:path w="670" h="1753">
+                  <a:moveTo>
+                    <a:pt x="0" y="1696"/>
+                  </a:moveTo>
+                  <a:lnTo>
+                    <a:pt x="225" y="1753"/>
+                  </a:lnTo>
+                  <a:lnTo>
+                    <a:pt x="670" y="0"/>
+                  </a:lnTo>
+                  <a:lnTo>
+                    <a:pt x="430" y="0"/>
+                  </a:lnTo>
+                  <a:lnTo>
+                    <a:pt x="0" y="1696"/>
+                  </a:lnTo>
+                  <a:close/>
+                </a:path>
+              </a:pathLst>
+            </a:custGeom>
+            <a:solidFill>
+              <a:schemeClr val="accent1"/>
+            </a:solidFill>
+            <a:ln>
+              <a:noFill/>
+            </a:ln>
+          </p:spPr>
+        </p:sp>
+        <p:sp>
+          <p:nvSpPr>
+            <p:cNvPr id="23" name="Freeform 7"/>
+            <p:cNvSpPr/>
+            <p:nvPr/>
+          </p:nvSpPr>
+          <p:spPr bwMode="auto">
+            <a:xfrm>
+              <a:off x="2928938" y="-4763"/>
+              <a:ext cx="1035050" cy="2673350"/>
+            </a:xfrm>
+            <a:custGeom>
+              <a:avLst/>
+              <a:gdLst/>
+              <a:ahLst/>
+              <a:cxnLst/>
+              <a:rect l="0" t="0" r="r" b="b"/>
+              <a:pathLst>
+                <a:path w="652" h="1684">
+                  <a:moveTo>
+                    <a:pt x="225" y="1684"/>
+                  </a:moveTo>
+                  <a:lnTo>
+                    <a:pt x="652" y="0"/>
+                  </a:lnTo>
+                  <a:lnTo>
+                    <a:pt x="411" y="0"/>
+                  </a:lnTo>
+                  <a:lnTo>
+                    <a:pt x="0" y="1627"/>
+                  </a:lnTo>
+                  <a:lnTo>
+                    <a:pt x="219" y="1681"/>
+                  </a:lnTo>
+                  <a:lnTo>
+                    <a:pt x="225" y="1684"/>
+                  </a:lnTo>
+                  <a:close/>
+                </a:path>
+              </a:pathLst>
+            </a:custGeom>
+            <a:solidFill>
+              <a:schemeClr val="tx1">
+                <a:lumMod val="65000"/>
+                <a:lumOff val="35000"/>
+              </a:schemeClr>
+            </a:solidFill>
+            <a:ln>
+              <a:noFill/>
+            </a:ln>
+          </p:spPr>
+        </p:sp>
+        <p:sp>
+          <p:nvSpPr>
+            <p:cNvPr id="24" name="Freeform 9"/>
+            <p:cNvSpPr/>
+            <p:nvPr/>
+          </p:nvSpPr>
+          <p:spPr bwMode="auto">
+            <a:xfrm>
+              <a:off x="2928938" y="2582862"/>
+              <a:ext cx="2693987" cy="4275138"/>
+            </a:xfrm>
+            <a:custGeom>
+              <a:avLst/>
+              <a:gdLst/>
+              <a:ahLst/>
+              <a:cxnLst/>
+              <a:rect l="0" t="0" r="r" b="b"/>
+              <a:pathLst>
+                <a:path w="1697" h="2693">
+                  <a:moveTo>
+                    <a:pt x="0" y="0"/>
+                  </a:moveTo>
+                  <a:lnTo>
+                    <a:pt x="1622" y="2693"/>
+                  </a:lnTo>
+                  <a:lnTo>
+                    <a:pt x="1697" y="2693"/>
+                  </a:lnTo>
+                  <a:lnTo>
+                    <a:pt x="0" y="0"/>
+                  </a:lnTo>
+                  <a:close/>
+                </a:path>
+              </a:pathLst>
+            </a:custGeom>
+            <a:solidFill>
+              <a:schemeClr val="tx1">
+                <a:lumMod val="85000"/>
+                <a:lumOff val="15000"/>
+              </a:schemeClr>
+            </a:solidFill>
+            <a:ln>
+              <a:noFill/>
+            </a:ln>
+          </p:spPr>
+        </p:sp>
+        <p:sp>
+          <p:nvSpPr>
+            <p:cNvPr id="25" name="Freeform 10"/>
+            <p:cNvSpPr/>
+            <p:nvPr/>
+          </p:nvSpPr>
+          <p:spPr bwMode="auto">
+            <a:xfrm>
+              <a:off x="3371850" y="2692400"/>
+              <a:ext cx="3332162" cy="4165600"/>
+            </a:xfrm>
+            <a:custGeom>
+              <a:avLst/>
+              <a:gdLst/>
+              <a:ahLst/>
+              <a:cxnLst/>
+              <a:rect l="0" t="0" r="r" b="b"/>
+              <a:pathLst>
+                <a:path w="2099" h="2624">
+                  <a:moveTo>
+                    <a:pt x="2099" y="2624"/>
+                  </a:moveTo>
+                  <a:lnTo>
+                    <a:pt x="0" y="0"/>
+                  </a:lnTo>
+                  <a:lnTo>
+                    <a:pt x="2021" y="2624"/>
+                  </a:lnTo>
+                  <a:lnTo>
+                    <a:pt x="2099" y="2624"/>
+                  </a:lnTo>
+                  <a:close/>
+                </a:path>
+              </a:pathLst>
+            </a:custGeom>
+            <a:solidFill>
+              <a:schemeClr val="accent1">
+                <a:lumMod val="50000"/>
+              </a:schemeClr>
+            </a:solidFill>
+            <a:ln>
+              <a:noFill/>
+            </a:ln>
+          </p:spPr>
+        </p:sp>
+        <p:sp>
+          <p:nvSpPr>
+            <p:cNvPr id="26" name="Freeform 11"/>
+            <p:cNvSpPr/>
+            <p:nvPr/>
+          </p:nvSpPr>
+          <p:spPr bwMode="auto">
+            <a:xfrm>
+              <a:off x="3367088" y="2687637"/>
+              <a:ext cx="4576762" cy="4170363"/>
+            </a:xfrm>
+            <a:custGeom>
+              <a:avLst/>
+              <a:gdLst/>
+              <a:ahLst/>
+              <a:cxnLst/>
+              <a:rect l="0" t="0" r="r" b="b"/>
+              <a:pathLst>
+                <a:path w="2883" h="2627">
+                  <a:moveTo>
+                    <a:pt x="0" y="0"/>
+                  </a:moveTo>
+                  <a:lnTo>
+                    <a:pt x="3" y="3"/>
+                  </a:lnTo>
+                  <a:lnTo>
+                    <a:pt x="2102" y="2627"/>
+                  </a:lnTo>
+                  <a:lnTo>
+                    <a:pt x="2883" y="2627"/>
+                  </a:lnTo>
+                  <a:lnTo>
+                    <a:pt x="225" y="57"/>
+                  </a:lnTo>
+                  <a:lnTo>
+                    <a:pt x="0" y="0"/>
+                  </a:lnTo>
+                  <a:close/>
+                </a:path>
+              </a:pathLst>
+            </a:custGeom>
+            <a:solidFill>
+              <a:schemeClr val="accent1">
+                <a:lumMod val="75000"/>
+              </a:schemeClr>
+            </a:solidFill>
+            <a:ln>
+              <a:noFill/>
+            </a:ln>
+          </p:spPr>
+        </p:sp>
+        <p:sp>
+          <p:nvSpPr>
+            <p:cNvPr id="27" name="Freeform 12"/>
+            <p:cNvSpPr/>
+            <p:nvPr/>
+          </p:nvSpPr>
+          <p:spPr bwMode="auto">
+            <a:xfrm>
+              <a:off x="2928938" y="2578100"/>
+              <a:ext cx="3584575" cy="4279900"/>
+            </a:xfrm>
+            <a:custGeom>
+              <a:avLst/>
+              <a:gdLst/>
+              <a:ahLst/>
+              <a:cxnLst/>
+              <a:rect l="0" t="0" r="r" b="b"/>
+              <a:pathLst>
+                <a:path w="2258" h="2696">
+                  <a:moveTo>
+                    <a:pt x="2258" y="2696"/>
+                  </a:moveTo>
+                  <a:lnTo>
+                    <a:pt x="264" y="111"/>
+                  </a:lnTo>
+                  <a:lnTo>
+                    <a:pt x="228" y="60"/>
+                  </a:lnTo>
+                  <a:lnTo>
+                    <a:pt x="225" y="57"/>
+                  </a:lnTo>
+                  <a:lnTo>
+                    <a:pt x="0" y="0"/>
+                  </a:lnTo>
+                  <a:lnTo>
+                    <a:pt x="0" y="3"/>
+                  </a:lnTo>
+                  <a:lnTo>
+                    <a:pt x="1697" y="2696"/>
+                  </a:lnTo>
+                  <a:lnTo>
+                    <a:pt x="2258" y="2696"/>
+                  </a:lnTo>
+                  <a:close/>
+                </a:path>
+              </a:pathLst>
+            </a:custGeom>
+            <a:solidFill>
+              <a:schemeClr val="tx1">
+                <a:lumMod val="75000"/>
+                <a:lumOff val="25000"/>
+              </a:schemeClr>
+            </a:solidFill>
+            <a:ln>
+              <a:noFill/>
+            </a:ln>
+          </p:spPr>
+        </p:sp>
+      </p:grpSp>
       <p:sp>
         <p:nvSpPr>
           <p:cNvPr id="2" name="Title 1"/>
@@ -593,8 +913,8 @@
         </p:nvSpPr>
         <p:spPr>
           <a:xfrm>
-            <a:off x="1595269" y="1122363"/>
-            <a:ext cx="9001462" cy="2387600"/>
+            <a:off x="2928401" y="1380068"/>
+            <a:ext cx="8574622" cy="2616199"/>
           </a:xfrm>
         </p:spPr>
         <p:txBody>
@@ -602,8 +922,10 @@
             <a:normAutofit/>
           </a:bodyPr>
           <a:lstStyle>
-            <a:lvl1pPr algn="ctr">
-              <a:defRPr sz="4800"/>
+            <a:lvl1pPr algn="r">
+              <a:defRPr sz="6000">
+                <a:effectLst/>
+              </a:defRPr>
             </a:lvl1pPr>
           </a:lstStyle>
           <a:p>
@@ -627,48 +949,102 @@
         </p:nvSpPr>
         <p:spPr>
           <a:xfrm>
-            <a:off x="1595269" y="3602038"/>
-            <a:ext cx="9001462" cy="1655762"/>
+            <a:off x="4515377" y="3996267"/>
+            <a:ext cx="6987645" cy="1388534"/>
           </a:xfrm>
         </p:spPr>
         <p:txBody>
-          <a:bodyPr/>
+          <a:bodyPr anchor="t">
+            <a:normAutofit/>
+          </a:bodyPr>
           <a:lstStyle>
-            <a:lvl1pPr marL="0" indent="0" algn="ctr">
-              <a:buNone/>
-              <a:defRPr sz="2400"/>
+            <a:lvl1pPr marL="0" indent="0" algn="r">
+              <a:buNone/>
+              <a:defRPr sz="2100">
+                <a:solidFill>
+                  <a:schemeClr val="tx1"/>
+                </a:solidFill>
+              </a:defRPr>
             </a:lvl1pPr>
             <a:lvl2pPr marL="457200" indent="0" algn="ctr">
               <a:buNone/>
-              <a:defRPr sz="2000"/>
+              <a:defRPr>
+                <a:solidFill>
+                  <a:schemeClr val="tx1">
+                    <a:tint val="75000"/>
+                  </a:schemeClr>
+                </a:solidFill>
+              </a:defRPr>
             </a:lvl2pPr>
             <a:lvl3pPr marL="914400" indent="0" algn="ctr">
               <a:buNone/>
-              <a:defRPr sz="1800"/>
+              <a:defRPr>
+                <a:solidFill>
+                  <a:schemeClr val="tx1">
+                    <a:tint val="75000"/>
+                  </a:schemeClr>
+                </a:solidFill>
+              </a:defRPr>
             </a:lvl3pPr>
             <a:lvl4pPr marL="1371600" indent="0" algn="ctr">
               <a:buNone/>
-              <a:defRPr sz="1600"/>
+              <a:defRPr>
+                <a:solidFill>
+                  <a:schemeClr val="tx1">
+                    <a:tint val="75000"/>
+                  </a:schemeClr>
+                </a:solidFill>
+              </a:defRPr>
             </a:lvl4pPr>
             <a:lvl5pPr marL="1828800" indent="0" algn="ctr">
               <a:buNone/>
-              <a:defRPr sz="1600"/>
+              <a:defRPr>
+                <a:solidFill>
+                  <a:schemeClr val="tx1">
+                    <a:tint val="75000"/>
+                  </a:schemeClr>
+                </a:solidFill>
+              </a:defRPr>
             </a:lvl5pPr>
             <a:lvl6pPr marL="2286000" indent="0" algn="ctr">
               <a:buNone/>
-              <a:defRPr sz="1600"/>
+              <a:defRPr>
+                <a:solidFill>
+                  <a:schemeClr val="tx1">
+                    <a:tint val="75000"/>
+                  </a:schemeClr>
+                </a:solidFill>
+              </a:defRPr>
             </a:lvl6pPr>
             <a:lvl7pPr marL="2743200" indent="0" algn="ctr">
               <a:buNone/>
-              <a:defRPr sz="1600"/>
+              <a:defRPr>
+                <a:solidFill>
+                  <a:schemeClr val="tx1">
+                    <a:tint val="75000"/>
+                  </a:schemeClr>
+                </a:solidFill>
+              </a:defRPr>
             </a:lvl7pPr>
             <a:lvl8pPr marL="3200400" indent="0" algn="ctr">
               <a:buNone/>
-              <a:defRPr sz="1600"/>
+              <a:defRPr>
+                <a:solidFill>
+                  <a:schemeClr val="tx1">
+                    <a:tint val="75000"/>
+                  </a:schemeClr>
+                </a:solidFill>
+              </a:defRPr>
             </a:lvl8pPr>
             <a:lvl9pPr marL="3657600" indent="0" algn="ctr">
               <a:buNone/>
-              <a:defRPr sz="1600"/>
+              <a:defRPr>
+                <a:solidFill>
+                  <a:schemeClr val="tx1">
+                    <a:tint val="75000"/>
+                  </a:schemeClr>
+                </a:solidFill>
+              </a:defRPr>
             </a:lvl9pPr>
           </a:lstStyle>
           <a:p>
@@ -713,7 +1089,12 @@
             <p:ph type="ftr" sz="quarter" idx="11"/>
           </p:nvPr>
         </p:nvSpPr>
-        <p:spPr/>
+        <p:spPr>
+          <a:xfrm>
+            <a:off x="5332412" y="5883275"/>
+            <a:ext cx="4324044" cy="365125"/>
+          </a:xfrm>
+        </p:spPr>
         <p:txBody>
           <a:bodyPr/>
           <a:lstStyle/>
@@ -748,7 +1129,7 @@
     </p:spTree>
     <p:extLst>
       <p:ext uri="{BB962C8B-B14F-4D97-AF65-F5344CB8AC3E}">
-        <p14:creationId xmlns:p14="http://schemas.microsoft.com/office/powerpoint/2010/main" val="170565508"/>
+        <p14:creationId xmlns:p14="http://schemas.microsoft.com/office/powerpoint/2010/main" val="1333862965"/>
       </p:ext>
     </p:extLst>
   </p:cSld>
@@ -787,8 +1168,8 @@
         </p:nvSpPr>
         <p:spPr>
           <a:xfrm>
-            <a:off x="913806" y="4289372"/>
-            <a:ext cx="10367564" cy="819355"/>
+            <a:off x="1484311" y="4732865"/>
+            <a:ext cx="10018711" cy="566738"/>
           </a:xfrm>
         </p:spPr>
         <p:txBody>
@@ -796,8 +1177,8 @@
             <a:normAutofit/>
           </a:bodyPr>
           <a:lstStyle>
-            <a:lvl1pPr>
-              <a:defRPr sz="2800"/>
+            <a:lvl1pPr algn="ctr">
+              <a:defRPr sz="2400" b="0"/>
             </a:lvl1pPr>
           </a:lstStyle>
           <a:p>
@@ -821,74 +1202,78 @@
         </p:nvSpPr>
         <p:spPr>
           <a:xfrm>
-            <a:off x="913806" y="621321"/>
-            <a:ext cx="10367564" cy="3379735"/>
+            <a:off x="2386012" y="932112"/>
+            <a:ext cx="8225944" cy="3164976"/>
           </a:xfrm>
-          <a:noFill/>
-          <a:ln w="190500" cap="sq">
-            <a:solidFill>
-              <a:srgbClr val="FFFFFF"/>
-            </a:solidFill>
-            <a:miter lim="800000"/>
+          <a:prstGeom prst="roundRect">
+            <a:avLst>
+              <a:gd name="adj" fmla="val 4380"/>
+            </a:avLst>
+          </a:prstGeom>
+          <a:ln w="38100">
+            <a:gradFill flip="none" rotWithShape="1">
+              <a:gsLst>
+                <a:gs pos="0">
+                  <a:schemeClr val="bg2"/>
+                </a:gs>
+                <a:gs pos="100000">
+                  <a:schemeClr val="bg2">
+                    <a:lumMod val="75000"/>
+                  </a:schemeClr>
+                </a:gs>
+              </a:gsLst>
+              <a:lin ang="5400000" scaled="0"/>
+              <a:tileRect/>
+            </a:gradFill>
           </a:ln>
           <a:effectLst>
-            <a:outerShdw blurRad="55000" dist="18000" dir="5400000" algn="tl" rotWithShape="0">
+            <a:innerShdw blurRad="57150" dist="38100" dir="14460000">
               <a:srgbClr val="000000">
-                <a:alpha val="40000"/>
+                <a:alpha val="70000"/>
               </a:srgbClr>
-            </a:outerShdw>
+            </a:innerShdw>
           </a:effectLst>
-          <a:scene3d>
-            <a:camera prst="orthographicFront"/>
-            <a:lightRig rig="twoPt" dir="t">
-              <a:rot lat="0" lon="0" rev="7200000"/>
-            </a:lightRig>
-          </a:scene3d>
-          <a:sp3d>
-            <a:bevelT w="25400" h="19050"/>
-            <a:contourClr>
-              <a:srgbClr val="FFFFFF"/>
-            </a:contourClr>
-          </a:sp3d>
         </p:spPr>
         <p:txBody>
-          <a:bodyPr anchor="t"/>
+          <a:bodyPr anchor="t">
+            <a:normAutofit/>
+          </a:bodyPr>
           <a:lstStyle>
             <a:lvl1pPr marL="0" indent="0" algn="ctr">
               <a:buNone/>
-              <a:defRPr sz="3200"/>
+              <a:defRPr sz="1600"/>
             </a:lvl1pPr>
             <a:lvl2pPr marL="457200" indent="0">
               <a:buNone/>
-              <a:defRPr sz="2800"/>
+              <a:defRPr sz="1600"/>
             </a:lvl2pPr>
             <a:lvl3pPr marL="914400" indent="0">
               <a:buNone/>
-              <a:defRPr sz="2400"/>
+              <a:defRPr sz="1600"/>
             </a:lvl3pPr>
             <a:lvl4pPr marL="1371600" indent="0">
               <a:buNone/>
-              <a:defRPr sz="2000"/>
+              <a:defRPr sz="1600"/>
             </a:lvl4pPr>
             <a:lvl5pPr marL="1828800" indent="0">
               <a:buNone/>
-              <a:defRPr sz="2000"/>
+              <a:defRPr sz="1600"/>
             </a:lvl5pPr>
             <a:lvl6pPr marL="2286000" indent="0">
               <a:buNone/>
-              <a:defRPr sz="2000"/>
+              <a:defRPr sz="1600"/>
             </a:lvl6pPr>
             <a:lvl7pPr marL="2743200" indent="0">
               <a:buNone/>
-              <a:defRPr sz="2000"/>
+              <a:defRPr sz="1600"/>
             </a:lvl7pPr>
             <a:lvl8pPr marL="3200400" indent="0">
               <a:buNone/>
-              <a:defRPr sz="2000"/>
+              <a:defRPr sz="1600"/>
             </a:lvl8pPr>
             <a:lvl9pPr marL="3657600" indent="0">
               <a:buNone/>
-              <a:defRPr sz="2000"/>
+              <a:defRPr sz="1600"/>
             </a:lvl9pPr>
           </a:lstStyle>
           <a:p>
@@ -912,8 +1297,8 @@
         </p:nvSpPr>
         <p:spPr>
           <a:xfrm>
-            <a:off x="913795" y="5108728"/>
-            <a:ext cx="10365998" cy="682472"/>
+            <a:off x="1484311" y="5299603"/>
+            <a:ext cx="10018711" cy="493712"/>
           </a:xfrm>
         </p:spPr>
         <p:txBody>
@@ -923,39 +1308,39 @@
           <a:lstStyle>
             <a:lvl1pPr marL="0" indent="0" algn="ctr">
               <a:buNone/>
-              <a:defRPr sz="1800"/>
+              <a:defRPr sz="1400"/>
             </a:lvl1pPr>
             <a:lvl2pPr marL="457200" indent="0">
               <a:buNone/>
-              <a:defRPr sz="1400"/>
+              <a:defRPr sz="1200"/>
             </a:lvl2pPr>
             <a:lvl3pPr marL="914400" indent="0">
               <a:buNone/>
-              <a:defRPr sz="1200"/>
+              <a:defRPr sz="1000"/>
             </a:lvl3pPr>
             <a:lvl4pPr marL="1371600" indent="0">
               <a:buNone/>
-              <a:defRPr sz="1000"/>
+              <a:defRPr sz="900"/>
             </a:lvl4pPr>
             <a:lvl5pPr marL="1828800" indent="0">
               <a:buNone/>
-              <a:defRPr sz="1000"/>
+              <a:defRPr sz="900"/>
             </a:lvl5pPr>
             <a:lvl6pPr marL="2286000" indent="0">
               <a:buNone/>
-              <a:defRPr sz="1000"/>
+              <a:defRPr sz="900"/>
             </a:lvl6pPr>
             <a:lvl7pPr marL="2743200" indent="0">
               <a:buNone/>
-              <a:defRPr sz="1000"/>
+              <a:defRPr sz="900"/>
             </a:lvl7pPr>
             <a:lvl8pPr marL="3200400" indent="0">
               <a:buNone/>
-              <a:defRPr sz="1000"/>
+              <a:defRPr sz="900"/>
             </a:lvl8pPr>
             <a:lvl9pPr marL="3657600" indent="0">
               <a:buNone/>
-              <a:defRPr sz="1000"/>
+              <a:defRPr sz="900"/>
             </a:lvl9pPr>
           </a:lstStyle>
           <a:p>
@@ -1035,7 +1420,7 @@
     </p:spTree>
     <p:extLst>
       <p:ext uri="{BB962C8B-B14F-4D97-AF65-F5344CB8AC3E}">
-        <p14:creationId xmlns:p14="http://schemas.microsoft.com/office/powerpoint/2010/main" val="466227882"/>
+        <p14:creationId xmlns:p14="http://schemas.microsoft.com/office/powerpoint/2010/main" val="1555407031"/>
       </p:ext>
     </p:extLst>
   </p:cSld>
@@ -1074,15 +1459,17 @@
         </p:nvSpPr>
         <p:spPr>
           <a:xfrm>
-            <a:off x="913795" y="609600"/>
-            <a:ext cx="10353762" cy="3424859"/>
+            <a:off x="1484312" y="685800"/>
+            <a:ext cx="10018711" cy="3048000"/>
           </a:xfrm>
         </p:spPr>
         <p:txBody>
-          <a:bodyPr anchor="ctr"/>
+          <a:bodyPr anchor="ctr">
+            <a:normAutofit/>
+          </a:bodyPr>
           <a:lstStyle>
-            <a:lvl1pPr>
-              <a:defRPr sz="3200"/>
+            <a:lvl1pPr algn="ctr">
+              <a:defRPr sz="3200" b="0" cap="none"/>
             </a:lvl1pPr>
           </a:lstStyle>
           <a:p>
@@ -1096,58 +1483,112 @@
       </p:sp>
       <p:sp>
         <p:nvSpPr>
-          <p:cNvPr id="4" name="Text Placeholder 3"/>
-          <p:cNvSpPr>
-            <a:spLocks noGrp="1"/>
-          </p:cNvSpPr>
-          <p:nvPr>
-            <p:ph type="body" sz="half" idx="2"/>
+          <p:cNvPr id="3" name="Text Placeholder 2"/>
+          <p:cNvSpPr>
+            <a:spLocks noGrp="1"/>
+          </p:cNvSpPr>
+          <p:nvPr>
+            <p:ph type="body" idx="1"/>
           </p:nvPr>
         </p:nvSpPr>
         <p:spPr>
           <a:xfrm>
-            <a:off x="913795" y="4204820"/>
-            <a:ext cx="10353761" cy="1592186"/>
+            <a:off x="1484312" y="4343400"/>
+            <a:ext cx="10018713" cy="1447800"/>
           </a:xfrm>
         </p:spPr>
         <p:txBody>
-          <a:bodyPr anchor="ctr"/>
+          <a:bodyPr anchor="ctr">
+            <a:normAutofit/>
+          </a:bodyPr>
           <a:lstStyle>
             <a:lvl1pPr marL="0" indent="0" algn="ctr">
               <a:buNone/>
-              <a:defRPr sz="1600"/>
+              <a:defRPr sz="2000">
+                <a:solidFill>
+                  <a:schemeClr val="tx1"/>
+                </a:solidFill>
+              </a:defRPr>
             </a:lvl1pPr>
             <a:lvl2pPr marL="457200" indent="0">
               <a:buNone/>
-              <a:defRPr sz="1400"/>
+              <a:defRPr sz="1800">
+                <a:solidFill>
+                  <a:schemeClr val="tx1">
+                    <a:tint val="75000"/>
+                  </a:schemeClr>
+                </a:solidFill>
+              </a:defRPr>
             </a:lvl2pPr>
             <a:lvl3pPr marL="914400" indent="0">
               <a:buNone/>
-              <a:defRPr sz="1200"/>
+              <a:defRPr sz="1600">
+                <a:solidFill>
+                  <a:schemeClr val="tx1">
+                    <a:tint val="75000"/>
+                  </a:schemeClr>
+                </a:solidFill>
+              </a:defRPr>
             </a:lvl3pPr>
             <a:lvl4pPr marL="1371600" indent="0">
               <a:buNone/>
-              <a:defRPr sz="1000"/>
+              <a:defRPr sz="1400">
+                <a:solidFill>
+                  <a:schemeClr val="tx1">
+                    <a:tint val="75000"/>
+                  </a:schemeClr>
+                </a:solidFill>
+              </a:defRPr>
             </a:lvl4pPr>
             <a:lvl5pPr marL="1828800" indent="0">
               <a:buNone/>
-              <a:defRPr sz="1000"/>
+              <a:defRPr sz="1400">
+                <a:solidFill>
+                  <a:schemeClr val="tx1">
+                    <a:tint val="75000"/>
+                  </a:schemeClr>
+                </a:solidFill>
+              </a:defRPr>
             </a:lvl5pPr>
             <a:lvl6pPr marL="2286000" indent="0">
               <a:buNone/>
-              <a:defRPr sz="1000"/>
+              <a:defRPr sz="1400">
+                <a:solidFill>
+                  <a:schemeClr val="tx1">
+                    <a:tint val="75000"/>
+                  </a:schemeClr>
+                </a:solidFill>
+              </a:defRPr>
             </a:lvl6pPr>
             <a:lvl7pPr marL="2743200" indent="0">
               <a:buNone/>
-              <a:defRPr sz="1000"/>
+              <a:defRPr sz="1400">
+                <a:solidFill>
+                  <a:schemeClr val="tx1">
+                    <a:tint val="75000"/>
+                  </a:schemeClr>
+                </a:solidFill>
+              </a:defRPr>
             </a:lvl7pPr>
             <a:lvl8pPr marL="3200400" indent="0">
               <a:buNone/>
-              <a:defRPr sz="1000"/>
+              <a:defRPr sz="1400">
+                <a:solidFill>
+                  <a:schemeClr val="tx1">
+                    <a:tint val="75000"/>
+                  </a:schemeClr>
+                </a:solidFill>
+              </a:defRPr>
             </a:lvl8pPr>
             <a:lvl9pPr marL="3657600" indent="0">
               <a:buNone/>
-              <a:defRPr sz="1000"/>
+              <a:defRPr sz="1400">
+                <a:solidFill>
+                  <a:schemeClr val="tx1">
+                    <a:tint val="75000"/>
+                  </a:schemeClr>
+                </a:solidFill>
+              </a:defRPr>
             </a:lvl9pPr>
           </a:lstStyle>
           <a:p>
@@ -1161,7 +1602,7 @@
       </p:sp>
       <p:sp>
         <p:nvSpPr>
-          <p:cNvPr id="5" name="Date Placeholder 4"/>
+          <p:cNvPr id="4" name="Date Placeholder 3"/>
           <p:cNvSpPr>
             <a:spLocks noGrp="1"/>
           </p:cNvSpPr>
@@ -1184,7 +1625,7 @@
       </p:sp>
       <p:sp>
         <p:nvSpPr>
-          <p:cNvPr id="6" name="Footer Placeholder 5"/>
+          <p:cNvPr id="5" name="Footer Placeholder 4"/>
           <p:cNvSpPr>
             <a:spLocks noGrp="1"/>
           </p:cNvSpPr>
@@ -1203,7 +1644,7 @@
       </p:sp>
       <p:sp>
         <p:nvSpPr>
-          <p:cNvPr id="7" name="Slide Number Placeholder 6"/>
+          <p:cNvPr id="6" name="Slide Number Placeholder 5"/>
           <p:cNvSpPr>
             <a:spLocks noGrp="1"/>
           </p:cNvSpPr>
@@ -1227,7 +1668,7 @@
     </p:spTree>
     <p:extLst>
       <p:ext uri="{BB962C8B-B14F-4D97-AF65-F5344CB8AC3E}">
-        <p14:creationId xmlns:p14="http://schemas.microsoft.com/office/powerpoint/2010/main" val="4039222371"/>
+        <p14:creationId xmlns:p14="http://schemas.microsoft.com/office/powerpoint/2010/main" val="2626854357"/>
       </p:ext>
     </p:extLst>
   </p:cSld>
@@ -1256,244 +1697,13 @@
       </p:grpSpPr>
       <p:sp>
         <p:nvSpPr>
-          <p:cNvPr id="2" name="Title 1"/>
-          <p:cNvSpPr>
-            <a:spLocks noGrp="1"/>
-          </p:cNvSpPr>
-          <p:nvPr>
-            <p:ph type="title"/>
-          </p:nvPr>
+          <p:cNvPr id="14" name="TextBox 13"/>
+          <p:cNvSpPr txBox="1"/>
+          <p:nvPr/>
         </p:nvSpPr>
         <p:spPr>
           <a:xfrm>
-            <a:off x="1446212" y="609600"/>
-            <a:ext cx="9302752" cy="2992904"/>
-          </a:xfrm>
-        </p:spPr>
-        <p:txBody>
-          <a:bodyPr anchor="ctr"/>
-          <a:lstStyle>
-            <a:lvl1pPr>
-              <a:defRPr sz="3200"/>
-            </a:lvl1pPr>
-          </a:lstStyle>
-          <a:p>
-            <a:r>
-              <a:rPr lang="en-US" smtClean="0"/>
-              <a:t>Click to edit Master title style</a:t>
-            </a:r>
-            <a:endParaRPr lang="en-US" dirty="0"/>
-          </a:p>
-        </p:txBody>
-      </p:sp>
-      <p:sp>
-        <p:nvSpPr>
-          <p:cNvPr id="12" name="Text Placeholder 3"/>
-          <p:cNvSpPr>
-            <a:spLocks noGrp="1"/>
-          </p:cNvSpPr>
-          <p:nvPr>
-            <p:ph type="body" sz="half" idx="13"/>
-          </p:nvPr>
-        </p:nvSpPr>
-        <p:spPr>
-          <a:xfrm>
-            <a:off x="1720644" y="3610032"/>
-            <a:ext cx="8752299" cy="426812"/>
-          </a:xfrm>
-        </p:spPr>
-        <p:txBody>
-          <a:bodyPr anchor="t">
-            <a:normAutofit/>
-          </a:bodyPr>
-          <a:lstStyle>
-            <a:lvl1pPr marL="0" indent="0" algn="r">
-              <a:buNone/>
-              <a:defRPr sz="1400"/>
-            </a:lvl1pPr>
-            <a:lvl2pPr marL="457200" indent="0">
-              <a:buNone/>
-              <a:defRPr sz="1400"/>
-            </a:lvl2pPr>
-            <a:lvl3pPr marL="914400" indent="0">
-              <a:buNone/>
-              <a:defRPr sz="1200"/>
-            </a:lvl3pPr>
-            <a:lvl4pPr marL="1371600" indent="0">
-              <a:buNone/>
-              <a:defRPr sz="1000"/>
-            </a:lvl4pPr>
-            <a:lvl5pPr marL="1828800" indent="0">
-              <a:buNone/>
-              <a:defRPr sz="1000"/>
-            </a:lvl5pPr>
-            <a:lvl6pPr marL="2286000" indent="0">
-              <a:buNone/>
-              <a:defRPr sz="1000"/>
-            </a:lvl6pPr>
-            <a:lvl7pPr marL="2743200" indent="0">
-              <a:buNone/>
-              <a:defRPr sz="1000"/>
-            </a:lvl7pPr>
-            <a:lvl8pPr marL="3200400" indent="0">
-              <a:buNone/>
-              <a:defRPr sz="1000"/>
-            </a:lvl8pPr>
-            <a:lvl9pPr marL="3657600" indent="0">
-              <a:buNone/>
-              <a:defRPr sz="1000"/>
-            </a:lvl9pPr>
-          </a:lstStyle>
-          <a:p>
-            <a:pPr lvl="0"/>
-            <a:r>
-              <a:rPr lang="en-US" smtClean="0"/>
-              <a:t>Click to edit Master text styles</a:t>
-            </a:r>
-          </a:p>
-        </p:txBody>
-      </p:sp>
-      <p:sp>
-        <p:nvSpPr>
-          <p:cNvPr id="4" name="Text Placeholder 3"/>
-          <p:cNvSpPr>
-            <a:spLocks noGrp="1"/>
-          </p:cNvSpPr>
-          <p:nvPr>
-            <p:ph type="body" sz="half" idx="2"/>
-          </p:nvPr>
-        </p:nvSpPr>
-        <p:spPr>
-          <a:xfrm>
-            <a:off x="913794" y="4204821"/>
-            <a:ext cx="10353762" cy="1586380"/>
-          </a:xfrm>
-        </p:spPr>
-        <p:txBody>
-          <a:bodyPr anchor="ctr">
-            <a:normAutofit/>
-          </a:bodyPr>
-          <a:lstStyle>
-            <a:lvl1pPr marL="0" indent="0" algn="ctr">
-              <a:buNone/>
-              <a:defRPr sz="1600"/>
-            </a:lvl1pPr>
-            <a:lvl2pPr marL="457200" indent="0">
-              <a:buNone/>
-              <a:defRPr sz="1400"/>
-            </a:lvl2pPr>
-            <a:lvl3pPr marL="914400" indent="0">
-              <a:buNone/>
-              <a:defRPr sz="1200"/>
-            </a:lvl3pPr>
-            <a:lvl4pPr marL="1371600" indent="0">
-              <a:buNone/>
-              <a:defRPr sz="1000"/>
-            </a:lvl4pPr>
-            <a:lvl5pPr marL="1828800" indent="0">
-              <a:buNone/>
-              <a:defRPr sz="1000"/>
-            </a:lvl5pPr>
-            <a:lvl6pPr marL="2286000" indent="0">
-              <a:buNone/>
-              <a:defRPr sz="1000"/>
-            </a:lvl6pPr>
-            <a:lvl7pPr marL="2743200" indent="0">
-              <a:buNone/>
-              <a:defRPr sz="1000"/>
-            </a:lvl7pPr>
-            <a:lvl8pPr marL="3200400" indent="0">
-              <a:buNone/>
-              <a:defRPr sz="1000"/>
-            </a:lvl8pPr>
-            <a:lvl9pPr marL="3657600" indent="0">
-              <a:buNone/>
-              <a:defRPr sz="1000"/>
-            </a:lvl9pPr>
-          </a:lstStyle>
-          <a:p>
-            <a:pPr lvl="0"/>
-            <a:r>
-              <a:rPr lang="en-US" smtClean="0"/>
-              <a:t>Click to edit Master text styles</a:t>
-            </a:r>
-          </a:p>
-        </p:txBody>
-      </p:sp>
-      <p:sp>
-        <p:nvSpPr>
-          <p:cNvPr id="5" name="Date Placeholder 4"/>
-          <p:cNvSpPr>
-            <a:spLocks noGrp="1"/>
-          </p:cNvSpPr>
-          <p:nvPr>
-            <p:ph type="dt" sz="half" idx="10"/>
-          </p:nvPr>
-        </p:nvSpPr>
-        <p:spPr/>
-        <p:txBody>
-          <a:bodyPr/>
-          <a:lstStyle/>
-          <a:p>
-            <a:fld id="{BD51340E-7DD1-44B3-9C4B-EB159C75E0E0}" type="datetimeFigureOut">
-              <a:rPr lang="en-US" smtClean="0"/>
-              <a:t>11/11/2016</a:t>
-            </a:fld>
-            <a:endParaRPr lang="en-US"/>
-          </a:p>
-        </p:txBody>
-      </p:sp>
-      <p:sp>
-        <p:nvSpPr>
-          <p:cNvPr id="6" name="Footer Placeholder 5"/>
-          <p:cNvSpPr>
-            <a:spLocks noGrp="1"/>
-          </p:cNvSpPr>
-          <p:nvPr>
-            <p:ph type="ftr" sz="quarter" idx="11"/>
-          </p:nvPr>
-        </p:nvSpPr>
-        <p:spPr/>
-        <p:txBody>
-          <a:bodyPr/>
-          <a:lstStyle/>
-          <a:p>
-            <a:endParaRPr lang="en-US"/>
-          </a:p>
-        </p:txBody>
-      </p:sp>
-      <p:sp>
-        <p:nvSpPr>
-          <p:cNvPr id="7" name="Slide Number Placeholder 6"/>
-          <p:cNvSpPr>
-            <a:spLocks noGrp="1"/>
-          </p:cNvSpPr>
-          <p:nvPr>
-            <p:ph type="sldNum" sz="quarter" idx="12"/>
-          </p:nvPr>
-        </p:nvSpPr>
-        <p:spPr/>
-        <p:txBody>
-          <a:bodyPr/>
-          <a:lstStyle/>
-          <a:p>
-            <a:fld id="{2D6EC24A-DFBB-4882-A58D-23A5EE1D344D}" type="slidenum">
-              <a:rPr lang="en-US" smtClean="0"/>
-              <a:t>‹#›</a:t>
-            </a:fld>
-            <a:endParaRPr lang="en-US"/>
-          </a:p>
-        </p:txBody>
-      </p:sp>
-      <p:sp>
-        <p:nvSpPr>
-          <p:cNvPr id="11" name="TextBox 10"/>
-          <p:cNvSpPr txBox="1"/>
-          <p:nvPr/>
-        </p:nvSpPr>
-        <p:spPr>
-          <a:xfrm>
-            <a:off x="836612" y="735241"/>
+            <a:off x="1598612" y="863023"/>
             <a:ext cx="609600" cy="584776"/>
           </a:xfrm>
           <a:prstGeom prst="rect">
@@ -1603,13 +1813,13 @@
       </p:sp>
       <p:sp>
         <p:nvSpPr>
-          <p:cNvPr id="13" name="TextBox 12"/>
+          <p:cNvPr id="15" name="TextBox 14"/>
           <p:cNvSpPr txBox="1"/>
           <p:nvPr/>
         </p:nvSpPr>
         <p:spPr>
           <a:xfrm>
-            <a:off x="10657956" y="2972093"/>
+            <a:off x="10893425" y="2819399"/>
             <a:ext cx="609600" cy="584776"/>
           </a:xfrm>
           <a:prstGeom prst="rect">
@@ -1717,10 +1927,288 @@
           </a:p>
         </p:txBody>
       </p:sp>
+      <p:sp>
+        <p:nvSpPr>
+          <p:cNvPr id="2" name="Title 1"/>
+          <p:cNvSpPr>
+            <a:spLocks noGrp="1"/>
+          </p:cNvSpPr>
+          <p:nvPr>
+            <p:ph type="title"/>
+          </p:nvPr>
+        </p:nvSpPr>
+        <p:spPr>
+          <a:xfrm>
+            <a:off x="2208212" y="685800"/>
+            <a:ext cx="8990012" cy="2743199"/>
+          </a:xfrm>
+        </p:spPr>
+        <p:txBody>
+          <a:bodyPr anchor="ctr">
+            <a:normAutofit/>
+          </a:bodyPr>
+          <a:lstStyle>
+            <a:lvl1pPr algn="ctr">
+              <a:defRPr sz="3200" b="0" cap="none">
+                <a:solidFill>
+                  <a:schemeClr val="tx1"/>
+                </a:solidFill>
+              </a:defRPr>
+            </a:lvl1pPr>
+          </a:lstStyle>
+          <a:p>
+            <a:r>
+              <a:rPr lang="en-US" smtClean="0"/>
+              <a:t>Click to edit Master title style</a:t>
+            </a:r>
+            <a:endParaRPr lang="en-US" dirty="0"/>
+          </a:p>
+        </p:txBody>
+      </p:sp>
+      <p:sp>
+        <p:nvSpPr>
+          <p:cNvPr id="10" name="Text Placeholder 9"/>
+          <p:cNvSpPr>
+            <a:spLocks noGrp="1"/>
+          </p:cNvSpPr>
+          <p:nvPr>
+            <p:ph type="body" sz="quarter" idx="13"/>
+          </p:nvPr>
+        </p:nvSpPr>
+        <p:spPr>
+          <a:xfrm>
+            <a:off x="2436811" y="3428999"/>
+            <a:ext cx="8532815" cy="381000"/>
+          </a:xfrm>
+        </p:spPr>
+        <p:txBody>
+          <a:bodyPr anchor="ctr">
+            <a:normAutofit/>
+          </a:bodyPr>
+          <a:lstStyle>
+            <a:lvl1pPr marL="0" indent="0">
+              <a:buFontTx/>
+              <a:buNone/>
+              <a:defRPr sz="1800"/>
+            </a:lvl1pPr>
+            <a:lvl2pPr marL="457200" indent="0">
+              <a:buFontTx/>
+              <a:buNone/>
+              <a:defRPr/>
+            </a:lvl2pPr>
+            <a:lvl3pPr marL="914400" indent="0">
+              <a:buFontTx/>
+              <a:buNone/>
+              <a:defRPr/>
+            </a:lvl3pPr>
+            <a:lvl4pPr marL="1371600" indent="0">
+              <a:buFontTx/>
+              <a:buNone/>
+              <a:defRPr/>
+            </a:lvl4pPr>
+            <a:lvl5pPr marL="1828800" indent="0">
+              <a:buFontTx/>
+              <a:buNone/>
+              <a:defRPr/>
+            </a:lvl5pPr>
+          </a:lstStyle>
+          <a:p>
+            <a:pPr lvl="0"/>
+            <a:r>
+              <a:rPr lang="en-US" smtClean="0"/>
+              <a:t>Click to edit Master text styles</a:t>
+            </a:r>
+          </a:p>
+        </p:txBody>
+      </p:sp>
+      <p:sp>
+        <p:nvSpPr>
+          <p:cNvPr id="3" name="Text Placeholder 2"/>
+          <p:cNvSpPr>
+            <a:spLocks noGrp="1"/>
+          </p:cNvSpPr>
+          <p:nvPr>
+            <p:ph type="body" idx="1"/>
+          </p:nvPr>
+        </p:nvSpPr>
+        <p:spPr>
+          <a:xfrm>
+            <a:off x="1484311" y="4343400"/>
+            <a:ext cx="10018711" cy="1447800"/>
+          </a:xfrm>
+        </p:spPr>
+        <p:txBody>
+          <a:bodyPr anchor="ctr">
+            <a:normAutofit/>
+          </a:bodyPr>
+          <a:lstStyle>
+            <a:lvl1pPr marL="0" indent="0" algn="ctr">
+              <a:buNone/>
+              <a:defRPr sz="2000">
+                <a:solidFill>
+                  <a:schemeClr val="tx1"/>
+                </a:solidFill>
+              </a:defRPr>
+            </a:lvl1pPr>
+            <a:lvl2pPr marL="457200" indent="0">
+              <a:buNone/>
+              <a:defRPr sz="1800">
+                <a:solidFill>
+                  <a:schemeClr val="tx1">
+                    <a:tint val="75000"/>
+                  </a:schemeClr>
+                </a:solidFill>
+              </a:defRPr>
+            </a:lvl2pPr>
+            <a:lvl3pPr marL="914400" indent="0">
+              <a:buNone/>
+              <a:defRPr sz="1600">
+                <a:solidFill>
+                  <a:schemeClr val="tx1">
+                    <a:tint val="75000"/>
+                  </a:schemeClr>
+                </a:solidFill>
+              </a:defRPr>
+            </a:lvl3pPr>
+            <a:lvl4pPr marL="1371600" indent="0">
+              <a:buNone/>
+              <a:defRPr sz="1400">
+                <a:solidFill>
+                  <a:schemeClr val="tx1">
+                    <a:tint val="75000"/>
+                  </a:schemeClr>
+                </a:solidFill>
+              </a:defRPr>
+            </a:lvl4pPr>
+            <a:lvl5pPr marL="1828800" indent="0">
+              <a:buNone/>
+              <a:defRPr sz="1400">
+                <a:solidFill>
+                  <a:schemeClr val="tx1">
+                    <a:tint val="75000"/>
+                  </a:schemeClr>
+                </a:solidFill>
+              </a:defRPr>
+            </a:lvl5pPr>
+            <a:lvl6pPr marL="2286000" indent="0">
+              <a:buNone/>
+              <a:defRPr sz="1400">
+                <a:solidFill>
+                  <a:schemeClr val="tx1">
+                    <a:tint val="75000"/>
+                  </a:schemeClr>
+                </a:solidFill>
+              </a:defRPr>
+            </a:lvl6pPr>
+            <a:lvl7pPr marL="2743200" indent="0">
+              <a:buNone/>
+              <a:defRPr sz="1400">
+                <a:solidFill>
+                  <a:schemeClr val="tx1">
+                    <a:tint val="75000"/>
+                  </a:schemeClr>
+                </a:solidFill>
+              </a:defRPr>
+            </a:lvl7pPr>
+            <a:lvl8pPr marL="3200400" indent="0">
+              <a:buNone/>
+              <a:defRPr sz="1400">
+                <a:solidFill>
+                  <a:schemeClr val="tx1">
+                    <a:tint val="75000"/>
+                  </a:schemeClr>
+                </a:solidFill>
+              </a:defRPr>
+            </a:lvl8pPr>
+            <a:lvl9pPr marL="3657600" indent="0">
+              <a:buNone/>
+              <a:defRPr sz="1400">
+                <a:solidFill>
+                  <a:schemeClr val="tx1">
+                    <a:tint val="75000"/>
+                  </a:schemeClr>
+                </a:solidFill>
+              </a:defRPr>
+            </a:lvl9pPr>
+          </a:lstStyle>
+          <a:p>
+            <a:pPr lvl="0"/>
+            <a:r>
+              <a:rPr lang="en-US" smtClean="0"/>
+              <a:t>Click to edit Master text styles</a:t>
+            </a:r>
+          </a:p>
+        </p:txBody>
+      </p:sp>
+      <p:sp>
+        <p:nvSpPr>
+          <p:cNvPr id="4" name="Date Placeholder 3"/>
+          <p:cNvSpPr>
+            <a:spLocks noGrp="1"/>
+          </p:cNvSpPr>
+          <p:nvPr>
+            <p:ph type="dt" sz="half" idx="10"/>
+          </p:nvPr>
+        </p:nvSpPr>
+        <p:spPr/>
+        <p:txBody>
+          <a:bodyPr/>
+          <a:lstStyle/>
+          <a:p>
+            <a:fld id="{BD51340E-7DD1-44B3-9C4B-EB159C75E0E0}" type="datetimeFigureOut">
+              <a:rPr lang="en-US" smtClean="0"/>
+              <a:t>11/11/2016</a:t>
+            </a:fld>
+            <a:endParaRPr lang="en-US"/>
+          </a:p>
+        </p:txBody>
+      </p:sp>
+      <p:sp>
+        <p:nvSpPr>
+          <p:cNvPr id="5" name="Footer Placeholder 4"/>
+          <p:cNvSpPr>
+            <a:spLocks noGrp="1"/>
+          </p:cNvSpPr>
+          <p:nvPr>
+            <p:ph type="ftr" sz="quarter" idx="11"/>
+          </p:nvPr>
+        </p:nvSpPr>
+        <p:spPr/>
+        <p:txBody>
+          <a:bodyPr/>
+          <a:lstStyle/>
+          <a:p>
+            <a:endParaRPr lang="en-US"/>
+          </a:p>
+        </p:txBody>
+      </p:sp>
+      <p:sp>
+        <p:nvSpPr>
+          <p:cNvPr id="6" name="Slide Number Placeholder 5"/>
+          <p:cNvSpPr>
+            <a:spLocks noGrp="1"/>
+          </p:cNvSpPr>
+          <p:nvPr>
+            <p:ph type="sldNum" sz="quarter" idx="12"/>
+          </p:nvPr>
+        </p:nvSpPr>
+        <p:spPr/>
+        <p:txBody>
+          <a:bodyPr/>
+          <a:lstStyle/>
+          <a:p>
+            <a:fld id="{2D6EC24A-DFBB-4882-A58D-23A5EE1D344D}" type="slidenum">
+              <a:rPr lang="en-US" smtClean="0"/>
+              <a:t>‹#›</a:t>
+            </a:fld>
+            <a:endParaRPr lang="en-US"/>
+          </a:p>
+        </p:txBody>
+      </p:sp>
     </p:spTree>
     <p:extLst>
       <p:ext uri="{BB962C8B-B14F-4D97-AF65-F5344CB8AC3E}">
-        <p14:creationId xmlns:p14="http://schemas.microsoft.com/office/powerpoint/2010/main" val="213783232"/>
+        <p14:creationId xmlns:p14="http://schemas.microsoft.com/office/powerpoint/2010/main" val="1992346115"/>
       </p:ext>
     </p:extLst>
   </p:cSld>
@@ -1759,15 +2247,17 @@
         </p:nvSpPr>
         <p:spPr>
           <a:xfrm>
-            <a:off x="913806" y="2126942"/>
-            <a:ext cx="10355327" cy="2511835"/>
+            <a:off x="1484313" y="3308581"/>
+            <a:ext cx="10018709" cy="1468800"/>
           </a:xfrm>
         </p:spPr>
         <p:txBody>
-          <a:bodyPr anchor="b"/>
+          <a:bodyPr anchor="b">
+            <a:normAutofit/>
+          </a:bodyPr>
           <a:lstStyle>
-            <a:lvl1pPr>
-              <a:defRPr sz="3200"/>
+            <a:lvl1pPr algn="r">
+              <a:defRPr sz="3200" b="0" cap="none"/>
             </a:lvl1pPr>
           </a:lstStyle>
           <a:p>
@@ -1781,58 +2271,112 @@
       </p:sp>
       <p:sp>
         <p:nvSpPr>
-          <p:cNvPr id="4" name="Text Placeholder 3"/>
-          <p:cNvSpPr>
-            <a:spLocks noGrp="1"/>
-          </p:cNvSpPr>
-          <p:nvPr>
-            <p:ph type="body" sz="half" idx="2"/>
+          <p:cNvPr id="3" name="Text Placeholder 2"/>
+          <p:cNvSpPr>
+            <a:spLocks noGrp="1"/>
+          </p:cNvSpPr>
+          <p:nvPr>
+            <p:ph type="body" idx="1"/>
           </p:nvPr>
         </p:nvSpPr>
         <p:spPr>
           <a:xfrm>
-            <a:off x="913794" y="4650556"/>
-            <a:ext cx="10353763" cy="1140644"/>
+            <a:off x="1484312" y="4777381"/>
+            <a:ext cx="10018710" cy="860400"/>
           </a:xfrm>
         </p:spPr>
         <p:txBody>
-          <a:bodyPr anchor="t"/>
+          <a:bodyPr anchor="t">
+            <a:normAutofit/>
+          </a:bodyPr>
           <a:lstStyle>
-            <a:lvl1pPr marL="0" indent="0" algn="ctr">
-              <a:buNone/>
-              <a:defRPr sz="1600"/>
+            <a:lvl1pPr marL="0" indent="0" algn="r">
+              <a:buNone/>
+              <a:defRPr sz="2000">
+                <a:solidFill>
+                  <a:schemeClr val="tx1"/>
+                </a:solidFill>
+              </a:defRPr>
             </a:lvl1pPr>
             <a:lvl2pPr marL="457200" indent="0">
               <a:buNone/>
-              <a:defRPr sz="1400"/>
+              <a:defRPr sz="1800">
+                <a:solidFill>
+                  <a:schemeClr val="tx1">
+                    <a:tint val="75000"/>
+                  </a:schemeClr>
+                </a:solidFill>
+              </a:defRPr>
             </a:lvl2pPr>
             <a:lvl3pPr marL="914400" indent="0">
               <a:buNone/>
-              <a:defRPr sz="1200"/>
+              <a:defRPr sz="1600">
+                <a:solidFill>
+                  <a:schemeClr val="tx1">
+                    <a:tint val="75000"/>
+                  </a:schemeClr>
+                </a:solidFill>
+              </a:defRPr>
             </a:lvl3pPr>
             <a:lvl4pPr marL="1371600" indent="0">
               <a:buNone/>
-              <a:defRPr sz="1000"/>
+              <a:defRPr sz="1400">
+                <a:solidFill>
+                  <a:schemeClr val="tx1">
+                    <a:tint val="75000"/>
+                  </a:schemeClr>
+                </a:solidFill>
+              </a:defRPr>
             </a:lvl4pPr>
             <a:lvl5pPr marL="1828800" indent="0">
               <a:buNone/>
-              <a:defRPr sz="1000"/>
+              <a:defRPr sz="1400">
+                <a:solidFill>
+                  <a:schemeClr val="tx1">
+                    <a:tint val="75000"/>
+                  </a:schemeClr>
+                </a:solidFill>
+              </a:defRPr>
             </a:lvl5pPr>
             <a:lvl6pPr marL="2286000" indent="0">
               <a:buNone/>
-              <a:defRPr sz="1000"/>
+              <a:defRPr sz="1400">
+                <a:solidFill>
+                  <a:schemeClr val="tx1">
+                    <a:tint val="75000"/>
+                  </a:schemeClr>
+                </a:solidFill>
+              </a:defRPr>
             </a:lvl6pPr>
             <a:lvl7pPr marL="2743200" indent="0">
               <a:buNone/>
-              <a:defRPr sz="1000"/>
+              <a:defRPr sz="1400">
+                <a:solidFill>
+                  <a:schemeClr val="tx1">
+                    <a:tint val="75000"/>
+                  </a:schemeClr>
+                </a:solidFill>
+              </a:defRPr>
             </a:lvl7pPr>
             <a:lvl8pPr marL="3200400" indent="0">
               <a:buNone/>
-              <a:defRPr sz="1000"/>
+              <a:defRPr sz="1400">
+                <a:solidFill>
+                  <a:schemeClr val="tx1">
+                    <a:tint val="75000"/>
+                  </a:schemeClr>
+                </a:solidFill>
+              </a:defRPr>
             </a:lvl8pPr>
             <a:lvl9pPr marL="3657600" indent="0">
               <a:buNone/>
-              <a:defRPr sz="1000"/>
+              <a:defRPr sz="1400">
+                <a:solidFill>
+                  <a:schemeClr val="tx1">
+                    <a:tint val="75000"/>
+                  </a:schemeClr>
+                </a:solidFill>
+              </a:defRPr>
             </a:lvl9pPr>
           </a:lstStyle>
           <a:p>
@@ -1846,7 +2390,7 @@
       </p:sp>
       <p:sp>
         <p:nvSpPr>
-          <p:cNvPr id="5" name="Date Placeholder 4"/>
+          <p:cNvPr id="4" name="Date Placeholder 3"/>
           <p:cNvSpPr>
             <a:spLocks noGrp="1"/>
           </p:cNvSpPr>
@@ -1869,7 +2413,7 @@
       </p:sp>
       <p:sp>
         <p:nvSpPr>
-          <p:cNvPr id="6" name="Footer Placeholder 5"/>
+          <p:cNvPr id="5" name="Footer Placeholder 4"/>
           <p:cNvSpPr>
             <a:spLocks noGrp="1"/>
           </p:cNvSpPr>
@@ -1888,7 +2432,7 @@
       </p:sp>
       <p:sp>
         <p:nvSpPr>
-          <p:cNvPr id="7" name="Slide Number Placeholder 6"/>
+          <p:cNvPr id="6" name="Slide Number Placeholder 5"/>
           <p:cNvSpPr>
             <a:spLocks noGrp="1"/>
           </p:cNvSpPr>
@@ -1912,7 +2456,7 @@
     </p:spTree>
     <p:extLst>
       <p:ext uri="{BB962C8B-B14F-4D97-AF65-F5344CB8AC3E}">
-        <p14:creationId xmlns:p14="http://schemas.microsoft.com/office/powerpoint/2010/main" val="4009928164"/>
+        <p14:creationId xmlns:p14="http://schemas.microsoft.com/office/powerpoint/2010/main" val="206869022"/>
       </p:ext>
     </p:extLst>
   </p:cSld>
@@ -1924,7 +2468,7 @@
 
 <file path=ppt/slideLayouts/slideLayout14.xml><?xml version="1.0" encoding="utf-8"?>
 <p:sldLayout xmlns:a="http://schemas.openxmlformats.org/drawingml/2006/main" xmlns:r="http://schemas.openxmlformats.org/officeDocument/2006/relationships" xmlns:p="http://schemas.openxmlformats.org/presentationml/2006/main" preserve="1">
-  <p:cSld name="3 Column">
+  <p:cSld name="Quote Name Card">
     <p:spTree>
       <p:nvGrpSpPr>
         <p:cNvPr id="1" name=""/>
@@ -1941,120 +2485,336 @@
       </p:grpSpPr>
       <p:sp>
         <p:nvSpPr>
-          <p:cNvPr id="15" name="Title 1"/>
-          <p:cNvSpPr>
-            <a:spLocks noGrp="1"/>
-          </p:cNvSpPr>
-          <p:nvPr>
-            <p:ph type="title"/>
-          </p:nvPr>
+          <p:cNvPr id="14" name="TextBox 13"/>
+          <p:cNvSpPr txBox="1"/>
+          <p:nvPr/>
         </p:nvSpPr>
         <p:spPr>
           <a:xfrm>
-            <a:off x="913794" y="609600"/>
-            <a:ext cx="10353762" cy="1325563"/>
+            <a:off x="1598612" y="863023"/>
+            <a:ext cx="609600" cy="584776"/>
           </a:xfrm>
+          <a:prstGeom prst="rect">
+            <a:avLst/>
+          </a:prstGeom>
         </p:spPr>
         <p:txBody>
-          <a:bodyPr/>
-          <a:lstStyle/>
-          <a:p>
-            <a:r>
-              <a:rPr lang="en-US" smtClean="0"/>
-              <a:t>Click to edit Master title style</a:t>
-            </a:r>
-            <a:endParaRPr lang="en-US" dirty="0"/>
-          </a:p>
-        </p:txBody>
-      </p:sp>
-      <p:sp>
-        <p:nvSpPr>
-          <p:cNvPr id="7" name="Text Placeholder 2"/>
-          <p:cNvSpPr>
-            <a:spLocks noGrp="1"/>
-          </p:cNvSpPr>
-          <p:nvPr>
-            <p:ph type="body" idx="1"/>
-          </p:nvPr>
-        </p:nvSpPr>
-        <p:spPr>
-          <a:xfrm>
-            <a:off x="913794" y="2088319"/>
-            <a:ext cx="3298956" cy="823305"/>
-          </a:xfrm>
-        </p:spPr>
-        <p:txBody>
-          <a:bodyPr anchor="b">
+          <a:bodyPr vert="horz" lIns="91440" tIns="45720" rIns="91440" bIns="45720" rtlCol="0" anchor="ctr">
             <a:noAutofit/>
           </a:bodyPr>
           <a:lstStyle>
-            <a:lvl1pPr marL="0" indent="0" algn="ctr">
-              <a:lnSpc>
-                <a:spcPct val="100000"/>
-              </a:lnSpc>
-              <a:buNone/>
-              <a:defRPr sz="2400" b="0">
-                <a:solidFill>
-                  <a:schemeClr val="tx1"/>
-                </a:solidFill>
+            <a:lvl1pPr>
+              <a:spcBef>
+                <a:spcPct val="0"/>
+              </a:spcBef>
+              <a:buNone/>
+              <a:defRPr sz="3200" b="0" cap="all">
+                <a:ln w="3175" cmpd="sng">
+                  <a:noFill/>
+                </a:ln>
+                <a:effectLst>
+                  <a:glow rad="38100">
+                    <a:schemeClr val="bg1">
+                      <a:lumMod val="65000"/>
+                      <a:lumOff val="35000"/>
+                      <a:alpha val="40000"/>
+                    </a:schemeClr>
+                  </a:glow>
+                  <a:outerShdw blurRad="28575" dist="38100" dir="14040000" algn="tl" rotWithShape="0">
+                    <a:srgbClr val="000000">
+                      <a:alpha val="25000"/>
+                    </a:srgbClr>
+                  </a:outerShdw>
+                </a:effectLst>
               </a:defRPr>
             </a:lvl1pPr>
-            <a:lvl2pPr marL="457200" indent="0">
-              <a:buNone/>
-              <a:defRPr sz="2000" b="1"/>
+            <a:lvl2pPr>
+              <a:defRPr>
+                <a:solidFill>
+                  <a:schemeClr val="tx2"/>
+                </a:solidFill>
+              </a:defRPr>
             </a:lvl2pPr>
-            <a:lvl3pPr marL="914400" indent="0">
-              <a:buNone/>
-              <a:defRPr sz="1800" b="1"/>
+            <a:lvl3pPr>
+              <a:defRPr>
+                <a:solidFill>
+                  <a:schemeClr val="tx2"/>
+                </a:solidFill>
+              </a:defRPr>
             </a:lvl3pPr>
-            <a:lvl4pPr marL="1371600" indent="0">
-              <a:buNone/>
-              <a:defRPr sz="1600" b="1"/>
+            <a:lvl4pPr>
+              <a:defRPr>
+                <a:solidFill>
+                  <a:schemeClr val="tx2"/>
+                </a:solidFill>
+              </a:defRPr>
             </a:lvl4pPr>
-            <a:lvl5pPr marL="1828800" indent="0">
-              <a:buNone/>
-              <a:defRPr sz="1600" b="1"/>
+            <a:lvl5pPr>
+              <a:defRPr>
+                <a:solidFill>
+                  <a:schemeClr val="tx2"/>
+                </a:solidFill>
+              </a:defRPr>
             </a:lvl5pPr>
-            <a:lvl6pPr marL="2286000" indent="0">
-              <a:buNone/>
-              <a:defRPr sz="1600" b="1"/>
+            <a:lvl6pPr>
+              <a:defRPr>
+                <a:solidFill>
+                  <a:schemeClr val="tx2"/>
+                </a:solidFill>
+              </a:defRPr>
             </a:lvl6pPr>
-            <a:lvl7pPr marL="2743200" indent="0">
-              <a:buNone/>
-              <a:defRPr sz="1600" b="1"/>
+            <a:lvl7pPr>
+              <a:defRPr>
+                <a:solidFill>
+                  <a:schemeClr val="tx2"/>
+                </a:solidFill>
+              </a:defRPr>
             </a:lvl7pPr>
-            <a:lvl8pPr marL="3200400" indent="0">
-              <a:buNone/>
-              <a:defRPr sz="1600" b="1"/>
+            <a:lvl8pPr>
+              <a:defRPr>
+                <a:solidFill>
+                  <a:schemeClr val="tx2"/>
+                </a:solidFill>
+              </a:defRPr>
             </a:lvl8pPr>
-            <a:lvl9pPr marL="3657600" indent="0">
-              <a:buNone/>
-              <a:defRPr sz="1600" b="1"/>
+            <a:lvl9pPr>
+              <a:defRPr>
+                <a:solidFill>
+                  <a:schemeClr val="tx2"/>
+                </a:solidFill>
+              </a:defRPr>
             </a:lvl9pPr>
           </a:lstStyle>
           <a:p>
             <a:pPr lvl="0"/>
             <a:r>
-              <a:rPr lang="en-US" smtClean="0"/>
-              <a:t>Click to edit Master text styles</a:t>
-            </a:r>
-          </a:p>
-        </p:txBody>
-      </p:sp>
-      <p:sp>
-        <p:nvSpPr>
-          <p:cNvPr id="8" name="Text Placeholder 3"/>
-          <p:cNvSpPr>
-            <a:spLocks noGrp="1"/>
-          </p:cNvSpPr>
-          <p:nvPr>
-            <p:ph type="body" sz="half" idx="15"/>
-          </p:nvPr>
+              <a:rPr lang="en-US" sz="8000" dirty="0">
+                <a:solidFill>
+                  <a:schemeClr val="tx1"/>
+                </a:solidFill>
+                <a:effectLst/>
+              </a:rPr>
+              <a:t>“</a:t>
+            </a:r>
+          </a:p>
+        </p:txBody>
+      </p:sp>
+      <p:sp>
+        <p:nvSpPr>
+          <p:cNvPr id="15" name="TextBox 14"/>
+          <p:cNvSpPr txBox="1"/>
+          <p:nvPr/>
         </p:nvSpPr>
         <p:spPr>
           <a:xfrm>
-            <a:off x="913794" y="2911624"/>
-            <a:ext cx="3298956" cy="2879576"/>
+            <a:off x="10893425" y="2819399"/>
+            <a:ext cx="609600" cy="584776"/>
+          </a:xfrm>
+          <a:prstGeom prst="rect">
+            <a:avLst/>
+          </a:prstGeom>
+        </p:spPr>
+        <p:txBody>
+          <a:bodyPr vert="horz" lIns="91440" tIns="45720" rIns="91440" bIns="45720" rtlCol="0" anchor="ctr">
+            <a:noAutofit/>
+          </a:bodyPr>
+          <a:lstStyle>
+            <a:lvl1pPr>
+              <a:spcBef>
+                <a:spcPct val="0"/>
+              </a:spcBef>
+              <a:buNone/>
+              <a:defRPr sz="3200" b="0" cap="all">
+                <a:ln w="3175" cmpd="sng">
+                  <a:noFill/>
+                </a:ln>
+                <a:effectLst>
+                  <a:glow rad="38100">
+                    <a:schemeClr val="bg1">
+                      <a:lumMod val="65000"/>
+                      <a:lumOff val="35000"/>
+                      <a:alpha val="40000"/>
+                    </a:schemeClr>
+                  </a:glow>
+                  <a:outerShdw blurRad="28575" dist="38100" dir="14040000" algn="tl" rotWithShape="0">
+                    <a:srgbClr val="000000">
+                      <a:alpha val="25000"/>
+                    </a:srgbClr>
+                  </a:outerShdw>
+                </a:effectLst>
+              </a:defRPr>
+            </a:lvl1pPr>
+            <a:lvl2pPr>
+              <a:defRPr>
+                <a:solidFill>
+                  <a:schemeClr val="tx2"/>
+                </a:solidFill>
+              </a:defRPr>
+            </a:lvl2pPr>
+            <a:lvl3pPr>
+              <a:defRPr>
+                <a:solidFill>
+                  <a:schemeClr val="tx2"/>
+                </a:solidFill>
+              </a:defRPr>
+            </a:lvl3pPr>
+            <a:lvl4pPr>
+              <a:defRPr>
+                <a:solidFill>
+                  <a:schemeClr val="tx2"/>
+                </a:solidFill>
+              </a:defRPr>
+            </a:lvl4pPr>
+            <a:lvl5pPr>
+              <a:defRPr>
+                <a:solidFill>
+                  <a:schemeClr val="tx2"/>
+                </a:solidFill>
+              </a:defRPr>
+            </a:lvl5pPr>
+            <a:lvl6pPr>
+              <a:defRPr>
+                <a:solidFill>
+                  <a:schemeClr val="tx2"/>
+                </a:solidFill>
+              </a:defRPr>
+            </a:lvl6pPr>
+            <a:lvl7pPr>
+              <a:defRPr>
+                <a:solidFill>
+                  <a:schemeClr val="tx2"/>
+                </a:solidFill>
+              </a:defRPr>
+            </a:lvl7pPr>
+            <a:lvl8pPr>
+              <a:defRPr>
+                <a:solidFill>
+                  <a:schemeClr val="tx2"/>
+                </a:solidFill>
+              </a:defRPr>
+            </a:lvl8pPr>
+            <a:lvl9pPr>
+              <a:defRPr>
+                <a:solidFill>
+                  <a:schemeClr val="tx2"/>
+                </a:solidFill>
+              </a:defRPr>
+            </a:lvl9pPr>
+          </a:lstStyle>
+          <a:p>
+            <a:pPr lvl="0" algn="r"/>
+            <a:r>
+              <a:rPr lang="en-US" sz="8000" dirty="0">
+                <a:solidFill>
+                  <a:schemeClr val="tx1"/>
+                </a:solidFill>
+                <a:effectLst/>
+              </a:rPr>
+              <a:t>”</a:t>
+            </a:r>
+          </a:p>
+        </p:txBody>
+      </p:sp>
+      <p:sp>
+        <p:nvSpPr>
+          <p:cNvPr id="2" name="Title 1"/>
+          <p:cNvSpPr>
+            <a:spLocks noGrp="1"/>
+          </p:cNvSpPr>
+          <p:nvPr>
+            <p:ph type="title"/>
+          </p:nvPr>
+        </p:nvSpPr>
+        <p:spPr>
+          <a:xfrm>
+            <a:off x="2208212" y="685800"/>
+            <a:ext cx="8990012" cy="2743199"/>
+          </a:xfrm>
+        </p:spPr>
+        <p:txBody>
+          <a:bodyPr anchor="ctr">
+            <a:normAutofit/>
+          </a:bodyPr>
+          <a:lstStyle>
+            <a:lvl1pPr algn="ctr">
+              <a:defRPr sz="3200" b="0" cap="none">
+                <a:solidFill>
+                  <a:schemeClr val="tx1"/>
+                </a:solidFill>
+              </a:defRPr>
+            </a:lvl1pPr>
+          </a:lstStyle>
+          <a:p>
+            <a:r>
+              <a:rPr lang="en-US" smtClean="0"/>
+              <a:t>Click to edit Master title style</a:t>
+            </a:r>
+            <a:endParaRPr lang="en-US" dirty="0"/>
+          </a:p>
+        </p:txBody>
+      </p:sp>
+      <p:sp>
+        <p:nvSpPr>
+          <p:cNvPr id="10" name="Text Placeholder 9"/>
+          <p:cNvSpPr>
+            <a:spLocks noGrp="1"/>
+          </p:cNvSpPr>
+          <p:nvPr>
+            <p:ph type="body" sz="quarter" idx="13"/>
+          </p:nvPr>
+        </p:nvSpPr>
+        <p:spPr>
+          <a:xfrm>
+            <a:off x="1484313" y="3886200"/>
+            <a:ext cx="10018710" cy="889000"/>
+          </a:xfrm>
+        </p:spPr>
+        <p:txBody>
+          <a:bodyPr vert="horz" lIns="91440" tIns="45720" rIns="91440" bIns="45720" rtlCol="0" anchor="b">
+            <a:normAutofit/>
+          </a:bodyPr>
+          <a:lstStyle>
+            <a:lvl1pPr algn="r">
+              <a:buNone/>
+              <a:defRPr lang="en-US" sz="2400" b="0" cap="none" dirty="0">
+                <a:ln w="3175" cmpd="sng">
+                  <a:noFill/>
+                </a:ln>
+                <a:solidFill>
+                  <a:schemeClr val="tx1"/>
+                </a:solidFill>
+                <a:effectLst/>
+              </a:defRPr>
+            </a:lvl1pPr>
+          </a:lstStyle>
+          <a:p>
+            <a:pPr marL="0" lvl="0">
+              <a:spcBef>
+                <a:spcPct val="0"/>
+              </a:spcBef>
+              <a:buNone/>
+            </a:pPr>
+            <a:r>
+              <a:rPr lang="en-US" smtClean="0"/>
+              <a:t>Click to edit Master text styles</a:t>
+            </a:r>
+          </a:p>
+        </p:txBody>
+      </p:sp>
+      <p:sp>
+        <p:nvSpPr>
+          <p:cNvPr id="3" name="Text Placeholder 2"/>
+          <p:cNvSpPr>
+            <a:spLocks noGrp="1"/>
+          </p:cNvSpPr>
+          <p:nvPr>
+            <p:ph type="body" idx="1"/>
+          </p:nvPr>
+        </p:nvSpPr>
+        <p:spPr>
+          <a:xfrm>
+            <a:off x="1484312" y="4775200"/>
+            <a:ext cx="10018710" cy="1016000"/>
           </a:xfrm>
         </p:spPr>
         <p:txBody>
@@ -2062,41 +2822,93 @@
             <a:normAutofit/>
           </a:bodyPr>
           <a:lstStyle>
-            <a:lvl1pPr marL="0" indent="0" algn="ctr">
-              <a:buNone/>
-              <a:defRPr sz="1400"/>
+            <a:lvl1pPr marL="0" indent="0" algn="r">
+              <a:buNone/>
+              <a:defRPr sz="1800">
+                <a:solidFill>
+                  <a:schemeClr val="tx1"/>
+                </a:solidFill>
+              </a:defRPr>
             </a:lvl1pPr>
             <a:lvl2pPr marL="457200" indent="0">
               <a:buNone/>
-              <a:defRPr sz="1200"/>
+              <a:defRPr sz="1800">
+                <a:solidFill>
+                  <a:schemeClr val="tx1">
+                    <a:tint val="75000"/>
+                  </a:schemeClr>
+                </a:solidFill>
+              </a:defRPr>
             </a:lvl2pPr>
             <a:lvl3pPr marL="914400" indent="0">
               <a:buNone/>
-              <a:defRPr sz="1000"/>
+              <a:defRPr sz="1600">
+                <a:solidFill>
+                  <a:schemeClr val="tx1">
+                    <a:tint val="75000"/>
+                  </a:schemeClr>
+                </a:solidFill>
+              </a:defRPr>
             </a:lvl3pPr>
             <a:lvl4pPr marL="1371600" indent="0">
               <a:buNone/>
-              <a:defRPr sz="900"/>
+              <a:defRPr sz="1400">
+                <a:solidFill>
+                  <a:schemeClr val="tx1">
+                    <a:tint val="75000"/>
+                  </a:schemeClr>
+                </a:solidFill>
+              </a:defRPr>
             </a:lvl4pPr>
             <a:lvl5pPr marL="1828800" indent="0">
               <a:buNone/>
-              <a:defRPr sz="900"/>
+              <a:defRPr sz="1400">
+                <a:solidFill>
+                  <a:schemeClr val="tx1">
+                    <a:tint val="75000"/>
+                  </a:schemeClr>
+                </a:solidFill>
+              </a:defRPr>
             </a:lvl5pPr>
             <a:lvl6pPr marL="2286000" indent="0">
               <a:buNone/>
-              <a:defRPr sz="900"/>
+              <a:defRPr sz="1400">
+                <a:solidFill>
+                  <a:schemeClr val="tx1">
+                    <a:tint val="75000"/>
+                  </a:schemeClr>
+                </a:solidFill>
+              </a:defRPr>
             </a:lvl6pPr>
             <a:lvl7pPr marL="2743200" indent="0">
               <a:buNone/>
-              <a:defRPr sz="900"/>
+              <a:defRPr sz="1400">
+                <a:solidFill>
+                  <a:schemeClr val="tx1">
+                    <a:tint val="75000"/>
+                  </a:schemeClr>
+                </a:solidFill>
+              </a:defRPr>
             </a:lvl7pPr>
             <a:lvl8pPr marL="3200400" indent="0">
               <a:buNone/>
-              <a:defRPr sz="900"/>
+              <a:defRPr sz="1400">
+                <a:solidFill>
+                  <a:schemeClr val="tx1">
+                    <a:tint val="75000"/>
+                  </a:schemeClr>
+                </a:solidFill>
+              </a:defRPr>
             </a:lvl8pPr>
             <a:lvl9pPr marL="3657600" indent="0">
               <a:buNone/>
-              <a:defRPr sz="900"/>
+              <a:defRPr sz="1400">
+                <a:solidFill>
+                  <a:schemeClr val="tx1">
+                    <a:tint val="75000"/>
+                  </a:schemeClr>
+                </a:solidFill>
+              </a:defRPr>
             </a:lvl9pPr>
           </a:lstStyle>
           <a:p>
@@ -2110,289 +2922,7 @@
       </p:sp>
       <p:sp>
         <p:nvSpPr>
-          <p:cNvPr id="9" name="Text Placeholder 4"/>
-          <p:cNvSpPr>
-            <a:spLocks noGrp="1"/>
-          </p:cNvSpPr>
-          <p:nvPr>
-            <p:ph type="body" sz="quarter" idx="3"/>
-          </p:nvPr>
-        </p:nvSpPr>
-        <p:spPr>
-          <a:xfrm>
-            <a:off x="4444878" y="2088320"/>
-            <a:ext cx="3298558" cy="823304"/>
-          </a:xfrm>
-        </p:spPr>
-        <p:txBody>
-          <a:bodyPr anchor="b">
-            <a:noAutofit/>
-          </a:bodyPr>
-          <a:lstStyle>
-            <a:lvl1pPr marL="0" indent="0" algn="ctr">
-              <a:lnSpc>
-                <a:spcPct val="100000"/>
-              </a:lnSpc>
-              <a:buNone/>
-              <a:defRPr sz="2400" b="0">
-                <a:solidFill>
-                  <a:schemeClr val="tx1"/>
-                </a:solidFill>
-              </a:defRPr>
-            </a:lvl1pPr>
-            <a:lvl2pPr marL="457200" indent="0">
-              <a:buNone/>
-              <a:defRPr sz="2000" b="1"/>
-            </a:lvl2pPr>
-            <a:lvl3pPr marL="914400" indent="0">
-              <a:buNone/>
-              <a:defRPr sz="1800" b="1"/>
-            </a:lvl3pPr>
-            <a:lvl4pPr marL="1371600" indent="0">
-              <a:buNone/>
-              <a:defRPr sz="1600" b="1"/>
-            </a:lvl4pPr>
-            <a:lvl5pPr marL="1828800" indent="0">
-              <a:buNone/>
-              <a:defRPr sz="1600" b="1"/>
-            </a:lvl5pPr>
-            <a:lvl6pPr marL="2286000" indent="0">
-              <a:buNone/>
-              <a:defRPr sz="1600" b="1"/>
-            </a:lvl6pPr>
-            <a:lvl7pPr marL="2743200" indent="0">
-              <a:buNone/>
-              <a:defRPr sz="1600" b="1"/>
-            </a:lvl7pPr>
-            <a:lvl8pPr marL="3200400" indent="0">
-              <a:buNone/>
-              <a:defRPr sz="1600" b="1"/>
-            </a:lvl8pPr>
-            <a:lvl9pPr marL="3657600" indent="0">
-              <a:buNone/>
-              <a:defRPr sz="1600" b="1"/>
-            </a:lvl9pPr>
-          </a:lstStyle>
-          <a:p>
-            <a:pPr lvl="0"/>
-            <a:r>
-              <a:rPr lang="en-US" smtClean="0"/>
-              <a:t>Click to edit Master text styles</a:t>
-            </a:r>
-          </a:p>
-        </p:txBody>
-      </p:sp>
-      <p:sp>
-        <p:nvSpPr>
-          <p:cNvPr id="10" name="Text Placeholder 3"/>
-          <p:cNvSpPr>
-            <a:spLocks noGrp="1"/>
-          </p:cNvSpPr>
-          <p:nvPr>
-            <p:ph type="body" sz="half" idx="16"/>
-          </p:nvPr>
-        </p:nvSpPr>
-        <p:spPr>
-          <a:xfrm>
-            <a:off x="4444878" y="2911624"/>
-            <a:ext cx="3299821" cy="2879576"/>
-          </a:xfrm>
-        </p:spPr>
-        <p:txBody>
-          <a:bodyPr anchor="t">
-            <a:normAutofit/>
-          </a:bodyPr>
-          <a:lstStyle>
-            <a:lvl1pPr marL="0" indent="0" algn="ctr">
-              <a:buNone/>
-              <a:defRPr sz="1400"/>
-            </a:lvl1pPr>
-            <a:lvl2pPr marL="457200" indent="0">
-              <a:buNone/>
-              <a:defRPr sz="1200"/>
-            </a:lvl2pPr>
-            <a:lvl3pPr marL="914400" indent="0">
-              <a:buNone/>
-              <a:defRPr sz="1000"/>
-            </a:lvl3pPr>
-            <a:lvl4pPr marL="1371600" indent="0">
-              <a:buNone/>
-              <a:defRPr sz="900"/>
-            </a:lvl4pPr>
-            <a:lvl5pPr marL="1828800" indent="0">
-              <a:buNone/>
-              <a:defRPr sz="900"/>
-            </a:lvl5pPr>
-            <a:lvl6pPr marL="2286000" indent="0">
-              <a:buNone/>
-              <a:defRPr sz="900"/>
-            </a:lvl6pPr>
-            <a:lvl7pPr marL="2743200" indent="0">
-              <a:buNone/>
-              <a:defRPr sz="900"/>
-            </a:lvl7pPr>
-            <a:lvl8pPr marL="3200400" indent="0">
-              <a:buNone/>
-              <a:defRPr sz="900"/>
-            </a:lvl8pPr>
-            <a:lvl9pPr marL="3657600" indent="0">
-              <a:buNone/>
-              <a:defRPr sz="900"/>
-            </a:lvl9pPr>
-          </a:lstStyle>
-          <a:p>
-            <a:pPr lvl="0"/>
-            <a:r>
-              <a:rPr lang="en-US" smtClean="0"/>
-              <a:t>Click to edit Master text styles</a:t>
-            </a:r>
-          </a:p>
-        </p:txBody>
-      </p:sp>
-      <p:sp>
-        <p:nvSpPr>
-          <p:cNvPr id="11" name="Text Placeholder 4"/>
-          <p:cNvSpPr>
-            <a:spLocks noGrp="1"/>
-          </p:cNvSpPr>
-          <p:nvPr>
-            <p:ph type="body" sz="quarter" idx="13"/>
-          </p:nvPr>
-        </p:nvSpPr>
-        <p:spPr>
-          <a:xfrm>
-            <a:off x="7973298" y="2088320"/>
-            <a:ext cx="3291211" cy="823304"/>
-          </a:xfrm>
-        </p:spPr>
-        <p:txBody>
-          <a:bodyPr anchor="b">
-            <a:noAutofit/>
-          </a:bodyPr>
-          <a:lstStyle>
-            <a:lvl1pPr marL="0" indent="0" algn="ctr">
-              <a:lnSpc>
-                <a:spcPct val="100000"/>
-              </a:lnSpc>
-              <a:buNone/>
-              <a:defRPr sz="2400" b="0">
-                <a:solidFill>
-                  <a:schemeClr val="tx1"/>
-                </a:solidFill>
-              </a:defRPr>
-            </a:lvl1pPr>
-            <a:lvl2pPr marL="457200" indent="0">
-              <a:buNone/>
-              <a:defRPr sz="2000" b="1"/>
-            </a:lvl2pPr>
-            <a:lvl3pPr marL="914400" indent="0">
-              <a:buNone/>
-              <a:defRPr sz="1800" b="1"/>
-            </a:lvl3pPr>
-            <a:lvl4pPr marL="1371600" indent="0">
-              <a:buNone/>
-              <a:defRPr sz="1600" b="1"/>
-            </a:lvl4pPr>
-            <a:lvl5pPr marL="1828800" indent="0">
-              <a:buNone/>
-              <a:defRPr sz="1600" b="1"/>
-            </a:lvl5pPr>
-            <a:lvl6pPr marL="2286000" indent="0">
-              <a:buNone/>
-              <a:defRPr sz="1600" b="1"/>
-            </a:lvl6pPr>
-            <a:lvl7pPr marL="2743200" indent="0">
-              <a:buNone/>
-              <a:defRPr sz="1600" b="1"/>
-            </a:lvl7pPr>
-            <a:lvl8pPr marL="3200400" indent="0">
-              <a:buNone/>
-              <a:defRPr sz="1600" b="1"/>
-            </a:lvl8pPr>
-            <a:lvl9pPr marL="3657600" indent="0">
-              <a:buNone/>
-              <a:defRPr sz="1600" b="1"/>
-            </a:lvl9pPr>
-          </a:lstStyle>
-          <a:p>
-            <a:pPr lvl="0"/>
-            <a:r>
-              <a:rPr lang="en-US" smtClean="0"/>
-              <a:t>Click to edit Master text styles</a:t>
-            </a:r>
-          </a:p>
-        </p:txBody>
-      </p:sp>
-      <p:sp>
-        <p:nvSpPr>
-          <p:cNvPr id="12" name="Text Placeholder 3"/>
-          <p:cNvSpPr>
-            <a:spLocks noGrp="1"/>
-          </p:cNvSpPr>
-          <p:nvPr>
-            <p:ph type="body" sz="half" idx="17"/>
-          </p:nvPr>
-        </p:nvSpPr>
-        <p:spPr>
-          <a:xfrm>
-            <a:off x="7976346" y="2911624"/>
-            <a:ext cx="3291211" cy="2879576"/>
-          </a:xfrm>
-        </p:spPr>
-        <p:txBody>
-          <a:bodyPr anchor="t">
-            <a:normAutofit/>
-          </a:bodyPr>
-          <a:lstStyle>
-            <a:lvl1pPr marL="0" indent="0" algn="ctr">
-              <a:buNone/>
-              <a:defRPr sz="1400"/>
-            </a:lvl1pPr>
-            <a:lvl2pPr marL="457200" indent="0">
-              <a:buNone/>
-              <a:defRPr sz="1200"/>
-            </a:lvl2pPr>
-            <a:lvl3pPr marL="914400" indent="0">
-              <a:buNone/>
-              <a:defRPr sz="1000"/>
-            </a:lvl3pPr>
-            <a:lvl4pPr marL="1371600" indent="0">
-              <a:buNone/>
-              <a:defRPr sz="900"/>
-            </a:lvl4pPr>
-            <a:lvl5pPr marL="1828800" indent="0">
-              <a:buNone/>
-              <a:defRPr sz="900"/>
-            </a:lvl5pPr>
-            <a:lvl6pPr marL="2286000" indent="0">
-              <a:buNone/>
-              <a:defRPr sz="900"/>
-            </a:lvl6pPr>
-            <a:lvl7pPr marL="2743200" indent="0">
-              <a:buNone/>
-              <a:defRPr sz="900"/>
-            </a:lvl7pPr>
-            <a:lvl8pPr marL="3200400" indent="0">
-              <a:buNone/>
-              <a:defRPr sz="900"/>
-            </a:lvl8pPr>
-            <a:lvl9pPr marL="3657600" indent="0">
-              <a:buNone/>
-              <a:defRPr sz="900"/>
-            </a:lvl9pPr>
-          </a:lstStyle>
-          <a:p>
-            <a:pPr lvl="0"/>
-            <a:r>
-              <a:rPr lang="en-US" smtClean="0"/>
-              <a:t>Click to edit Master text styles</a:t>
-            </a:r>
-          </a:p>
-        </p:txBody>
-      </p:sp>
-      <p:sp>
-        <p:nvSpPr>
-          <p:cNvPr id="3" name="Date Placeholder 2"/>
+          <p:cNvPr id="4" name="Date Placeholder 3"/>
           <p:cNvSpPr>
             <a:spLocks noGrp="1"/>
           </p:cNvSpPr>
@@ -2415,7 +2945,7 @@
       </p:sp>
       <p:sp>
         <p:nvSpPr>
-          <p:cNvPr id="4" name="Footer Placeholder 3"/>
+          <p:cNvPr id="5" name="Footer Placeholder 4"/>
           <p:cNvSpPr>
             <a:spLocks noGrp="1"/>
           </p:cNvSpPr>
@@ -2434,7 +2964,7 @@
       </p:sp>
       <p:sp>
         <p:nvSpPr>
-          <p:cNvPr id="5" name="Slide Number Placeholder 4"/>
+          <p:cNvPr id="6" name="Slide Number Placeholder 5"/>
           <p:cNvSpPr>
             <a:spLocks noGrp="1"/>
           </p:cNvSpPr>
@@ -2458,7 +2988,7 @@
     </p:spTree>
     <p:extLst>
       <p:ext uri="{BB962C8B-B14F-4D97-AF65-F5344CB8AC3E}">
-        <p14:creationId xmlns:p14="http://schemas.microsoft.com/office/powerpoint/2010/main" val="721285158"/>
+        <p14:creationId xmlns:p14="http://schemas.microsoft.com/office/powerpoint/2010/main" val="3163386433"/>
       </p:ext>
     </p:extLst>
   </p:cSld>
@@ -2470,7 +3000,7 @@
 
 <file path=ppt/slideLayouts/slideLayout15.xml><?xml version="1.0" encoding="utf-8"?>
 <p:sldLayout xmlns:a="http://schemas.openxmlformats.org/drawingml/2006/main" xmlns:r="http://schemas.openxmlformats.org/officeDocument/2006/relationships" xmlns:p="http://schemas.openxmlformats.org/presentationml/2006/main" preserve="1">
-  <p:cSld name="3 Picture Column">
+  <p:cSld name="True or False">
     <p:spTree>
       <p:nvGrpSpPr>
         <p:cNvPr id="1" name=""/>
@@ -2487,7 +3017,7 @@
       </p:grpSpPr>
       <p:sp>
         <p:nvSpPr>
-          <p:cNvPr id="30" name="Title 1"/>
+          <p:cNvPr id="2" name="Title 1"/>
           <p:cNvSpPr>
             <a:spLocks noGrp="1"/>
           </p:cNvSpPr>
@@ -2497,14 +3027,21 @@
         </p:nvSpPr>
         <p:spPr>
           <a:xfrm>
-            <a:off x="913795" y="609600"/>
-            <a:ext cx="10353762" cy="1325563"/>
+            <a:off x="1484313" y="685800"/>
+            <a:ext cx="10018712" cy="2727325"/>
           </a:xfrm>
         </p:spPr>
         <p:txBody>
-          <a:bodyPr/>
-          <a:lstStyle/>
-          <a:p>
+          <a:bodyPr vert="horz" lIns="91440" tIns="45720" rIns="91440" bIns="45720" rtlCol="0" anchor="ctr">
+            <a:normAutofit/>
+          </a:bodyPr>
+          <a:lstStyle>
+            <a:lvl1pPr>
+              <a:defRPr lang="en-US" b="0" dirty="0"/>
+            </a:lvl1pPr>
+          </a:lstStyle>
+          <a:p>
+            <a:pPr marL="0" lvl="0"/>
             <a:r>
               <a:rPr lang="en-US" smtClean="0"/>
               <a:t>Click to edit Master title style</a:t>
@@ -2515,71 +3052,45 @@
       </p:sp>
       <p:sp>
         <p:nvSpPr>
-          <p:cNvPr id="19" name="Text Placeholder 2"/>
-          <p:cNvSpPr>
-            <a:spLocks noGrp="1"/>
-          </p:cNvSpPr>
-          <p:nvPr>
-            <p:ph type="body" idx="1"/>
+          <p:cNvPr id="10" name="Text Placeholder 9"/>
+          <p:cNvSpPr>
+            <a:spLocks noGrp="1"/>
+          </p:cNvSpPr>
+          <p:nvPr>
+            <p:ph type="body" sz="quarter" idx="13"/>
           </p:nvPr>
         </p:nvSpPr>
         <p:spPr>
           <a:xfrm>
-            <a:off x="913795" y="4195899"/>
-            <a:ext cx="3298955" cy="576262"/>
+            <a:off x="1484312" y="3505200"/>
+            <a:ext cx="10018713" cy="838200"/>
           </a:xfrm>
         </p:spPr>
         <p:txBody>
-          <a:bodyPr anchor="b">
-            <a:noAutofit/>
+          <a:bodyPr vert="horz" lIns="91440" tIns="45720" rIns="91440" bIns="45720" rtlCol="0" anchor="b">
+            <a:normAutofit/>
           </a:bodyPr>
           <a:lstStyle>
-            <a:lvl1pPr marL="0" indent="0" algn="ctr">
-              <a:lnSpc>
-                <a:spcPct val="100000"/>
-              </a:lnSpc>
-              <a:buNone/>
-              <a:defRPr sz="2000" b="0">
+            <a:lvl1pPr>
+              <a:buNone/>
+              <a:defRPr lang="en-US" sz="2800" b="0" cap="none" dirty="0">
+                <a:ln w="3175" cmpd="sng">
+                  <a:noFill/>
+                </a:ln>
                 <a:solidFill>
                   <a:schemeClr val="tx1"/>
                 </a:solidFill>
+                <a:effectLst/>
               </a:defRPr>
             </a:lvl1pPr>
-            <a:lvl2pPr marL="457200" indent="0">
-              <a:buNone/>
-              <a:defRPr sz="2000" b="1"/>
-            </a:lvl2pPr>
-            <a:lvl3pPr marL="914400" indent="0">
-              <a:buNone/>
-              <a:defRPr sz="1800" b="1"/>
-            </a:lvl3pPr>
-            <a:lvl4pPr marL="1371600" indent="0">
-              <a:buNone/>
-              <a:defRPr sz="1600" b="1"/>
-            </a:lvl4pPr>
-            <a:lvl5pPr marL="1828800" indent="0">
-              <a:buNone/>
-              <a:defRPr sz="1600" b="1"/>
-            </a:lvl5pPr>
-            <a:lvl6pPr marL="2286000" indent="0">
-              <a:buNone/>
-              <a:defRPr sz="1600" b="1"/>
-            </a:lvl6pPr>
-            <a:lvl7pPr marL="2743200" indent="0">
-              <a:buNone/>
-              <a:defRPr sz="1600" b="1"/>
-            </a:lvl7pPr>
-            <a:lvl8pPr marL="3200400" indent="0">
-              <a:buNone/>
-              <a:defRPr sz="1600" b="1"/>
-            </a:lvl8pPr>
-            <a:lvl9pPr marL="3657600" indent="0">
-              <a:buNone/>
-              <a:defRPr sz="1600" b="1"/>
-            </a:lvl9pPr>
           </a:lstStyle>
           <a:p>
-            <a:pPr lvl="0"/>
+            <a:pPr marL="0" lvl="0">
+              <a:spcBef>
+                <a:spcPct val="0"/>
+              </a:spcBef>
+              <a:buNone/>
+            </a:pPr>
             <a:r>
               <a:rPr lang="en-US" smtClean="0"/>
               <a:t>Click to edit Master text styles</a:t>
@@ -2589,161 +3100,115 @@
       </p:sp>
       <p:sp>
         <p:nvSpPr>
-          <p:cNvPr id="20" name="Picture Placeholder 2"/>
-          <p:cNvSpPr>
-            <a:spLocks noGrp="1" noChangeAspect="1"/>
-          </p:cNvSpPr>
-          <p:nvPr>
-            <p:ph type="pic" idx="15"/>
+          <p:cNvPr id="3" name="Text Placeholder 2"/>
+          <p:cNvSpPr>
+            <a:spLocks noGrp="1"/>
+          </p:cNvSpPr>
+          <p:nvPr>
+            <p:ph type="body" idx="1"/>
           </p:nvPr>
         </p:nvSpPr>
         <p:spPr>
           <a:xfrm>
-            <a:off x="1092020" y="2298987"/>
-            <a:ext cx="2940050" cy="1524000"/>
+            <a:off x="1484311" y="4343400"/>
+            <a:ext cx="10018713" cy="1447800"/>
           </a:xfrm>
-          <a:prstGeom prst="roundRect">
-            <a:avLst>
-              <a:gd name="adj" fmla="val 0"/>
-            </a:avLst>
-          </a:prstGeom>
-          <a:noFill/>
-          <a:ln w="146050" cap="sq">
-            <a:solidFill>
-              <a:srgbClr val="FFFFFF"/>
-            </a:solidFill>
-            <a:miter lim="800000"/>
-          </a:ln>
-          <a:effectLst>
-            <a:outerShdw blurRad="55000" dist="18000" dir="5400000" algn="tl" rotWithShape="0">
-              <a:srgbClr val="000000">
-                <a:alpha val="40000"/>
-              </a:srgbClr>
-            </a:outerShdw>
-          </a:effectLst>
-          <a:scene3d>
-            <a:camera prst="orthographicFront"/>
-            <a:lightRig rig="twoPt" dir="t">
-              <a:rot lat="0" lon="0" rev="7200000"/>
-            </a:lightRig>
-          </a:scene3d>
-          <a:sp3d>
-            <a:bevelT w="25400" h="19050"/>
-            <a:contourClr>
-              <a:srgbClr val="FFFFFF"/>
-            </a:contourClr>
-          </a:sp3d>
         </p:spPr>
         <p:txBody>
           <a:bodyPr anchor="t">
             <a:normAutofit/>
           </a:bodyPr>
           <a:lstStyle>
-            <a:lvl1pPr marL="0" indent="0" algn="ctr">
-              <a:buNone/>
-              <a:defRPr sz="1600"/>
+            <a:lvl1pPr marL="0" indent="0" algn="l">
+              <a:buNone/>
+              <a:defRPr sz="1800">
+                <a:solidFill>
+                  <a:schemeClr val="tx1"/>
+                </a:solidFill>
+              </a:defRPr>
             </a:lvl1pPr>
             <a:lvl2pPr marL="457200" indent="0">
               <a:buNone/>
-              <a:defRPr sz="1600"/>
+              <a:defRPr sz="1800">
+                <a:solidFill>
+                  <a:schemeClr val="tx1">
+                    <a:tint val="75000"/>
+                  </a:schemeClr>
+                </a:solidFill>
+              </a:defRPr>
             </a:lvl2pPr>
             <a:lvl3pPr marL="914400" indent="0">
               <a:buNone/>
-              <a:defRPr sz="1600"/>
+              <a:defRPr sz="1600">
+                <a:solidFill>
+                  <a:schemeClr val="tx1">
+                    <a:tint val="75000"/>
+                  </a:schemeClr>
+                </a:solidFill>
+              </a:defRPr>
             </a:lvl3pPr>
             <a:lvl4pPr marL="1371600" indent="0">
               <a:buNone/>
-              <a:defRPr sz="1600"/>
+              <a:defRPr sz="1400">
+                <a:solidFill>
+                  <a:schemeClr val="tx1">
+                    <a:tint val="75000"/>
+                  </a:schemeClr>
+                </a:solidFill>
+              </a:defRPr>
             </a:lvl4pPr>
             <a:lvl5pPr marL="1828800" indent="0">
               <a:buNone/>
-              <a:defRPr sz="1600"/>
+              <a:defRPr sz="1400">
+                <a:solidFill>
+                  <a:schemeClr val="tx1">
+                    <a:tint val="75000"/>
+                  </a:schemeClr>
+                </a:solidFill>
+              </a:defRPr>
             </a:lvl5pPr>
             <a:lvl6pPr marL="2286000" indent="0">
               <a:buNone/>
-              <a:defRPr sz="1600"/>
+              <a:defRPr sz="1400">
+                <a:solidFill>
+                  <a:schemeClr val="tx1">
+                    <a:tint val="75000"/>
+                  </a:schemeClr>
+                </a:solidFill>
+              </a:defRPr>
             </a:lvl6pPr>
             <a:lvl7pPr marL="2743200" indent="0">
               <a:buNone/>
-              <a:defRPr sz="1600"/>
+              <a:defRPr sz="1400">
+                <a:solidFill>
+                  <a:schemeClr val="tx1">
+                    <a:tint val="75000"/>
+                  </a:schemeClr>
+                </a:solidFill>
+              </a:defRPr>
             </a:lvl7pPr>
             <a:lvl8pPr marL="3200400" indent="0">
               <a:buNone/>
-              <a:defRPr sz="1600"/>
+              <a:defRPr sz="1400">
+                <a:solidFill>
+                  <a:schemeClr val="tx1">
+                    <a:tint val="75000"/>
+                  </a:schemeClr>
+                </a:solidFill>
+              </a:defRPr>
             </a:lvl8pPr>
             <a:lvl9pPr marL="3657600" indent="0">
               <a:buNone/>
-              <a:defRPr sz="1600"/>
+              <a:defRPr sz="1400">
+                <a:solidFill>
+                  <a:schemeClr val="tx1">
+                    <a:tint val="75000"/>
+                  </a:schemeClr>
+                </a:solidFill>
+              </a:defRPr>
             </a:lvl9pPr>
           </a:lstStyle>
           <a:p>
-            <a:r>
-              <a:rPr lang="en-US" smtClean="0"/>
-              <a:t>Click icon to add picture</a:t>
-            </a:r>
-            <a:endParaRPr lang="en-US" dirty="0"/>
-          </a:p>
-        </p:txBody>
-      </p:sp>
-      <p:sp>
-        <p:nvSpPr>
-          <p:cNvPr id="21" name="Text Placeholder 3"/>
-          <p:cNvSpPr>
-            <a:spLocks noGrp="1"/>
-          </p:cNvSpPr>
-          <p:nvPr>
-            <p:ph type="body" sz="half" idx="18"/>
-          </p:nvPr>
-        </p:nvSpPr>
-        <p:spPr>
-          <a:xfrm>
-            <a:off x="913795" y="4772161"/>
-            <a:ext cx="3298955" cy="1019038"/>
-          </a:xfrm>
-        </p:spPr>
-        <p:txBody>
-          <a:bodyPr anchor="t">
-            <a:normAutofit/>
-          </a:bodyPr>
-          <a:lstStyle>
-            <a:lvl1pPr marL="0" indent="0" algn="ctr">
-              <a:buNone/>
-              <a:defRPr sz="1400"/>
-            </a:lvl1pPr>
-            <a:lvl2pPr marL="457200" indent="0">
-              <a:buNone/>
-              <a:defRPr sz="1200"/>
-            </a:lvl2pPr>
-            <a:lvl3pPr marL="914400" indent="0">
-              <a:buNone/>
-              <a:defRPr sz="1000"/>
-            </a:lvl3pPr>
-            <a:lvl4pPr marL="1371600" indent="0">
-              <a:buNone/>
-              <a:defRPr sz="900"/>
-            </a:lvl4pPr>
-            <a:lvl5pPr marL="1828800" indent="0">
-              <a:buNone/>
-              <a:defRPr sz="900"/>
-            </a:lvl5pPr>
-            <a:lvl6pPr marL="2286000" indent="0">
-              <a:buNone/>
-              <a:defRPr sz="900"/>
-            </a:lvl6pPr>
-            <a:lvl7pPr marL="2743200" indent="0">
-              <a:buNone/>
-              <a:defRPr sz="900"/>
-            </a:lvl7pPr>
-            <a:lvl8pPr marL="3200400" indent="0">
-              <a:buNone/>
-              <a:defRPr sz="900"/>
-            </a:lvl8pPr>
-            <a:lvl9pPr marL="3657600" indent="0">
-              <a:buNone/>
-              <a:defRPr sz="900"/>
-            </a:lvl9pPr>
-          </a:lstStyle>
-          <a:p>
             <a:pPr lvl="0"/>
             <a:r>
               <a:rPr lang="en-US" smtClean="0"/>
@@ -2754,485 +3219,7 @@
       </p:sp>
       <p:sp>
         <p:nvSpPr>
-          <p:cNvPr id="22" name="Text Placeholder 4"/>
-          <p:cNvSpPr>
-            <a:spLocks noGrp="1"/>
-          </p:cNvSpPr>
-          <p:nvPr>
-            <p:ph type="body" sz="quarter" idx="3"/>
-          </p:nvPr>
-        </p:nvSpPr>
-        <p:spPr>
-          <a:xfrm>
-            <a:off x="4442701" y="4195899"/>
-            <a:ext cx="3298983" cy="576262"/>
-          </a:xfrm>
-        </p:spPr>
-        <p:txBody>
-          <a:bodyPr anchor="b">
-            <a:noAutofit/>
-          </a:bodyPr>
-          <a:lstStyle>
-            <a:lvl1pPr marL="0" indent="0" algn="ctr">
-              <a:lnSpc>
-                <a:spcPct val="100000"/>
-              </a:lnSpc>
-              <a:buNone/>
-              <a:defRPr sz="2000" b="0">
-                <a:solidFill>
-                  <a:schemeClr val="tx1"/>
-                </a:solidFill>
-              </a:defRPr>
-            </a:lvl1pPr>
-            <a:lvl2pPr marL="457200" indent="0">
-              <a:buNone/>
-              <a:defRPr sz="2000" b="1"/>
-            </a:lvl2pPr>
-            <a:lvl3pPr marL="914400" indent="0">
-              <a:buNone/>
-              <a:defRPr sz="1800" b="1"/>
-            </a:lvl3pPr>
-            <a:lvl4pPr marL="1371600" indent="0">
-              <a:buNone/>
-              <a:defRPr sz="1600" b="1"/>
-            </a:lvl4pPr>
-            <a:lvl5pPr marL="1828800" indent="0">
-              <a:buNone/>
-              <a:defRPr sz="1600" b="1"/>
-            </a:lvl5pPr>
-            <a:lvl6pPr marL="2286000" indent="0">
-              <a:buNone/>
-              <a:defRPr sz="1600" b="1"/>
-            </a:lvl6pPr>
-            <a:lvl7pPr marL="2743200" indent="0">
-              <a:buNone/>
-              <a:defRPr sz="1600" b="1"/>
-            </a:lvl7pPr>
-            <a:lvl8pPr marL="3200400" indent="0">
-              <a:buNone/>
-              <a:defRPr sz="1600" b="1"/>
-            </a:lvl8pPr>
-            <a:lvl9pPr marL="3657600" indent="0">
-              <a:buNone/>
-              <a:defRPr sz="1600" b="1"/>
-            </a:lvl9pPr>
-          </a:lstStyle>
-          <a:p>
-            <a:pPr lvl="0"/>
-            <a:r>
-              <a:rPr lang="en-US" smtClean="0"/>
-              <a:t>Click to edit Master text styles</a:t>
-            </a:r>
-          </a:p>
-        </p:txBody>
-      </p:sp>
-      <p:sp>
-        <p:nvSpPr>
-          <p:cNvPr id="23" name="Picture Placeholder 2"/>
-          <p:cNvSpPr>
-            <a:spLocks noGrp="1" noChangeAspect="1"/>
-          </p:cNvSpPr>
-          <p:nvPr>
-            <p:ph type="pic" idx="21"/>
-          </p:nvPr>
-        </p:nvSpPr>
-        <p:spPr>
-          <a:xfrm>
-            <a:off x="4568996" y="2298987"/>
-            <a:ext cx="2930525" cy="1524000"/>
-          </a:xfrm>
-          <a:prstGeom prst="roundRect">
-            <a:avLst>
-              <a:gd name="adj" fmla="val 0"/>
-            </a:avLst>
-          </a:prstGeom>
-          <a:noFill/>
-          <a:ln w="146050" cap="sq">
-            <a:solidFill>
-              <a:srgbClr val="FFFFFF"/>
-            </a:solidFill>
-            <a:miter lim="800000"/>
-          </a:ln>
-          <a:effectLst>
-            <a:outerShdw blurRad="55000" dist="18000" dir="5400000" algn="tl" rotWithShape="0">
-              <a:srgbClr val="000000">
-                <a:alpha val="40000"/>
-              </a:srgbClr>
-            </a:outerShdw>
-          </a:effectLst>
-          <a:scene3d>
-            <a:camera prst="orthographicFront"/>
-            <a:lightRig rig="twoPt" dir="t">
-              <a:rot lat="0" lon="0" rev="7200000"/>
-            </a:lightRig>
-          </a:scene3d>
-          <a:sp3d>
-            <a:bevelT w="25400" h="19050"/>
-            <a:contourClr>
-              <a:srgbClr val="FFFFFF"/>
-            </a:contourClr>
-          </a:sp3d>
-        </p:spPr>
-        <p:txBody>
-          <a:bodyPr anchor="t">
-            <a:normAutofit/>
-          </a:bodyPr>
-          <a:lstStyle>
-            <a:lvl1pPr marL="0" indent="0" algn="ctr">
-              <a:buNone/>
-              <a:defRPr sz="1600"/>
-            </a:lvl1pPr>
-            <a:lvl2pPr marL="457200" indent="0">
-              <a:buNone/>
-              <a:defRPr sz="1600"/>
-            </a:lvl2pPr>
-            <a:lvl3pPr marL="914400" indent="0">
-              <a:buNone/>
-              <a:defRPr sz="1600"/>
-            </a:lvl3pPr>
-            <a:lvl4pPr marL="1371600" indent="0">
-              <a:buNone/>
-              <a:defRPr sz="1600"/>
-            </a:lvl4pPr>
-            <a:lvl5pPr marL="1828800" indent="0">
-              <a:buNone/>
-              <a:defRPr sz="1600"/>
-            </a:lvl5pPr>
-            <a:lvl6pPr marL="2286000" indent="0">
-              <a:buNone/>
-              <a:defRPr sz="1600"/>
-            </a:lvl6pPr>
-            <a:lvl7pPr marL="2743200" indent="0">
-              <a:buNone/>
-              <a:defRPr sz="1600"/>
-            </a:lvl7pPr>
-            <a:lvl8pPr marL="3200400" indent="0">
-              <a:buNone/>
-              <a:defRPr sz="1600"/>
-            </a:lvl8pPr>
-            <a:lvl9pPr marL="3657600" indent="0">
-              <a:buNone/>
-              <a:defRPr sz="1600"/>
-            </a:lvl9pPr>
-          </a:lstStyle>
-          <a:p>
-            <a:r>
-              <a:rPr lang="en-US" smtClean="0"/>
-              <a:t>Click icon to add picture</a:t>
-            </a:r>
-            <a:endParaRPr lang="en-US" dirty="0"/>
-          </a:p>
-        </p:txBody>
-      </p:sp>
-      <p:sp>
-        <p:nvSpPr>
-          <p:cNvPr id="24" name="Text Placeholder 3"/>
-          <p:cNvSpPr>
-            <a:spLocks noGrp="1"/>
-          </p:cNvSpPr>
-          <p:nvPr>
-            <p:ph type="body" sz="half" idx="19"/>
-          </p:nvPr>
-        </p:nvSpPr>
-        <p:spPr>
-          <a:xfrm>
-            <a:off x="4441348" y="4772160"/>
-            <a:ext cx="3300336" cy="1019038"/>
-          </a:xfrm>
-        </p:spPr>
-        <p:txBody>
-          <a:bodyPr anchor="t">
-            <a:normAutofit/>
-          </a:bodyPr>
-          <a:lstStyle>
-            <a:lvl1pPr marL="0" indent="0" algn="ctr">
-              <a:buNone/>
-              <a:defRPr sz="1400"/>
-            </a:lvl1pPr>
-            <a:lvl2pPr marL="457200" indent="0">
-              <a:buNone/>
-              <a:defRPr sz="1200"/>
-            </a:lvl2pPr>
-            <a:lvl3pPr marL="914400" indent="0">
-              <a:buNone/>
-              <a:defRPr sz="1000"/>
-            </a:lvl3pPr>
-            <a:lvl4pPr marL="1371600" indent="0">
-              <a:buNone/>
-              <a:defRPr sz="900"/>
-            </a:lvl4pPr>
-            <a:lvl5pPr marL="1828800" indent="0">
-              <a:buNone/>
-              <a:defRPr sz="900"/>
-            </a:lvl5pPr>
-            <a:lvl6pPr marL="2286000" indent="0">
-              <a:buNone/>
-              <a:defRPr sz="900"/>
-            </a:lvl6pPr>
-            <a:lvl7pPr marL="2743200" indent="0">
-              <a:buNone/>
-              <a:defRPr sz="900"/>
-            </a:lvl7pPr>
-            <a:lvl8pPr marL="3200400" indent="0">
-              <a:buNone/>
-              <a:defRPr sz="900"/>
-            </a:lvl8pPr>
-            <a:lvl9pPr marL="3657600" indent="0">
-              <a:buNone/>
-              <a:defRPr sz="900"/>
-            </a:lvl9pPr>
-          </a:lstStyle>
-          <a:p>
-            <a:pPr lvl="0"/>
-            <a:r>
-              <a:rPr lang="en-US" smtClean="0"/>
-              <a:t>Click to edit Master text styles</a:t>
-            </a:r>
-          </a:p>
-        </p:txBody>
-      </p:sp>
-      <p:sp>
-        <p:nvSpPr>
-          <p:cNvPr id="25" name="Text Placeholder 4"/>
-          <p:cNvSpPr>
-            <a:spLocks noGrp="1"/>
-          </p:cNvSpPr>
-          <p:nvPr>
-            <p:ph type="body" sz="quarter" idx="13"/>
-          </p:nvPr>
-        </p:nvSpPr>
-        <p:spPr>
-          <a:xfrm>
-            <a:off x="7973423" y="4195899"/>
-            <a:ext cx="3289900" cy="576262"/>
-          </a:xfrm>
-        </p:spPr>
-        <p:txBody>
-          <a:bodyPr anchor="b">
-            <a:noAutofit/>
-          </a:bodyPr>
-          <a:lstStyle>
-            <a:lvl1pPr marL="0" indent="0" algn="ctr">
-              <a:lnSpc>
-                <a:spcPct val="100000"/>
-              </a:lnSpc>
-              <a:buNone/>
-              <a:defRPr sz="2000" b="0">
-                <a:solidFill>
-                  <a:schemeClr val="tx1"/>
-                </a:solidFill>
-              </a:defRPr>
-            </a:lvl1pPr>
-            <a:lvl2pPr marL="457200" indent="0">
-              <a:buNone/>
-              <a:defRPr sz="2000" b="1"/>
-            </a:lvl2pPr>
-            <a:lvl3pPr marL="914400" indent="0">
-              <a:buNone/>
-              <a:defRPr sz="1800" b="1"/>
-            </a:lvl3pPr>
-            <a:lvl4pPr marL="1371600" indent="0">
-              <a:buNone/>
-              <a:defRPr sz="1600" b="1"/>
-            </a:lvl4pPr>
-            <a:lvl5pPr marL="1828800" indent="0">
-              <a:buNone/>
-              <a:defRPr sz="1600" b="1"/>
-            </a:lvl5pPr>
-            <a:lvl6pPr marL="2286000" indent="0">
-              <a:buNone/>
-              <a:defRPr sz="1600" b="1"/>
-            </a:lvl6pPr>
-            <a:lvl7pPr marL="2743200" indent="0">
-              <a:buNone/>
-              <a:defRPr sz="1600" b="1"/>
-            </a:lvl7pPr>
-            <a:lvl8pPr marL="3200400" indent="0">
-              <a:buNone/>
-              <a:defRPr sz="1600" b="1"/>
-            </a:lvl8pPr>
-            <a:lvl9pPr marL="3657600" indent="0">
-              <a:buNone/>
-              <a:defRPr sz="1600" b="1"/>
-            </a:lvl9pPr>
-          </a:lstStyle>
-          <a:p>
-            <a:pPr lvl="0"/>
-            <a:r>
-              <a:rPr lang="en-US" smtClean="0"/>
-              <a:t>Click to edit Master text styles</a:t>
-            </a:r>
-          </a:p>
-        </p:txBody>
-      </p:sp>
-      <p:sp>
-        <p:nvSpPr>
-          <p:cNvPr id="26" name="Picture Placeholder 2"/>
-          <p:cNvSpPr>
-            <a:spLocks noGrp="1" noChangeAspect="1"/>
-          </p:cNvSpPr>
-          <p:nvPr>
-            <p:ph type="pic" idx="22"/>
-          </p:nvPr>
-        </p:nvSpPr>
-        <p:spPr>
-          <a:xfrm>
-            <a:off x="8152803" y="2298987"/>
-            <a:ext cx="2932113" cy="1524000"/>
-          </a:xfrm>
-          <a:prstGeom prst="roundRect">
-            <a:avLst>
-              <a:gd name="adj" fmla="val 0"/>
-            </a:avLst>
-          </a:prstGeom>
-          <a:noFill/>
-          <a:ln w="146050" cap="sq">
-            <a:solidFill>
-              <a:srgbClr val="FFFFFF"/>
-            </a:solidFill>
-            <a:miter lim="800000"/>
-          </a:ln>
-          <a:effectLst>
-            <a:outerShdw blurRad="55000" dist="18000" dir="5400000" algn="tl" rotWithShape="0">
-              <a:srgbClr val="000000">
-                <a:alpha val="40000"/>
-              </a:srgbClr>
-            </a:outerShdw>
-          </a:effectLst>
-          <a:scene3d>
-            <a:camera prst="orthographicFront"/>
-            <a:lightRig rig="twoPt" dir="t">
-              <a:rot lat="0" lon="0" rev="7200000"/>
-            </a:lightRig>
-          </a:scene3d>
-          <a:sp3d>
-            <a:bevelT w="25400" h="19050"/>
-            <a:contourClr>
-              <a:srgbClr val="FFFFFF"/>
-            </a:contourClr>
-          </a:sp3d>
-        </p:spPr>
-        <p:txBody>
-          <a:bodyPr anchor="t">
-            <a:normAutofit/>
-          </a:bodyPr>
-          <a:lstStyle>
-            <a:lvl1pPr marL="0" indent="0" algn="ctr">
-              <a:buNone/>
-              <a:defRPr sz="1600"/>
-            </a:lvl1pPr>
-            <a:lvl2pPr marL="457200" indent="0">
-              <a:buNone/>
-              <a:defRPr sz="1600"/>
-            </a:lvl2pPr>
-            <a:lvl3pPr marL="914400" indent="0">
-              <a:buNone/>
-              <a:defRPr sz="1600"/>
-            </a:lvl3pPr>
-            <a:lvl4pPr marL="1371600" indent="0">
-              <a:buNone/>
-              <a:defRPr sz="1600"/>
-            </a:lvl4pPr>
-            <a:lvl5pPr marL="1828800" indent="0">
-              <a:buNone/>
-              <a:defRPr sz="1600"/>
-            </a:lvl5pPr>
-            <a:lvl6pPr marL="2286000" indent="0">
-              <a:buNone/>
-              <a:defRPr sz="1600"/>
-            </a:lvl6pPr>
-            <a:lvl7pPr marL="2743200" indent="0">
-              <a:buNone/>
-              <a:defRPr sz="1600"/>
-            </a:lvl7pPr>
-            <a:lvl8pPr marL="3200400" indent="0">
-              <a:buNone/>
-              <a:defRPr sz="1600"/>
-            </a:lvl8pPr>
-            <a:lvl9pPr marL="3657600" indent="0">
-              <a:buNone/>
-              <a:defRPr sz="1600"/>
-            </a:lvl9pPr>
-          </a:lstStyle>
-          <a:p>
-            <a:r>
-              <a:rPr lang="en-US" smtClean="0"/>
-              <a:t>Click icon to add picture</a:t>
-            </a:r>
-            <a:endParaRPr lang="en-US" dirty="0"/>
-          </a:p>
-        </p:txBody>
-      </p:sp>
-      <p:sp>
-        <p:nvSpPr>
-          <p:cNvPr id="27" name="Text Placeholder 3"/>
-          <p:cNvSpPr>
-            <a:spLocks noGrp="1"/>
-          </p:cNvSpPr>
-          <p:nvPr>
-            <p:ph type="body" sz="half" idx="20"/>
-          </p:nvPr>
-        </p:nvSpPr>
-        <p:spPr>
-          <a:xfrm>
-            <a:off x="7973298" y="4772161"/>
-            <a:ext cx="3294258" cy="1019037"/>
-          </a:xfrm>
-        </p:spPr>
-        <p:txBody>
-          <a:bodyPr anchor="t">
-            <a:normAutofit/>
-          </a:bodyPr>
-          <a:lstStyle>
-            <a:lvl1pPr marL="0" indent="0" algn="ctr">
-              <a:buNone/>
-              <a:defRPr sz="1400"/>
-            </a:lvl1pPr>
-            <a:lvl2pPr marL="457200" indent="0">
-              <a:buNone/>
-              <a:defRPr sz="1200"/>
-            </a:lvl2pPr>
-            <a:lvl3pPr marL="914400" indent="0">
-              <a:buNone/>
-              <a:defRPr sz="1000"/>
-            </a:lvl3pPr>
-            <a:lvl4pPr marL="1371600" indent="0">
-              <a:buNone/>
-              <a:defRPr sz="900"/>
-            </a:lvl4pPr>
-            <a:lvl5pPr marL="1828800" indent="0">
-              <a:buNone/>
-              <a:defRPr sz="900"/>
-            </a:lvl5pPr>
-            <a:lvl6pPr marL="2286000" indent="0">
-              <a:buNone/>
-              <a:defRPr sz="900"/>
-            </a:lvl6pPr>
-            <a:lvl7pPr marL="2743200" indent="0">
-              <a:buNone/>
-              <a:defRPr sz="900"/>
-            </a:lvl7pPr>
-            <a:lvl8pPr marL="3200400" indent="0">
-              <a:buNone/>
-              <a:defRPr sz="900"/>
-            </a:lvl8pPr>
-            <a:lvl9pPr marL="3657600" indent="0">
-              <a:buNone/>
-              <a:defRPr sz="900"/>
-            </a:lvl9pPr>
-          </a:lstStyle>
-          <a:p>
-            <a:pPr lvl="0"/>
-            <a:r>
-              <a:rPr lang="en-US" smtClean="0"/>
-              <a:t>Click to edit Master text styles</a:t>
-            </a:r>
-          </a:p>
-        </p:txBody>
-      </p:sp>
-      <p:sp>
-        <p:nvSpPr>
-          <p:cNvPr id="3" name="Date Placeholder 2"/>
+          <p:cNvPr id="4" name="Date Placeholder 3"/>
           <p:cNvSpPr>
             <a:spLocks noGrp="1"/>
           </p:cNvSpPr>
@@ -3255,7 +3242,7 @@
       </p:sp>
       <p:sp>
         <p:nvSpPr>
-          <p:cNvPr id="4" name="Footer Placeholder 3"/>
+          <p:cNvPr id="5" name="Footer Placeholder 4"/>
           <p:cNvSpPr>
             <a:spLocks noGrp="1"/>
           </p:cNvSpPr>
@@ -3274,7 +3261,7 @@
       </p:sp>
       <p:sp>
         <p:nvSpPr>
-          <p:cNvPr id="5" name="Slide Number Placeholder 4"/>
+          <p:cNvPr id="6" name="Slide Number Placeholder 5"/>
           <p:cNvSpPr>
             <a:spLocks noGrp="1"/>
           </p:cNvSpPr>
@@ -3298,7 +3285,7 @@
     </p:spTree>
     <p:extLst>
       <p:ext uri="{BB962C8B-B14F-4D97-AF65-F5344CB8AC3E}">
-        <p14:creationId xmlns:p14="http://schemas.microsoft.com/office/powerpoint/2010/main" val="1518901779"/>
+        <p14:creationId xmlns:p14="http://schemas.microsoft.com/office/powerpoint/2010/main" val="3063998433"/>
       </p:ext>
     </p:extLst>
   </p:cSld>
@@ -3338,7 +3325,11 @@
         <p:spPr/>
         <p:txBody>
           <a:bodyPr/>
-          <a:lstStyle/>
+          <a:lstStyle>
+            <a:lvl1pPr algn="ctr">
+              <a:defRPr/>
+            </a:lvl1pPr>
+          </a:lstStyle>
           <a:p>
             <a:r>
               <a:rPr lang="en-US" smtClean="0"/>
@@ -3360,7 +3351,7 @@
         </p:nvSpPr>
         <p:spPr/>
         <p:txBody>
-          <a:bodyPr vert="eaVert"/>
+          <a:bodyPr vert="eaVert" anchor="t"/>
           <a:lstStyle/>
           <a:p>
             <a:pPr lvl="0"/>
@@ -3468,7 +3459,7 @@
     </p:spTree>
     <p:extLst>
       <p:ext uri="{BB962C8B-B14F-4D97-AF65-F5344CB8AC3E}">
-        <p14:creationId xmlns:p14="http://schemas.microsoft.com/office/powerpoint/2010/main" val="1393125556"/>
+        <p14:creationId xmlns:p14="http://schemas.microsoft.com/office/powerpoint/2010/main" val="823039971"/>
       </p:ext>
     </p:extLst>
   </p:cSld>
@@ -3507,17 +3498,13 @@
         </p:nvSpPr>
         <p:spPr>
           <a:xfrm>
-            <a:off x="8724900" y="609599"/>
-            <a:ext cx="2542657" cy="5181601"/>
+            <a:off x="9732655" y="685800"/>
+            <a:ext cx="1770369" cy="5105400"/>
           </a:xfrm>
         </p:spPr>
         <p:txBody>
           <a:bodyPr vert="eaVert"/>
-          <a:lstStyle>
-            <a:lvl1pPr algn="l">
-              <a:defRPr/>
-            </a:lvl1pPr>
-          </a:lstStyle>
+          <a:lstStyle/>
           <a:p>
             <a:r>
               <a:rPr lang="en-US" smtClean="0"/>
@@ -3539,12 +3526,12 @@
         </p:nvSpPr>
         <p:spPr>
           <a:xfrm>
-            <a:off x="913794" y="609599"/>
-            <a:ext cx="7658705" cy="5181601"/>
+            <a:off x="1484312" y="685800"/>
+            <a:ext cx="8019742" cy="5105400"/>
           </a:xfrm>
         </p:spPr>
         <p:txBody>
-          <a:bodyPr vert="eaVert"/>
+          <a:bodyPr vert="eaVert" anchor="t"/>
           <a:lstStyle/>
           <a:p>
             <a:pPr lvl="0"/>
@@ -3652,7 +3639,7 @@
     </p:spTree>
     <p:extLst>
       <p:ext uri="{BB962C8B-B14F-4D97-AF65-F5344CB8AC3E}">
-        <p14:creationId xmlns:p14="http://schemas.microsoft.com/office/powerpoint/2010/main" val="3986775542"/>
+        <p14:creationId xmlns:p14="http://schemas.microsoft.com/office/powerpoint/2010/main" val="4001112489"/>
       </p:ext>
     </p:extLst>
   </p:cSld>
@@ -3714,7 +3701,7 @@
         </p:nvSpPr>
         <p:spPr/>
         <p:txBody>
-          <a:bodyPr/>
+          <a:bodyPr anchor="ctr"/>
           <a:lstStyle/>
           <a:p>
             <a:pPr lvl="0"/>
@@ -3806,7 +3793,12 @@
             <p:ph type="sldNum" sz="quarter" idx="12"/>
           </p:nvPr>
         </p:nvSpPr>
-        <p:spPr/>
+        <p:spPr>
+          <a:xfrm>
+            <a:off x="10951856" y="5867131"/>
+            <a:ext cx="551167" cy="365125"/>
+          </a:xfrm>
+        </p:spPr>
         <p:txBody>
           <a:bodyPr/>
           <a:lstStyle/>
@@ -3822,7 +3814,7 @@
     </p:spTree>
     <p:extLst>
       <p:ext uri="{BB962C8B-B14F-4D97-AF65-F5344CB8AC3E}">
-        <p14:creationId xmlns:p14="http://schemas.microsoft.com/office/powerpoint/2010/main" val="970586066"/>
+        <p14:creationId xmlns:p14="http://schemas.microsoft.com/office/powerpoint/2010/main" val="4035039434"/>
       </p:ext>
     </p:extLst>
   </p:cSld>
@@ -3861,136 +3853,134 @@
         </p:nvSpPr>
         <p:spPr>
           <a:xfrm>
-            <a:off x="1229244" y="657226"/>
-            <a:ext cx="9733512" cy="2852737"/>
+            <a:off x="2572279" y="2666999"/>
+            <a:ext cx="8930747" cy="2110382"/>
           </a:xfrm>
         </p:spPr>
         <p:txBody>
-          <a:bodyPr anchor="b">
+          <a:bodyPr anchor="b"/>
+          <a:lstStyle>
+            <a:lvl1pPr algn="r">
+              <a:defRPr sz="4000" b="0" cap="none"/>
+            </a:lvl1pPr>
+          </a:lstStyle>
+          <a:p>
+            <a:r>
+              <a:rPr lang="en-US" smtClean="0"/>
+              <a:t>Click to edit Master title style</a:t>
+            </a:r>
+            <a:endParaRPr lang="en-US" dirty="0"/>
+          </a:p>
+        </p:txBody>
+      </p:sp>
+      <p:sp>
+        <p:nvSpPr>
+          <p:cNvPr id="3" name="Text Placeholder 2"/>
+          <p:cNvSpPr>
+            <a:spLocks noGrp="1"/>
+          </p:cNvSpPr>
+          <p:nvPr>
+            <p:ph type="body" idx="1"/>
+          </p:nvPr>
+        </p:nvSpPr>
+        <p:spPr>
+          <a:xfrm>
+            <a:off x="2572278" y="4777381"/>
+            <a:ext cx="8930748" cy="860400"/>
+          </a:xfrm>
+        </p:spPr>
+        <p:txBody>
+          <a:bodyPr anchor="t">
             <a:normAutofit/>
           </a:bodyPr>
           <a:lstStyle>
-            <a:lvl1pPr>
-              <a:defRPr sz="3400"/>
+            <a:lvl1pPr marL="0" indent="0" algn="r">
+              <a:buNone/>
+              <a:defRPr sz="2000">
+                <a:solidFill>
+                  <a:schemeClr val="tx1"/>
+                </a:solidFill>
+              </a:defRPr>
             </a:lvl1pPr>
-          </a:lstStyle>
-          <a:p>
-            <a:r>
-              <a:rPr lang="en-US" smtClean="0"/>
-              <a:t>Click to edit Master title style</a:t>
-            </a:r>
-            <a:endParaRPr lang="en-US" dirty="0"/>
-          </a:p>
-        </p:txBody>
-      </p:sp>
-      <p:sp>
-        <p:nvSpPr>
-          <p:cNvPr id="3" name="Text Placeholder 2"/>
-          <p:cNvSpPr>
-            <a:spLocks noGrp="1"/>
-          </p:cNvSpPr>
-          <p:nvPr>
-            <p:ph type="body" idx="1"/>
-          </p:nvPr>
-        </p:nvSpPr>
-        <p:spPr>
-          <a:xfrm>
-            <a:off x="1229244" y="3602038"/>
-            <a:ext cx="9733512" cy="1500187"/>
-          </a:xfrm>
-        </p:spPr>
-        <p:txBody>
-          <a:bodyPr/>
-          <a:lstStyle>
-            <a:lvl1pPr marL="0" indent="0" algn="ctr">
-              <a:buNone/>
-              <a:defRPr sz="2400">
+            <a:lvl2pPr marL="457200" indent="0">
+              <a:buNone/>
+              <a:defRPr sz="1800">
                 <a:solidFill>
                   <a:schemeClr val="tx1">
                     <a:tint val="75000"/>
                   </a:schemeClr>
                 </a:solidFill>
               </a:defRPr>
-            </a:lvl1pPr>
-            <a:lvl2pPr marL="457200" indent="0">
-              <a:buNone/>
-              <a:defRPr sz="2000">
+            </a:lvl2pPr>
+            <a:lvl3pPr marL="914400" indent="0">
+              <a:buNone/>
+              <a:defRPr sz="1600">
                 <a:solidFill>
                   <a:schemeClr val="tx1">
                     <a:tint val="75000"/>
                   </a:schemeClr>
                 </a:solidFill>
               </a:defRPr>
-            </a:lvl2pPr>
-            <a:lvl3pPr marL="914400" indent="0">
-              <a:buNone/>
-              <a:defRPr sz="1800">
+            </a:lvl3pPr>
+            <a:lvl4pPr marL="1371600" indent="0">
+              <a:buNone/>
+              <a:defRPr sz="1400">
                 <a:solidFill>
                   <a:schemeClr val="tx1">
                     <a:tint val="75000"/>
                   </a:schemeClr>
                 </a:solidFill>
               </a:defRPr>
-            </a:lvl3pPr>
-            <a:lvl4pPr marL="1371600" indent="0">
-              <a:buNone/>
-              <a:defRPr sz="1600">
+            </a:lvl4pPr>
+            <a:lvl5pPr marL="1828800" indent="0">
+              <a:buNone/>
+              <a:defRPr sz="1400">
                 <a:solidFill>
                   <a:schemeClr val="tx1">
                     <a:tint val="75000"/>
                   </a:schemeClr>
                 </a:solidFill>
               </a:defRPr>
-            </a:lvl4pPr>
-            <a:lvl5pPr marL="1828800" indent="0">
-              <a:buNone/>
-              <a:defRPr sz="1600">
+            </a:lvl5pPr>
+            <a:lvl6pPr marL="2286000" indent="0">
+              <a:buNone/>
+              <a:defRPr sz="1400">
                 <a:solidFill>
                   <a:schemeClr val="tx1">
                     <a:tint val="75000"/>
                   </a:schemeClr>
                 </a:solidFill>
               </a:defRPr>
-            </a:lvl5pPr>
-            <a:lvl6pPr marL="2286000" indent="0">
-              <a:buNone/>
-              <a:defRPr sz="1600">
+            </a:lvl6pPr>
+            <a:lvl7pPr marL="2743200" indent="0">
+              <a:buNone/>
+              <a:defRPr sz="1400">
                 <a:solidFill>
                   <a:schemeClr val="tx1">
                     <a:tint val="75000"/>
                   </a:schemeClr>
                 </a:solidFill>
               </a:defRPr>
-            </a:lvl6pPr>
-            <a:lvl7pPr marL="2743200" indent="0">
-              <a:buNone/>
-              <a:defRPr sz="1600">
+            </a:lvl7pPr>
+            <a:lvl8pPr marL="3200400" indent="0">
+              <a:buNone/>
+              <a:defRPr sz="1400">
                 <a:solidFill>
                   <a:schemeClr val="tx1">
                     <a:tint val="75000"/>
                   </a:schemeClr>
                 </a:solidFill>
               </a:defRPr>
-            </a:lvl7pPr>
-            <a:lvl8pPr marL="3200400" indent="0">
-              <a:buNone/>
-              <a:defRPr sz="1600">
+            </a:lvl8pPr>
+            <a:lvl9pPr marL="3657600" indent="0">
+              <a:buNone/>
+              <a:defRPr sz="1400">
                 <a:solidFill>
                   <a:schemeClr val="tx1">
                     <a:tint val="75000"/>
                   </a:schemeClr>
                 </a:solidFill>
               </a:defRPr>
-            </a:lvl8pPr>
-            <a:lvl9pPr marL="3657600" indent="0">
-              <a:buNone/>
-              <a:defRPr sz="1600">
-                <a:solidFill>
-                  <a:schemeClr val="tx1">
-                    <a:tint val="75000"/>
-                  </a:schemeClr>
-                </a:solidFill>
-              </a:defRPr>
             </a:lvl9pPr>
           </a:lstStyle>
           <a:p>
@@ -4070,7 +4060,7 @@
     </p:spTree>
     <p:extLst>
       <p:ext uri="{BB962C8B-B14F-4D97-AF65-F5344CB8AC3E}">
-        <p14:creationId xmlns:p14="http://schemas.microsoft.com/office/powerpoint/2010/main" val="2899083898"/>
+        <p14:creationId xmlns:p14="http://schemas.microsoft.com/office/powerpoint/2010/main" val="137300315"/>
       </p:ext>
     </p:extLst>
   </p:cSld>
@@ -4109,8 +4099,8 @@
         </p:nvSpPr>
         <p:spPr>
           <a:xfrm>
-            <a:off x="913795" y="609600"/>
-            <a:ext cx="10353761" cy="1326321"/>
+            <a:off x="1484311" y="685800"/>
+            <a:ext cx="10018713" cy="1752599"/>
           </a:xfrm>
         </p:spPr>
         <p:txBody>
@@ -4137,13 +4127,43 @@
         </p:nvSpPr>
         <p:spPr>
           <a:xfrm>
-            <a:off x="913795" y="2088319"/>
-            <a:ext cx="5106004" cy="3702881"/>
+            <a:off x="1484312" y="2666999"/>
+            <a:ext cx="4895055" cy="3124201"/>
           </a:xfrm>
         </p:spPr>
         <p:txBody>
-          <a:bodyPr/>
-          <a:lstStyle/>
+          <a:bodyPr>
+            <a:normAutofit/>
+          </a:bodyPr>
+          <a:lstStyle>
+            <a:lvl1pPr>
+              <a:defRPr sz="1800"/>
+            </a:lvl1pPr>
+            <a:lvl2pPr>
+              <a:defRPr sz="1600"/>
+            </a:lvl2pPr>
+            <a:lvl3pPr>
+              <a:defRPr sz="1400"/>
+            </a:lvl3pPr>
+            <a:lvl4pPr>
+              <a:defRPr sz="1200"/>
+            </a:lvl4pPr>
+            <a:lvl5pPr>
+              <a:defRPr sz="1200"/>
+            </a:lvl5pPr>
+            <a:lvl6pPr>
+              <a:defRPr sz="1200"/>
+            </a:lvl6pPr>
+            <a:lvl7pPr>
+              <a:defRPr sz="1200"/>
+            </a:lvl7pPr>
+            <a:lvl8pPr>
+              <a:defRPr sz="1200"/>
+            </a:lvl8pPr>
+            <a:lvl9pPr>
+              <a:defRPr sz="1200"/>
+            </a:lvl9pPr>
+          </a:lstStyle>
           <a:p>
             <a:pPr lvl="0"/>
             <a:r>
@@ -4194,13 +4214,43 @@
         </p:nvSpPr>
         <p:spPr>
           <a:xfrm>
-            <a:off x="6173403" y="2088319"/>
-            <a:ext cx="5094154" cy="3702881"/>
+            <a:off x="6607967" y="2667000"/>
+            <a:ext cx="4895056" cy="3124200"/>
           </a:xfrm>
         </p:spPr>
         <p:txBody>
-          <a:bodyPr/>
-          <a:lstStyle/>
+          <a:bodyPr>
+            <a:normAutofit/>
+          </a:bodyPr>
+          <a:lstStyle>
+            <a:lvl1pPr>
+              <a:defRPr sz="1800"/>
+            </a:lvl1pPr>
+            <a:lvl2pPr>
+              <a:defRPr sz="1600"/>
+            </a:lvl2pPr>
+            <a:lvl3pPr>
+              <a:defRPr sz="1400"/>
+            </a:lvl3pPr>
+            <a:lvl4pPr>
+              <a:defRPr sz="1200"/>
+            </a:lvl4pPr>
+            <a:lvl5pPr>
+              <a:defRPr sz="1200"/>
+            </a:lvl5pPr>
+            <a:lvl6pPr>
+              <a:defRPr sz="1200"/>
+            </a:lvl6pPr>
+            <a:lvl7pPr>
+              <a:defRPr sz="1200"/>
+            </a:lvl7pPr>
+            <a:lvl8pPr>
+              <a:defRPr sz="1200"/>
+            </a:lvl8pPr>
+            <a:lvl9pPr>
+              <a:defRPr sz="1200"/>
+            </a:lvl9pPr>
+          </a:lstStyle>
           <a:p>
             <a:pPr lvl="0"/>
             <a:r>
@@ -4307,7 +4357,7 @@
     </p:spTree>
     <p:extLst>
       <p:ext uri="{BB962C8B-B14F-4D97-AF65-F5344CB8AC3E}">
-        <p14:creationId xmlns:p14="http://schemas.microsoft.com/office/powerpoint/2010/main" val="3107433268"/>
+        <p14:creationId xmlns:p14="http://schemas.microsoft.com/office/powerpoint/2010/main" val="2658717095"/>
       </p:ext>
     </p:extLst>
   </p:cSld>
@@ -4344,49 +4394,53 @@
             <p:ph type="title"/>
           </p:nvPr>
         </p:nvSpPr>
+        <p:spPr/>
+        <p:txBody>
+          <a:bodyPr/>
+          <a:lstStyle>
+            <a:lvl1pPr>
+              <a:defRPr/>
+            </a:lvl1pPr>
+          </a:lstStyle>
+          <a:p>
+            <a:r>
+              <a:rPr lang="en-US" smtClean="0"/>
+              <a:t>Click to edit Master title style</a:t>
+            </a:r>
+            <a:endParaRPr lang="en-US" dirty="0"/>
+          </a:p>
+        </p:txBody>
+      </p:sp>
+      <p:sp>
+        <p:nvSpPr>
+          <p:cNvPr id="3" name="Text Placeholder 2"/>
+          <p:cNvSpPr>
+            <a:spLocks noGrp="1"/>
+          </p:cNvSpPr>
+          <p:nvPr>
+            <p:ph type="body" idx="1"/>
+          </p:nvPr>
+        </p:nvSpPr>
         <p:spPr>
           <a:xfrm>
-            <a:off x="913795" y="609600"/>
-            <a:ext cx="10353761" cy="1325563"/>
+            <a:off x="1772179" y="2658533"/>
+            <a:ext cx="4607188" cy="576262"/>
           </a:xfrm>
         </p:spPr>
         <p:txBody>
-          <a:bodyPr/>
-          <a:lstStyle/>
-          <a:p>
-            <a:r>
-              <a:rPr lang="en-US" smtClean="0"/>
-              <a:t>Click to edit Master title style</a:t>
-            </a:r>
-            <a:endParaRPr lang="en-US" dirty="0"/>
-          </a:p>
-        </p:txBody>
-      </p:sp>
-      <p:sp>
-        <p:nvSpPr>
-          <p:cNvPr id="3" name="Text Placeholder 2"/>
-          <p:cNvSpPr>
-            <a:spLocks noGrp="1"/>
-          </p:cNvSpPr>
-          <p:nvPr>
-            <p:ph type="body" idx="1"/>
-          </p:nvPr>
-        </p:nvSpPr>
-        <p:spPr>
-          <a:xfrm>
-            <a:off x="1141804" y="2088320"/>
-            <a:ext cx="4879199" cy="823912"/>
-          </a:xfrm>
-        </p:spPr>
-        <p:txBody>
-          <a:bodyPr anchor="b"/>
+          <a:bodyPr anchor="b">
+            <a:noAutofit/>
+          </a:bodyPr>
           <a:lstStyle>
             <a:lvl1pPr marL="0" indent="0">
-              <a:lnSpc>
-                <a:spcPct val="100000"/>
-              </a:lnSpc>
-              <a:buNone/>
-              <a:defRPr sz="2400" b="1"/>
+              <a:buNone/>
+              <a:defRPr sz="2800" b="0">
+                <a:solidFill>
+                  <a:schemeClr val="accent1">
+                    <a:lumMod val="75000"/>
+                  </a:schemeClr>
+                </a:solidFill>
+              </a:defRPr>
             </a:lvl1pPr>
             <a:lvl2pPr marL="457200" indent="0">
               <a:buNone/>
@@ -4442,13 +4496,43 @@
         </p:nvSpPr>
         <p:spPr>
           <a:xfrm>
-            <a:off x="913795" y="2912232"/>
-            <a:ext cx="5107208" cy="2878968"/>
+            <a:off x="1484311" y="3335337"/>
+            <a:ext cx="4895056" cy="2455862"/>
           </a:xfrm>
         </p:spPr>
         <p:txBody>
-          <a:bodyPr/>
-          <a:lstStyle/>
+          <a:bodyPr anchor="t">
+            <a:normAutofit/>
+          </a:bodyPr>
+          <a:lstStyle>
+            <a:lvl1pPr>
+              <a:defRPr sz="1800"/>
+            </a:lvl1pPr>
+            <a:lvl2pPr>
+              <a:defRPr sz="1600"/>
+            </a:lvl2pPr>
+            <a:lvl3pPr>
+              <a:defRPr sz="1400"/>
+            </a:lvl3pPr>
+            <a:lvl4pPr>
+              <a:defRPr sz="1200"/>
+            </a:lvl4pPr>
+            <a:lvl5pPr>
+              <a:defRPr sz="1200"/>
+            </a:lvl5pPr>
+            <a:lvl6pPr>
+              <a:defRPr sz="1200"/>
+            </a:lvl6pPr>
+            <a:lvl7pPr>
+              <a:defRPr sz="1200"/>
+            </a:lvl7pPr>
+            <a:lvl8pPr>
+              <a:defRPr sz="1200"/>
+            </a:lvl8pPr>
+            <a:lvl9pPr>
+              <a:defRPr sz="1200"/>
+            </a:lvl9pPr>
+          </a:lstStyle>
           <a:p>
             <a:pPr lvl="0"/>
             <a:r>
@@ -4499,19 +4583,24 @@
         </p:nvSpPr>
         <p:spPr>
           <a:xfrm>
-            <a:off x="6402003" y="2088320"/>
-            <a:ext cx="4865554" cy="823912"/>
+            <a:off x="6880487" y="2667000"/>
+            <a:ext cx="4622537" cy="576262"/>
           </a:xfrm>
         </p:spPr>
         <p:txBody>
-          <a:bodyPr anchor="b"/>
+          <a:bodyPr anchor="b">
+            <a:noAutofit/>
+          </a:bodyPr>
           <a:lstStyle>
             <a:lvl1pPr marL="0" indent="0">
-              <a:lnSpc>
-                <a:spcPct val="100000"/>
-              </a:lnSpc>
-              <a:buNone/>
-              <a:defRPr sz="2400" b="1"/>
+              <a:buNone/>
+              <a:defRPr sz="2800" b="0">
+                <a:solidFill>
+                  <a:schemeClr val="accent1">
+                    <a:lumMod val="75000"/>
+                  </a:schemeClr>
+                </a:solidFill>
+              </a:defRPr>
             </a:lvl1pPr>
             <a:lvl2pPr marL="457200" indent="0">
               <a:buNone/>
@@ -4567,13 +4656,43 @@
         </p:nvSpPr>
         <p:spPr>
           <a:xfrm>
-            <a:off x="6172200" y="2912232"/>
-            <a:ext cx="5095357" cy="2878968"/>
+            <a:off x="6607967" y="3335337"/>
+            <a:ext cx="4895056" cy="2455862"/>
           </a:xfrm>
         </p:spPr>
         <p:txBody>
-          <a:bodyPr/>
-          <a:lstStyle/>
+          <a:bodyPr anchor="t">
+            <a:normAutofit/>
+          </a:bodyPr>
+          <a:lstStyle>
+            <a:lvl1pPr>
+              <a:defRPr sz="1800"/>
+            </a:lvl1pPr>
+            <a:lvl2pPr>
+              <a:defRPr sz="1600"/>
+            </a:lvl2pPr>
+            <a:lvl3pPr>
+              <a:defRPr sz="1400"/>
+            </a:lvl3pPr>
+            <a:lvl4pPr>
+              <a:defRPr sz="1200"/>
+            </a:lvl4pPr>
+            <a:lvl5pPr>
+              <a:defRPr sz="1200"/>
+            </a:lvl5pPr>
+            <a:lvl6pPr>
+              <a:defRPr sz="1200"/>
+            </a:lvl6pPr>
+            <a:lvl7pPr>
+              <a:defRPr sz="1200"/>
+            </a:lvl7pPr>
+            <a:lvl8pPr>
+              <a:defRPr sz="1200"/>
+            </a:lvl8pPr>
+            <a:lvl9pPr>
+              <a:defRPr sz="1200"/>
+            </a:lvl9pPr>
+          </a:lstStyle>
           <a:p>
             <a:pPr lvl="0"/>
             <a:r>
@@ -4680,7 +4799,7 @@
     </p:spTree>
     <p:extLst>
       <p:ext uri="{BB962C8B-B14F-4D97-AF65-F5344CB8AC3E}">
-        <p14:creationId xmlns:p14="http://schemas.microsoft.com/office/powerpoint/2010/main" val="3598159353"/>
+        <p14:creationId xmlns:p14="http://schemas.microsoft.com/office/powerpoint/2010/main" val="3324474032"/>
       </p:ext>
     </p:extLst>
   </p:cSld>
@@ -4798,7 +4917,7 @@
     </p:spTree>
     <p:extLst>
       <p:ext uri="{BB962C8B-B14F-4D97-AF65-F5344CB8AC3E}">
-        <p14:creationId xmlns:p14="http://schemas.microsoft.com/office/powerpoint/2010/main" val="727798974"/>
+        <p14:creationId xmlns:p14="http://schemas.microsoft.com/office/powerpoint/2010/main" val="554888828"/>
       </p:ext>
     </p:extLst>
   </p:cSld>
@@ -4893,7 +5012,7 @@
     </p:spTree>
     <p:extLst>
       <p:ext uri="{BB962C8B-B14F-4D97-AF65-F5344CB8AC3E}">
-        <p14:creationId xmlns:p14="http://schemas.microsoft.com/office/powerpoint/2010/main" val="3343173423"/>
+        <p14:creationId xmlns:p14="http://schemas.microsoft.com/office/powerpoint/2010/main" val="2305496535"/>
       </p:ext>
     </p:extLst>
   </p:cSld>
@@ -4932,8 +5051,8 @@
         </p:nvSpPr>
         <p:spPr>
           <a:xfrm>
-            <a:off x="917228" y="609600"/>
-            <a:ext cx="3932237" cy="2362200"/>
+            <a:off x="1484312" y="1600200"/>
+            <a:ext cx="3549121" cy="1371600"/>
           </a:xfrm>
         </p:spPr>
         <p:txBody>
@@ -4941,8 +5060,8 @@
             <a:normAutofit/>
           </a:bodyPr>
           <a:lstStyle>
-            <a:lvl1pPr>
-              <a:defRPr sz="2800"/>
+            <a:lvl1pPr algn="ctr">
+              <a:defRPr sz="2400" b="0"/>
             </a:lvl1pPr>
           </a:lstStyle>
           <a:p>
@@ -4966,13 +5085,43 @@
         </p:nvSpPr>
         <p:spPr>
           <a:xfrm>
-            <a:off x="5078064" y="609600"/>
-            <a:ext cx="6189492" cy="5181600"/>
+            <a:off x="5262033" y="685799"/>
+            <a:ext cx="6240990" cy="5105401"/>
           </a:xfrm>
         </p:spPr>
         <p:txBody>
-          <a:bodyPr anchor="ctr"/>
-          <a:lstStyle/>
+          <a:bodyPr anchor="ctr">
+            <a:normAutofit/>
+          </a:bodyPr>
+          <a:lstStyle>
+            <a:lvl1pPr>
+              <a:defRPr sz="2000"/>
+            </a:lvl1pPr>
+            <a:lvl2pPr>
+              <a:defRPr sz="1800"/>
+            </a:lvl2pPr>
+            <a:lvl3pPr>
+              <a:defRPr sz="1600"/>
+            </a:lvl3pPr>
+            <a:lvl4pPr>
+              <a:defRPr sz="1400"/>
+            </a:lvl4pPr>
+            <a:lvl5pPr>
+              <a:defRPr sz="1400"/>
+            </a:lvl5pPr>
+            <a:lvl6pPr>
+              <a:defRPr sz="1400"/>
+            </a:lvl6pPr>
+            <a:lvl7pPr>
+              <a:defRPr sz="1400"/>
+            </a:lvl7pPr>
+            <a:lvl8pPr>
+              <a:defRPr sz="1400"/>
+            </a:lvl8pPr>
+            <a:lvl9pPr>
+              <a:defRPr sz="1400"/>
+            </a:lvl9pPr>
+          </a:lstStyle>
           <a:p>
             <a:pPr lvl="0"/>
             <a:r>
@@ -5023,12 +5172,14 @@
         </p:nvSpPr>
         <p:spPr>
           <a:xfrm>
-            <a:off x="917228" y="2971800"/>
-            <a:ext cx="3932237" cy="2819399"/>
+            <a:off x="1484312" y="2971800"/>
+            <a:ext cx="3549121" cy="1828800"/>
           </a:xfrm>
         </p:spPr>
         <p:txBody>
-          <a:bodyPr/>
+          <a:bodyPr>
+            <a:normAutofit/>
+          </a:bodyPr>
           <a:lstStyle>
             <a:lvl1pPr marL="0" indent="0" algn="ctr">
               <a:buNone/>
@@ -5036,35 +5187,35 @@
             </a:lvl1pPr>
             <a:lvl2pPr marL="457200" indent="0">
               <a:buNone/>
-              <a:defRPr sz="1400"/>
+              <a:defRPr sz="1200"/>
             </a:lvl2pPr>
             <a:lvl3pPr marL="914400" indent="0">
               <a:buNone/>
-              <a:defRPr sz="1200"/>
+              <a:defRPr sz="1000"/>
             </a:lvl3pPr>
             <a:lvl4pPr marL="1371600" indent="0">
               <a:buNone/>
-              <a:defRPr sz="1000"/>
+              <a:defRPr sz="900"/>
             </a:lvl4pPr>
             <a:lvl5pPr marL="1828800" indent="0">
               <a:buNone/>
-              <a:defRPr sz="1000"/>
+              <a:defRPr sz="900"/>
             </a:lvl5pPr>
             <a:lvl6pPr marL="2286000" indent="0">
               <a:buNone/>
-              <a:defRPr sz="1000"/>
+              <a:defRPr sz="900"/>
             </a:lvl6pPr>
             <a:lvl7pPr marL="2743200" indent="0">
               <a:buNone/>
-              <a:defRPr sz="1000"/>
+              <a:defRPr sz="900"/>
             </a:lvl7pPr>
             <a:lvl8pPr marL="3200400" indent="0">
               <a:buNone/>
-              <a:defRPr sz="1000"/>
+              <a:defRPr sz="900"/>
             </a:lvl8pPr>
             <a:lvl9pPr marL="3657600" indent="0">
               <a:buNone/>
-              <a:defRPr sz="1000"/>
+              <a:defRPr sz="900"/>
             </a:lvl9pPr>
           </a:lstStyle>
           <a:p>
@@ -5144,7 +5295,7 @@
     </p:spTree>
     <p:extLst>
       <p:ext uri="{BB962C8B-B14F-4D97-AF65-F5344CB8AC3E}">
-        <p14:creationId xmlns:p14="http://schemas.microsoft.com/office/powerpoint/2010/main" val="3337148324"/>
+        <p14:creationId xmlns:p14="http://schemas.microsoft.com/office/powerpoint/2010/main" val="3218567329"/>
       </p:ext>
     </p:extLst>
   </p:cSld>
@@ -5183,8 +5334,8 @@
         </p:nvSpPr>
         <p:spPr>
           <a:xfrm>
-            <a:off x="917227" y="609600"/>
-            <a:ext cx="5929773" cy="2362200"/>
+            <a:off x="1482724" y="1752599"/>
+            <a:ext cx="5426158" cy="1371600"/>
           </a:xfrm>
         </p:spPr>
         <p:txBody>
@@ -5192,8 +5343,8 @@
             <a:normAutofit/>
           </a:bodyPr>
           <a:lstStyle>
-            <a:lvl1pPr>
-              <a:defRPr sz="3200"/>
+            <a:lvl1pPr algn="ctr">
+              <a:defRPr sz="2800" b="0"/>
             </a:lvl1pPr>
           </a:lstStyle>
           <a:p>
@@ -5207,7 +5358,7 @@
       </p:sp>
       <p:sp>
         <p:nvSpPr>
-          <p:cNvPr id="3" name="Picture Placeholder 2"/>
+          <p:cNvPr id="14" name="Picture Placeholder 2"/>
           <p:cNvSpPr>
             <a:spLocks noGrp="1" noChangeAspect="1"/>
           </p:cNvSpPr>
@@ -5217,74 +5368,78 @@
         </p:nvSpPr>
         <p:spPr>
           <a:xfrm>
-            <a:off x="7424804" y="758881"/>
-            <a:ext cx="3255356" cy="4883038"/>
+            <a:off x="7594682" y="914400"/>
+            <a:ext cx="3280974" cy="4572000"/>
           </a:xfrm>
-          <a:noFill/>
-          <a:ln w="190500" cap="sq">
-            <a:solidFill>
-              <a:srgbClr val="FFFFFF"/>
-            </a:solidFill>
-            <a:miter lim="800000"/>
+          <a:prstGeom prst="roundRect">
+            <a:avLst>
+              <a:gd name="adj" fmla="val 4280"/>
+            </a:avLst>
+          </a:prstGeom>
+          <a:ln w="38100">
+            <a:gradFill flip="none" rotWithShape="1">
+              <a:gsLst>
+                <a:gs pos="0">
+                  <a:schemeClr val="bg2"/>
+                </a:gs>
+                <a:gs pos="100000">
+                  <a:schemeClr val="bg2">
+                    <a:lumMod val="75000"/>
+                  </a:schemeClr>
+                </a:gs>
+              </a:gsLst>
+              <a:lin ang="5400000" scaled="0"/>
+              <a:tileRect/>
+            </a:gradFill>
           </a:ln>
           <a:effectLst>
-            <a:outerShdw blurRad="55000" dist="18000" dir="5400000" algn="tl" rotWithShape="0">
+            <a:innerShdw blurRad="57150" dist="38100" dir="14460000">
               <a:srgbClr val="000000">
-                <a:alpha val="40000"/>
+                <a:alpha val="70000"/>
               </a:srgbClr>
-            </a:outerShdw>
+            </a:innerShdw>
           </a:effectLst>
-          <a:scene3d>
-            <a:camera prst="orthographicFront"/>
-            <a:lightRig rig="twoPt" dir="t">
-              <a:rot lat="0" lon="0" rev="7200000"/>
-            </a:lightRig>
-          </a:scene3d>
-          <a:sp3d>
-            <a:bevelT w="25400" h="19050"/>
-            <a:contourClr>
-              <a:srgbClr val="FFFFFF"/>
-            </a:contourClr>
-          </a:sp3d>
         </p:spPr>
         <p:txBody>
-          <a:bodyPr anchor="t"/>
+          <a:bodyPr anchor="t">
+            <a:normAutofit/>
+          </a:bodyPr>
           <a:lstStyle>
             <a:lvl1pPr marL="0" indent="0" algn="ctr">
               <a:buNone/>
-              <a:defRPr sz="3200"/>
+              <a:defRPr sz="1600"/>
             </a:lvl1pPr>
             <a:lvl2pPr marL="457200" indent="0">
               <a:buNone/>
-              <a:defRPr sz="2800"/>
+              <a:defRPr sz="1600"/>
             </a:lvl2pPr>
             <a:lvl3pPr marL="914400" indent="0">
               <a:buNone/>
-              <a:defRPr sz="2400"/>
+              <a:defRPr sz="1600"/>
             </a:lvl3pPr>
             <a:lvl4pPr marL="1371600" indent="0">
               <a:buNone/>
-              <a:defRPr sz="2000"/>
+              <a:defRPr sz="1600"/>
             </a:lvl4pPr>
             <a:lvl5pPr marL="1828800" indent="0">
               <a:buNone/>
-              <a:defRPr sz="2000"/>
+              <a:defRPr sz="1600"/>
             </a:lvl5pPr>
             <a:lvl6pPr marL="2286000" indent="0">
               <a:buNone/>
-              <a:defRPr sz="2000"/>
+              <a:defRPr sz="1600"/>
             </a:lvl6pPr>
             <a:lvl7pPr marL="2743200" indent="0">
               <a:buNone/>
-              <a:defRPr sz="2000"/>
+              <a:defRPr sz="1600"/>
             </a:lvl7pPr>
             <a:lvl8pPr marL="3200400" indent="0">
               <a:buNone/>
-              <a:defRPr sz="2000"/>
+              <a:defRPr sz="1600"/>
             </a:lvl8pPr>
             <a:lvl9pPr marL="3657600" indent="0">
               <a:buNone/>
-              <a:defRPr sz="2000"/>
+              <a:defRPr sz="1600"/>
             </a:lvl9pPr>
           </a:lstStyle>
           <a:p>
@@ -5308,8 +5463,8 @@
         </p:nvSpPr>
         <p:spPr>
           <a:xfrm>
-            <a:off x="913794" y="2971800"/>
-            <a:ext cx="5934950" cy="2819400"/>
+            <a:off x="1482724" y="3124199"/>
+            <a:ext cx="5426158" cy="1828800"/>
           </a:xfrm>
         </p:spPr>
         <p:txBody>
@@ -5323,35 +5478,35 @@
             </a:lvl1pPr>
             <a:lvl2pPr marL="457200" indent="0">
               <a:buNone/>
-              <a:defRPr sz="1400"/>
+              <a:defRPr sz="1200"/>
             </a:lvl2pPr>
             <a:lvl3pPr marL="914400" indent="0">
               <a:buNone/>
-              <a:defRPr sz="1200"/>
+              <a:defRPr sz="1000"/>
             </a:lvl3pPr>
             <a:lvl4pPr marL="1371600" indent="0">
               <a:buNone/>
-              <a:defRPr sz="1000"/>
+              <a:defRPr sz="900"/>
             </a:lvl4pPr>
             <a:lvl5pPr marL="1828800" indent="0">
               <a:buNone/>
-              <a:defRPr sz="1000"/>
+              <a:defRPr sz="900"/>
             </a:lvl5pPr>
             <a:lvl6pPr marL="2286000" indent="0">
               <a:buNone/>
-              <a:defRPr sz="1000"/>
+              <a:defRPr sz="900"/>
             </a:lvl6pPr>
             <a:lvl7pPr marL="2743200" indent="0">
               <a:buNone/>
-              <a:defRPr sz="1000"/>
+              <a:defRPr sz="900"/>
             </a:lvl7pPr>
             <a:lvl8pPr marL="3200400" indent="0">
               <a:buNone/>
-              <a:defRPr sz="1000"/>
+              <a:defRPr sz="900"/>
             </a:lvl8pPr>
             <a:lvl9pPr marL="3657600" indent="0">
               <a:buNone/>
-              <a:defRPr sz="1000"/>
+              <a:defRPr sz="900"/>
             </a:lvl9pPr>
           </a:lstStyle>
           <a:p>
@@ -5401,7 +5556,7 @@
           <a:bodyPr/>
           <a:lstStyle/>
           <a:p>
-            <a:endParaRPr lang="en-US"/>
+            <a:endParaRPr lang="en-US" dirty="0"/>
           </a:p>
         </p:txBody>
       </p:sp>
@@ -5431,7 +5586,7 @@
     </p:spTree>
     <p:extLst>
       <p:ext uri="{BB962C8B-B14F-4D97-AF65-F5344CB8AC3E}">
-        <p14:creationId xmlns:p14="http://schemas.microsoft.com/office/powerpoint/2010/main" val="459674805"/>
+        <p14:creationId xmlns:p14="http://schemas.microsoft.com/office/powerpoint/2010/main" val="4008458070"/>
       </p:ext>
     </p:extLst>
   </p:cSld>
@@ -5463,6 +5618,322 @@
           <a:chExt cx="0" cy="0"/>
         </a:xfrm>
       </p:grpSpPr>
+      <p:grpSp>
+        <p:nvGrpSpPr>
+          <p:cNvPr id="7" name="Group 6"/>
+          <p:cNvGrpSpPr/>
+          <p:nvPr/>
+        </p:nvGrpSpPr>
+        <p:grpSpPr>
+          <a:xfrm>
+            <a:off x="150812" y="0"/>
+            <a:ext cx="2436813" cy="6858001"/>
+            <a:chOff x="1320800" y="0"/>
+            <a:chExt cx="2436813" cy="6858001"/>
+          </a:xfrm>
+        </p:grpSpPr>
+        <p:sp>
+          <p:nvSpPr>
+            <p:cNvPr id="8" name="Freeform 6"/>
+            <p:cNvSpPr/>
+            <p:nvPr/>
+          </p:nvSpPr>
+          <p:spPr bwMode="auto">
+            <a:xfrm>
+              <a:off x="1627188" y="0"/>
+              <a:ext cx="1122363" cy="5329238"/>
+            </a:xfrm>
+            <a:custGeom>
+              <a:avLst/>
+              <a:gdLst/>
+              <a:ahLst/>
+              <a:cxnLst/>
+              <a:rect l="0" t="0" r="r" b="b"/>
+              <a:pathLst>
+                <a:path w="707" h="3357">
+                  <a:moveTo>
+                    <a:pt x="0" y="3330"/>
+                  </a:moveTo>
+                  <a:lnTo>
+                    <a:pt x="156" y="3357"/>
+                  </a:lnTo>
+                  <a:lnTo>
+                    <a:pt x="707" y="0"/>
+                  </a:lnTo>
+                  <a:lnTo>
+                    <a:pt x="547" y="0"/>
+                  </a:lnTo>
+                  <a:lnTo>
+                    <a:pt x="0" y="3330"/>
+                  </a:lnTo>
+                  <a:close/>
+                </a:path>
+              </a:pathLst>
+            </a:custGeom>
+            <a:solidFill>
+              <a:schemeClr val="accent1"/>
+            </a:solidFill>
+            <a:ln>
+              <a:noFill/>
+            </a:ln>
+          </p:spPr>
+        </p:sp>
+        <p:sp>
+          <p:nvSpPr>
+            <p:cNvPr id="9" name="Freeform 7"/>
+            <p:cNvSpPr/>
+            <p:nvPr/>
+          </p:nvSpPr>
+          <p:spPr bwMode="auto">
+            <a:xfrm>
+              <a:off x="1320800" y="0"/>
+              <a:ext cx="1117600" cy="5276850"/>
+            </a:xfrm>
+            <a:custGeom>
+              <a:avLst/>
+              <a:gdLst/>
+              <a:ahLst/>
+              <a:cxnLst/>
+              <a:rect l="0" t="0" r="r" b="b"/>
+              <a:pathLst>
+                <a:path w="704" h="3324">
+                  <a:moveTo>
+                    <a:pt x="704" y="0"/>
+                  </a:moveTo>
+                  <a:lnTo>
+                    <a:pt x="545" y="0"/>
+                  </a:lnTo>
+                  <a:lnTo>
+                    <a:pt x="0" y="3300"/>
+                  </a:lnTo>
+                  <a:lnTo>
+                    <a:pt x="157" y="3324"/>
+                  </a:lnTo>
+                  <a:lnTo>
+                    <a:pt x="704" y="0"/>
+                  </a:lnTo>
+                  <a:close/>
+                </a:path>
+              </a:pathLst>
+            </a:custGeom>
+            <a:solidFill>
+              <a:schemeClr val="tx1">
+                <a:lumMod val="65000"/>
+                <a:lumOff val="35000"/>
+              </a:schemeClr>
+            </a:solidFill>
+            <a:ln>
+              <a:noFill/>
+            </a:ln>
+          </p:spPr>
+        </p:sp>
+        <p:sp>
+          <p:nvSpPr>
+            <p:cNvPr id="10" name="Freeform 8"/>
+            <p:cNvSpPr/>
+            <p:nvPr/>
+          </p:nvSpPr>
+          <p:spPr bwMode="auto">
+            <a:xfrm>
+              <a:off x="1320800" y="5238750"/>
+              <a:ext cx="1228725" cy="1619250"/>
+            </a:xfrm>
+            <a:custGeom>
+              <a:avLst/>
+              <a:gdLst/>
+              <a:ahLst/>
+              <a:cxnLst/>
+              <a:rect l="0" t="0" r="r" b="b"/>
+              <a:pathLst>
+                <a:path w="774" h="1020">
+                  <a:moveTo>
+                    <a:pt x="0" y="0"/>
+                  </a:moveTo>
+                  <a:lnTo>
+                    <a:pt x="740" y="1020"/>
+                  </a:lnTo>
+                  <a:lnTo>
+                    <a:pt x="774" y="1020"/>
+                  </a:lnTo>
+                  <a:lnTo>
+                    <a:pt x="0" y="0"/>
+                  </a:lnTo>
+                  <a:close/>
+                </a:path>
+              </a:pathLst>
+            </a:custGeom>
+            <a:solidFill>
+              <a:schemeClr val="tx1">
+                <a:lumMod val="85000"/>
+                <a:lumOff val="15000"/>
+              </a:schemeClr>
+            </a:solidFill>
+            <a:ln>
+              <a:noFill/>
+            </a:ln>
+          </p:spPr>
+        </p:sp>
+        <p:sp>
+          <p:nvSpPr>
+            <p:cNvPr id="11" name="Freeform 9"/>
+            <p:cNvSpPr/>
+            <p:nvPr/>
+          </p:nvSpPr>
+          <p:spPr bwMode="auto">
+            <a:xfrm>
+              <a:off x="1627188" y="5291138"/>
+              <a:ext cx="1495425" cy="1566863"/>
+            </a:xfrm>
+            <a:custGeom>
+              <a:avLst/>
+              <a:gdLst/>
+              <a:ahLst/>
+              <a:cxnLst/>
+              <a:rect l="0" t="0" r="r" b="b"/>
+              <a:pathLst>
+                <a:path w="942" h="987">
+                  <a:moveTo>
+                    <a:pt x="0" y="0"/>
+                  </a:moveTo>
+                  <a:lnTo>
+                    <a:pt x="909" y="987"/>
+                  </a:lnTo>
+                  <a:lnTo>
+                    <a:pt x="942" y="987"/>
+                  </a:lnTo>
+                  <a:lnTo>
+                    <a:pt x="0" y="0"/>
+                  </a:lnTo>
+                  <a:close/>
+                </a:path>
+              </a:pathLst>
+            </a:custGeom>
+            <a:solidFill>
+              <a:schemeClr val="accent1">
+                <a:lumMod val="50000"/>
+              </a:schemeClr>
+            </a:solidFill>
+            <a:ln>
+              <a:noFill/>
+            </a:ln>
+          </p:spPr>
+        </p:sp>
+        <p:sp>
+          <p:nvSpPr>
+            <p:cNvPr id="12" name="Freeform 10"/>
+            <p:cNvSpPr/>
+            <p:nvPr/>
+          </p:nvSpPr>
+          <p:spPr bwMode="auto">
+            <a:xfrm>
+              <a:off x="1627188" y="5286375"/>
+              <a:ext cx="2130425" cy="1571625"/>
+            </a:xfrm>
+            <a:custGeom>
+              <a:avLst/>
+              <a:gdLst/>
+              <a:ahLst/>
+              <a:cxnLst/>
+              <a:rect l="0" t="0" r="r" b="b"/>
+              <a:pathLst>
+                <a:path w="1342" h="990">
+                  <a:moveTo>
+                    <a:pt x="0" y="3"/>
+                  </a:moveTo>
+                  <a:lnTo>
+                    <a:pt x="942" y="990"/>
+                  </a:lnTo>
+                  <a:lnTo>
+                    <a:pt x="1342" y="990"/>
+                  </a:lnTo>
+                  <a:lnTo>
+                    <a:pt x="156" y="27"/>
+                  </a:lnTo>
+                  <a:lnTo>
+                    <a:pt x="0" y="0"/>
+                  </a:lnTo>
+                  <a:lnTo>
+                    <a:pt x="0" y="3"/>
+                  </a:lnTo>
+                  <a:close/>
+                </a:path>
+              </a:pathLst>
+            </a:custGeom>
+            <a:solidFill>
+              <a:schemeClr val="accent1">
+                <a:lumMod val="75000"/>
+              </a:schemeClr>
+            </a:solidFill>
+            <a:ln>
+              <a:noFill/>
+            </a:ln>
+          </p:spPr>
+        </p:sp>
+        <p:sp>
+          <p:nvSpPr>
+            <p:cNvPr id="13" name="Freeform 11"/>
+            <p:cNvSpPr/>
+            <p:nvPr/>
+          </p:nvSpPr>
+          <p:spPr bwMode="auto">
+            <a:xfrm>
+              <a:off x="1320800" y="5238750"/>
+              <a:ext cx="1695450" cy="1619250"/>
+            </a:xfrm>
+            <a:custGeom>
+              <a:avLst/>
+              <a:gdLst/>
+              <a:ahLst/>
+              <a:cxnLst/>
+              <a:rect l="0" t="0" r="r" b="b"/>
+              <a:pathLst>
+                <a:path w="1068" h="1020">
+                  <a:moveTo>
+                    <a:pt x="1068" y="1020"/>
+                  </a:moveTo>
+                  <a:lnTo>
+                    <a:pt x="184" y="60"/>
+                  </a:lnTo>
+                  <a:lnTo>
+                    <a:pt x="154" y="27"/>
+                  </a:lnTo>
+                  <a:lnTo>
+                    <a:pt x="157" y="27"/>
+                  </a:lnTo>
+                  <a:lnTo>
+                    <a:pt x="157" y="24"/>
+                  </a:lnTo>
+                  <a:lnTo>
+                    <a:pt x="154" y="24"/>
+                  </a:lnTo>
+                  <a:lnTo>
+                    <a:pt x="0" y="0"/>
+                  </a:lnTo>
+                  <a:lnTo>
+                    <a:pt x="0" y="0"/>
+                  </a:lnTo>
+                  <a:lnTo>
+                    <a:pt x="774" y="1020"/>
+                  </a:lnTo>
+                  <a:lnTo>
+                    <a:pt x="1068" y="1020"/>
+                  </a:lnTo>
+                  <a:close/>
+                </a:path>
+              </a:pathLst>
+            </a:custGeom>
+            <a:solidFill>
+              <a:schemeClr val="tx1">
+                <a:lumMod val="75000"/>
+                <a:lumOff val="25000"/>
+              </a:schemeClr>
+            </a:solidFill>
+            <a:ln>
+              <a:noFill/>
+            </a:ln>
+          </p:spPr>
+        </p:sp>
+      </p:grpSp>
       <p:sp>
         <p:nvSpPr>
           <p:cNvPr id="2" name="Title Placeholder 1"/>
@@ -5475,8 +5946,42 @@
         </p:nvSpPr>
         <p:spPr>
           <a:xfrm>
-            <a:off x="913795" y="609600"/>
-            <a:ext cx="10353761" cy="1326321"/>
+            <a:off x="1484311" y="685800"/>
+            <a:ext cx="10018713" cy="1752599"/>
+          </a:xfrm>
+          <a:prstGeom prst="rect">
+            <a:avLst/>
+          </a:prstGeom>
+          <a:effectLst/>
+        </p:spPr>
+        <p:txBody>
+          <a:bodyPr vert="horz" lIns="91440" tIns="45720" rIns="91440" bIns="45720" rtlCol="0" anchor="ctr">
+            <a:normAutofit/>
+          </a:bodyPr>
+          <a:lstStyle/>
+          <a:p>
+            <a:r>
+              <a:rPr lang="en-US" smtClean="0"/>
+              <a:t>Click to edit Master title style</a:t>
+            </a:r>
+            <a:endParaRPr lang="en-US" dirty="0"/>
+          </a:p>
+        </p:txBody>
+      </p:sp>
+      <p:sp>
+        <p:nvSpPr>
+          <p:cNvPr id="3" name="Text Placeholder 2"/>
+          <p:cNvSpPr>
+            <a:spLocks noGrp="1"/>
+          </p:cNvSpPr>
+          <p:nvPr>
+            <p:ph type="body" idx="1"/>
+          </p:nvPr>
+        </p:nvSpPr>
+        <p:spPr>
+          <a:xfrm>
+            <a:off x="1484310" y="2666999"/>
+            <a:ext cx="10018713" cy="3124201"/>
           </a:xfrm>
           <a:prstGeom prst="rect">
             <a:avLst/>
@@ -5488,9 +5993,38 @@
           </a:bodyPr>
           <a:lstStyle/>
           <a:p>
-            <a:r>
-              <a:rPr lang="en-US" smtClean="0"/>
-              <a:t>Click to edit Master title style</a:t>
+            <a:pPr lvl="0"/>
+            <a:r>
+              <a:rPr lang="en-US" smtClean="0"/>
+              <a:t>Click to edit Master text styles</a:t>
+            </a:r>
+          </a:p>
+          <a:p>
+            <a:pPr lvl="1"/>
+            <a:r>
+              <a:rPr lang="en-US" smtClean="0"/>
+              <a:t>Second level</a:t>
+            </a:r>
+          </a:p>
+          <a:p>
+            <a:pPr lvl="2"/>
+            <a:r>
+              <a:rPr lang="en-US" smtClean="0"/>
+              <a:t>Third level</a:t>
+            </a:r>
+          </a:p>
+          <a:p>
+            <a:pPr lvl="3"/>
+            <a:r>
+              <a:rPr lang="en-US" smtClean="0"/>
+              <a:t>Fourth level</a:t>
+            </a:r>
+          </a:p>
+          <a:p>
+            <a:pPr lvl="4"/>
+            <a:r>
+              <a:rPr lang="en-US" smtClean="0"/>
+              <a:t>Fifth level</a:t>
             </a:r>
             <a:endParaRPr lang="en-US" dirty="0"/>
           </a:p>
@@ -5498,80 +6032,59 @@
       </p:sp>
       <p:sp>
         <p:nvSpPr>
-          <p:cNvPr id="3" name="Text Placeholder 2"/>
-          <p:cNvSpPr>
-            <a:spLocks noGrp="1"/>
-          </p:cNvSpPr>
-          <p:nvPr>
-            <p:ph type="body" idx="1"/>
+          <p:cNvPr id="4" name="Date Placeholder 3"/>
+          <p:cNvSpPr>
+            <a:spLocks noGrp="1"/>
+          </p:cNvSpPr>
+          <p:nvPr>
+            <p:ph type="dt" sz="half" idx="2"/>
           </p:nvPr>
         </p:nvSpPr>
         <p:spPr>
           <a:xfrm>
-            <a:off x="913795" y="2096064"/>
-            <a:ext cx="10353762" cy="3695136"/>
+            <a:off x="9732656" y="5883275"/>
+            <a:ext cx="1143000" cy="365125"/>
           </a:xfrm>
           <a:prstGeom prst="rect">
             <a:avLst/>
           </a:prstGeom>
         </p:spPr>
         <p:txBody>
-          <a:bodyPr vert="horz" lIns="91440" tIns="45720" rIns="91440" bIns="45720" rtlCol="0">
-            <a:normAutofit/>
-          </a:bodyPr>
-          <a:lstStyle/>
-          <a:p>
-            <a:pPr lvl="0"/>
-            <a:r>
-              <a:rPr lang="en-US" smtClean="0"/>
-              <a:t>Click to edit Master text styles</a:t>
-            </a:r>
-          </a:p>
-          <a:p>
-            <a:pPr lvl="1"/>
-            <a:r>
-              <a:rPr lang="en-US" smtClean="0"/>
-              <a:t>Second level</a:t>
-            </a:r>
-          </a:p>
-          <a:p>
-            <a:pPr lvl="2"/>
-            <a:r>
-              <a:rPr lang="en-US" smtClean="0"/>
-              <a:t>Third level</a:t>
-            </a:r>
-          </a:p>
-          <a:p>
-            <a:pPr lvl="3"/>
-            <a:r>
-              <a:rPr lang="en-US" smtClean="0"/>
-              <a:t>Fourth level</a:t>
-            </a:r>
-          </a:p>
-          <a:p>
-            <a:pPr lvl="4"/>
-            <a:r>
-              <a:rPr lang="en-US" smtClean="0"/>
-              <a:t>Fifth level</a:t>
-            </a:r>
-            <a:endParaRPr lang="en-US" dirty="0"/>
-          </a:p>
-        </p:txBody>
-      </p:sp>
-      <p:sp>
-        <p:nvSpPr>
-          <p:cNvPr id="4" name="Date Placeholder 3"/>
-          <p:cNvSpPr>
-            <a:spLocks noGrp="1"/>
-          </p:cNvSpPr>
-          <p:nvPr>
-            <p:ph type="dt" sz="half" idx="2"/>
+          <a:bodyPr vert="horz" lIns="91440" tIns="45720" rIns="91440" bIns="45720" rtlCol="0" anchor="ctr"/>
+          <a:lstStyle>
+            <a:lvl1pPr algn="r">
+              <a:defRPr sz="1000" b="0" i="0">
+                <a:solidFill>
+                  <a:schemeClr val="tx1"/>
+                </a:solidFill>
+                <a:effectLst/>
+                <a:latin typeface="+mn-lt"/>
+              </a:defRPr>
+            </a:lvl1pPr>
+          </a:lstStyle>
+          <a:p>
+            <a:fld id="{BD51340E-7DD1-44B3-9C4B-EB159C75E0E0}" type="datetimeFigureOut">
+              <a:rPr lang="en-US" smtClean="0"/>
+              <a:t>11/11/2016</a:t>
+            </a:fld>
+            <a:endParaRPr lang="en-US"/>
+          </a:p>
+        </p:txBody>
+      </p:sp>
+      <p:sp>
+        <p:nvSpPr>
+          <p:cNvPr id="5" name="Footer Placeholder 4"/>
+          <p:cNvSpPr>
+            <a:spLocks noGrp="1"/>
+          </p:cNvSpPr>
+          <p:nvPr>
+            <p:ph type="ftr" sz="quarter" idx="3"/>
           </p:nvPr>
         </p:nvSpPr>
         <p:spPr>
           <a:xfrm>
-            <a:off x="7678736" y="5883275"/>
-            <a:ext cx="2743200" cy="365125"/>
+            <a:off x="2572279" y="5883275"/>
+            <a:ext cx="7084177" cy="365125"/>
           </a:xfrm>
           <a:prstGeom prst="rect">
             <a:avLst/>
@@ -5580,39 +6093,35 @@
         <p:txBody>
           <a:bodyPr vert="horz" lIns="91440" tIns="45720" rIns="91440" bIns="45720" rtlCol="0" anchor="ctr"/>
           <a:lstStyle>
-            <a:lvl1pPr algn="r">
-              <a:defRPr sz="1000">
-                <a:solidFill>
-                  <a:schemeClr val="tx1">
-                    <a:tint val="75000"/>
-                  </a:schemeClr>
-                </a:solidFill>
+            <a:lvl1pPr algn="l">
+              <a:defRPr sz="1000" b="0" i="0">
+                <a:solidFill>
+                  <a:schemeClr val="tx1"/>
+                </a:solidFill>
+                <a:effectLst/>
+                <a:latin typeface="+mn-lt"/>
               </a:defRPr>
             </a:lvl1pPr>
           </a:lstStyle>
           <a:p>
-            <a:fld id="{BD51340E-7DD1-44B3-9C4B-EB159C75E0E0}" type="datetimeFigureOut">
-              <a:rPr lang="en-US" smtClean="0"/>
-              <a:t>11/11/2016</a:t>
-            </a:fld>
             <a:endParaRPr lang="en-US"/>
           </a:p>
         </p:txBody>
       </p:sp>
       <p:sp>
         <p:nvSpPr>
-          <p:cNvPr id="5" name="Footer Placeholder 4"/>
-          <p:cNvSpPr>
-            <a:spLocks noGrp="1"/>
-          </p:cNvSpPr>
-          <p:nvPr>
-            <p:ph type="ftr" sz="quarter" idx="3"/>
+          <p:cNvPr id="6" name="Slide Number Placeholder 5"/>
+          <p:cNvSpPr>
+            <a:spLocks noGrp="1"/>
+          </p:cNvSpPr>
+          <p:nvPr>
+            <p:ph type="sldNum" sz="quarter" idx="4"/>
           </p:nvPr>
         </p:nvSpPr>
         <p:spPr>
           <a:xfrm>
-            <a:off x="913794" y="5883275"/>
-            <a:ext cx="6672865" cy="365125"/>
+            <a:off x="10951856" y="5883275"/>
+            <a:ext cx="551167" cy="365125"/>
           </a:xfrm>
           <a:prstGeom prst="rect">
             <a:avLst/>
@@ -5621,50 +6130,13 @@
         <p:txBody>
           <a:bodyPr vert="horz" lIns="91440" tIns="45720" rIns="91440" bIns="45720" rtlCol="0" anchor="ctr"/>
           <a:lstStyle>
-            <a:lvl1pPr algn="l">
-              <a:defRPr sz="1000">
-                <a:solidFill>
-                  <a:schemeClr val="tx1">
-                    <a:tint val="75000"/>
-                  </a:schemeClr>
-                </a:solidFill>
-              </a:defRPr>
-            </a:lvl1pPr>
-          </a:lstStyle>
-          <a:p>
-            <a:endParaRPr lang="en-US"/>
-          </a:p>
-        </p:txBody>
-      </p:sp>
-      <p:sp>
-        <p:nvSpPr>
-          <p:cNvPr id="6" name="Slide Number Placeholder 5"/>
-          <p:cNvSpPr>
-            <a:spLocks noGrp="1"/>
-          </p:cNvSpPr>
-          <p:nvPr>
-            <p:ph type="sldNum" sz="quarter" idx="4"/>
-          </p:nvPr>
-        </p:nvSpPr>
-        <p:spPr>
-          <a:xfrm>
-            <a:off x="10514011" y="5883275"/>
-            <a:ext cx="753545" cy="365125"/>
-          </a:xfrm>
-          <a:prstGeom prst="rect">
-            <a:avLst/>
-          </a:prstGeom>
-        </p:spPr>
-        <p:txBody>
-          <a:bodyPr vert="horz" lIns="91440" tIns="45720" rIns="91440" bIns="45720" rtlCol="0" anchor="ctr"/>
-          <a:lstStyle>
             <a:lvl1pPr algn="r">
-              <a:defRPr sz="1000">
-                <a:solidFill>
-                  <a:schemeClr val="tx1">
-                    <a:tint val="75000"/>
-                  </a:schemeClr>
-                </a:solidFill>
+              <a:defRPr sz="1000" b="0" i="0">
+                <a:solidFill>
+                  <a:schemeClr val="tx1"/>
+                </a:solidFill>
+                <a:effectLst/>
+                <a:latin typeface="+mn-lt"/>
               </a:defRPr>
             </a:lvl1pPr>
           </a:lstStyle>
@@ -5680,278 +6152,328 @@
     </p:spTree>
     <p:extLst>
       <p:ext uri="{BB962C8B-B14F-4D97-AF65-F5344CB8AC3E}">
-        <p14:creationId xmlns:p14="http://schemas.microsoft.com/office/powerpoint/2010/main" val="990287910"/>
+        <p14:creationId xmlns:p14="http://schemas.microsoft.com/office/powerpoint/2010/main" val="1117437377"/>
       </p:ext>
     </p:extLst>
   </p:cSld>
-  <p:clrMap bg1="dk1" tx1="lt1" bg2="dk2" tx2="lt2" accent1="accent1" accent2="accent2" accent3="accent3" accent4="accent4" accent5="accent5" accent6="accent6" hlink="hlink" folHlink="folHlink"/>
+  <p:clrMap bg1="lt1" tx1="dk1" bg2="lt2" tx2="dk2" accent1="accent1" accent2="accent2" accent3="accent3" accent4="accent4" accent5="accent5" accent6="accent6" hlink="hlink" folHlink="folHlink"/>
   <p:sldLayoutIdLst>
-    <p:sldLayoutId id="2147483661" r:id="rId1"/>
-    <p:sldLayoutId id="2147483662" r:id="rId2"/>
-    <p:sldLayoutId id="2147483663" r:id="rId3"/>
-    <p:sldLayoutId id="2147483664" r:id="rId4"/>
-    <p:sldLayoutId id="2147483665" r:id="rId5"/>
-    <p:sldLayoutId id="2147483666" r:id="rId6"/>
-    <p:sldLayoutId id="2147483667" r:id="rId7"/>
-    <p:sldLayoutId id="2147483668" r:id="rId8"/>
-    <p:sldLayoutId id="2147483669" r:id="rId9"/>
-    <p:sldLayoutId id="2147483670" r:id="rId10"/>
-    <p:sldLayoutId id="2147483671" r:id="rId11"/>
-    <p:sldLayoutId id="2147483672" r:id="rId12"/>
-    <p:sldLayoutId id="2147483673" r:id="rId13"/>
-    <p:sldLayoutId id="2147483674" r:id="rId14"/>
-    <p:sldLayoutId id="2147483675" r:id="rId15"/>
-    <p:sldLayoutId id="2147483676" r:id="rId16"/>
-    <p:sldLayoutId id="2147483677" r:id="rId17"/>
+    <p:sldLayoutId id="2147483691" r:id="rId1"/>
+    <p:sldLayoutId id="2147483692" r:id="rId2"/>
+    <p:sldLayoutId id="2147483693" r:id="rId3"/>
+    <p:sldLayoutId id="2147483694" r:id="rId4"/>
+    <p:sldLayoutId id="2147483695" r:id="rId5"/>
+    <p:sldLayoutId id="2147483696" r:id="rId6"/>
+    <p:sldLayoutId id="2147483697" r:id="rId7"/>
+    <p:sldLayoutId id="2147483698" r:id="rId8"/>
+    <p:sldLayoutId id="2147483699" r:id="rId9"/>
+    <p:sldLayoutId id="2147483700" r:id="rId10"/>
+    <p:sldLayoutId id="2147483701" r:id="rId11"/>
+    <p:sldLayoutId id="2147483702" r:id="rId12"/>
+    <p:sldLayoutId id="2147483703" r:id="rId13"/>
+    <p:sldLayoutId id="2147483704" r:id="rId14"/>
+    <p:sldLayoutId id="2147483705" r:id="rId15"/>
+    <p:sldLayoutId id="2147483706" r:id="rId16"/>
+    <p:sldLayoutId id="2147483707" r:id="rId17"/>
   </p:sldLayoutIdLst>
   <p:txStyles>
     <p:titleStyle>
-      <a:lvl1pPr algn="ctr" defTabSz="914400" rtl="0" eaLnBrk="1" latinLnBrk="0" hangingPunct="1">
-        <a:lnSpc>
-          <a:spcPct val="90000"/>
-        </a:lnSpc>
+      <a:lvl1pPr algn="ctr" defTabSz="457200" rtl="0" eaLnBrk="1" latinLnBrk="0" hangingPunct="1">
         <a:spcBef>
           <a:spcPct val="0"/>
         </a:spcBef>
         <a:buNone/>
-        <a:defRPr sz="3400" b="1" i="0" kern="1200" cap="all">
+        <a:defRPr sz="4000" kern="1200" cap="none">
+          <a:ln w="3175" cmpd="sng">
+            <a:noFill/>
+          </a:ln>
           <a:solidFill>
             <a:schemeClr val="tx1"/>
           </a:solidFill>
-          <a:effectLst>
-            <a:outerShdw blurRad="50800" dist="63500" dir="2700000" algn="tl" rotWithShape="0">
-              <a:srgbClr val="000000">
-                <a:alpha val="48000"/>
-              </a:srgbClr>
-            </a:outerShdw>
-          </a:effectLst>
+          <a:effectLst/>
           <a:latin typeface="+mj-lt"/>
           <a:ea typeface="+mj-ea"/>
           <a:cs typeface="+mj-cs"/>
         </a:defRPr>
       </a:lvl1pPr>
+      <a:lvl2pPr eaLnBrk="1" hangingPunct="1">
+        <a:defRPr>
+          <a:solidFill>
+            <a:schemeClr val="tx2"/>
+          </a:solidFill>
+        </a:defRPr>
+      </a:lvl2pPr>
+      <a:lvl3pPr eaLnBrk="1" hangingPunct="1">
+        <a:defRPr>
+          <a:solidFill>
+            <a:schemeClr val="tx2"/>
+          </a:solidFill>
+        </a:defRPr>
+      </a:lvl3pPr>
+      <a:lvl4pPr eaLnBrk="1" hangingPunct="1">
+        <a:defRPr>
+          <a:solidFill>
+            <a:schemeClr val="tx2"/>
+          </a:solidFill>
+        </a:defRPr>
+      </a:lvl4pPr>
+      <a:lvl5pPr eaLnBrk="1" hangingPunct="1">
+        <a:defRPr>
+          <a:solidFill>
+            <a:schemeClr val="tx2"/>
+          </a:solidFill>
+        </a:defRPr>
+      </a:lvl5pPr>
+      <a:lvl6pPr eaLnBrk="1" hangingPunct="1">
+        <a:defRPr>
+          <a:solidFill>
+            <a:schemeClr val="tx2"/>
+          </a:solidFill>
+        </a:defRPr>
+      </a:lvl6pPr>
+      <a:lvl7pPr eaLnBrk="1" hangingPunct="1">
+        <a:defRPr>
+          <a:solidFill>
+            <a:schemeClr val="tx2"/>
+          </a:solidFill>
+        </a:defRPr>
+      </a:lvl7pPr>
+      <a:lvl8pPr eaLnBrk="1" hangingPunct="1">
+        <a:defRPr>
+          <a:solidFill>
+            <a:schemeClr val="tx2"/>
+          </a:solidFill>
+        </a:defRPr>
+      </a:lvl8pPr>
+      <a:lvl9pPr eaLnBrk="1" hangingPunct="1">
+        <a:defRPr>
+          <a:solidFill>
+            <a:schemeClr val="tx2"/>
+          </a:solidFill>
+        </a:defRPr>
+      </a:lvl9pPr>
     </p:titleStyle>
     <p:bodyStyle>
-      <a:lvl1pPr marL="228600" indent="-228600" algn="l" defTabSz="914400" rtl="0" eaLnBrk="1" latinLnBrk="0" hangingPunct="1">
-        <a:lnSpc>
-          <a:spcPct val="120000"/>
-        </a:lnSpc>
+      <a:lvl1pPr marL="285750" indent="-285750" algn="l" defTabSz="457200" rtl="0" eaLnBrk="1" latinLnBrk="0" hangingPunct="1">
         <a:spcBef>
-          <a:spcPts val="1000"/>
+          <a:spcPct val="20000"/>
         </a:spcBef>
-        <a:buFont typeface="Arial" panose="020B0604020202020204" pitchFamily="34" charset="0"/>
+        <a:spcAft>
+          <a:spcPts val="600"/>
+        </a:spcAft>
+        <a:buClr>
+          <a:schemeClr val="accent1">
+            <a:lumMod val="75000"/>
+          </a:schemeClr>
+        </a:buClr>
+        <a:buSzPct val="145000"/>
+        <a:buFont typeface="Arial"/>
         <a:buChar char="•"/>
-        <a:defRPr sz="2000" kern="1200">
+        <a:defRPr sz="2400" kern="1200" cap="none">
           <a:solidFill>
             <a:schemeClr val="tx1"/>
           </a:solidFill>
-          <a:effectLst>
-            <a:outerShdw blurRad="50800" dist="38100" dir="2700000" algn="tl" rotWithShape="0">
-              <a:srgbClr val="000000">
-                <a:alpha val="48000"/>
-              </a:srgbClr>
-            </a:outerShdw>
-          </a:effectLst>
+          <a:effectLst/>
           <a:latin typeface="+mn-lt"/>
           <a:ea typeface="+mn-ea"/>
           <a:cs typeface="+mn-cs"/>
         </a:defRPr>
       </a:lvl1pPr>
-      <a:lvl2pPr marL="685800" indent="-228600" algn="l" defTabSz="914400" rtl="0" eaLnBrk="1" latinLnBrk="0" hangingPunct="1">
-        <a:lnSpc>
-          <a:spcPct val="120000"/>
-        </a:lnSpc>
+      <a:lvl2pPr marL="742950" indent="-285750" algn="l" defTabSz="457200" rtl="0" eaLnBrk="1" latinLnBrk="0" hangingPunct="1">
         <a:spcBef>
-          <a:spcPts val="500"/>
+          <a:spcPct val="20000"/>
         </a:spcBef>
-        <a:buFont typeface="Arial" panose="020B0604020202020204" pitchFamily="34" charset="0"/>
+        <a:spcAft>
+          <a:spcPts val="600"/>
+        </a:spcAft>
+        <a:buClr>
+          <a:schemeClr val="accent1">
+            <a:lumMod val="75000"/>
+          </a:schemeClr>
+        </a:buClr>
+        <a:buSzPct val="145000"/>
+        <a:buFont typeface="Arial"/>
         <a:buChar char="•"/>
-        <a:defRPr sz="1800" kern="1200">
+        <a:defRPr sz="2000" kern="1200" cap="none">
           <a:solidFill>
             <a:schemeClr val="tx1"/>
           </a:solidFill>
-          <a:effectLst>
-            <a:outerShdw blurRad="50800" dist="38100" dir="2700000" algn="tl" rotWithShape="0">
-              <a:srgbClr val="000000">
-                <a:alpha val="48000"/>
-              </a:srgbClr>
-            </a:outerShdw>
-          </a:effectLst>
+          <a:effectLst/>
           <a:latin typeface="+mn-lt"/>
           <a:ea typeface="+mn-ea"/>
           <a:cs typeface="+mn-cs"/>
         </a:defRPr>
       </a:lvl2pPr>
-      <a:lvl3pPr marL="1143000" indent="-228600" algn="l" defTabSz="914400" rtl="0" eaLnBrk="1" latinLnBrk="0" hangingPunct="1">
-        <a:lnSpc>
-          <a:spcPct val="120000"/>
-        </a:lnSpc>
+      <a:lvl3pPr marL="1200150" indent="-285750" algn="l" defTabSz="457200" rtl="0" eaLnBrk="1" latinLnBrk="0" hangingPunct="1">
         <a:spcBef>
-          <a:spcPts val="500"/>
+          <a:spcPct val="20000"/>
         </a:spcBef>
-        <a:buFont typeface="Arial" panose="020B0604020202020204" pitchFamily="34" charset="0"/>
+        <a:spcAft>
+          <a:spcPts val="600"/>
+        </a:spcAft>
+        <a:buClr>
+          <a:schemeClr val="accent1">
+            <a:lumMod val="75000"/>
+          </a:schemeClr>
+        </a:buClr>
+        <a:buSzPct val="145000"/>
+        <a:buFont typeface="Arial"/>
         <a:buChar char="•"/>
-        <a:defRPr sz="1600" kern="1200">
+        <a:defRPr sz="1800" kern="1200" cap="none">
           <a:solidFill>
             <a:schemeClr val="tx1"/>
           </a:solidFill>
-          <a:effectLst>
-            <a:outerShdw blurRad="50800" dist="38100" dir="2700000" algn="tl" rotWithShape="0">
-              <a:srgbClr val="000000">
-                <a:alpha val="48000"/>
-              </a:srgbClr>
-            </a:outerShdw>
-          </a:effectLst>
+          <a:effectLst/>
           <a:latin typeface="+mn-lt"/>
           <a:ea typeface="+mn-ea"/>
           <a:cs typeface="+mn-cs"/>
         </a:defRPr>
       </a:lvl3pPr>
-      <a:lvl4pPr marL="1600200" indent="-228600" algn="l" defTabSz="914400" rtl="0" eaLnBrk="1" latinLnBrk="0" hangingPunct="1">
-        <a:lnSpc>
-          <a:spcPct val="120000"/>
-        </a:lnSpc>
+      <a:lvl4pPr marL="1543050" indent="-171450" algn="l" defTabSz="457200" rtl="0" eaLnBrk="1" latinLnBrk="0" hangingPunct="1">
         <a:spcBef>
-          <a:spcPts val="500"/>
+          <a:spcPct val="20000"/>
         </a:spcBef>
-        <a:buFont typeface="Arial" panose="020B0604020202020204" pitchFamily="34" charset="0"/>
+        <a:spcAft>
+          <a:spcPts val="600"/>
+        </a:spcAft>
+        <a:buClr>
+          <a:schemeClr val="accent1">
+            <a:lumMod val="75000"/>
+          </a:schemeClr>
+        </a:buClr>
+        <a:buSzPct val="145000"/>
+        <a:buFont typeface="Arial"/>
         <a:buChar char="•"/>
-        <a:defRPr sz="1400" kern="1200">
+        <a:defRPr sz="1600" kern="1200" cap="none">
           <a:solidFill>
             <a:schemeClr val="tx1"/>
           </a:solidFill>
-          <a:effectLst>
-            <a:outerShdw blurRad="50800" dist="38100" dir="2700000" algn="tl" rotWithShape="0">
-              <a:srgbClr val="000000">
-                <a:alpha val="48000"/>
-              </a:srgbClr>
-            </a:outerShdw>
-          </a:effectLst>
+          <a:effectLst/>
           <a:latin typeface="+mn-lt"/>
           <a:ea typeface="+mn-ea"/>
           <a:cs typeface="+mn-cs"/>
         </a:defRPr>
       </a:lvl4pPr>
-      <a:lvl5pPr marL="2057400" indent="-228600" algn="l" defTabSz="914400" rtl="0" eaLnBrk="1" latinLnBrk="0" hangingPunct="1">
-        <a:lnSpc>
-          <a:spcPct val="120000"/>
-        </a:lnSpc>
+      <a:lvl5pPr marL="2000250" indent="-171450" algn="l" defTabSz="457200" rtl="0" eaLnBrk="1" latinLnBrk="0" hangingPunct="1">
         <a:spcBef>
-          <a:spcPts val="500"/>
+          <a:spcPct val="20000"/>
         </a:spcBef>
-        <a:buFont typeface="Arial" panose="020B0604020202020204" pitchFamily="34" charset="0"/>
+        <a:spcAft>
+          <a:spcPts val="600"/>
+        </a:spcAft>
+        <a:buClr>
+          <a:schemeClr val="accent1">
+            <a:lumMod val="75000"/>
+          </a:schemeClr>
+        </a:buClr>
+        <a:buSzPct val="145000"/>
+        <a:buFont typeface="Arial"/>
         <a:buChar char="•"/>
-        <a:defRPr sz="1200" kern="1200">
+        <a:defRPr sz="1400" kern="1200" cap="none">
           <a:solidFill>
             <a:schemeClr val="tx1"/>
           </a:solidFill>
-          <a:effectLst>
-            <a:outerShdw blurRad="50800" dist="38100" dir="2700000" algn="tl" rotWithShape="0">
-              <a:srgbClr val="000000">
-                <a:alpha val="48000"/>
-              </a:srgbClr>
-            </a:outerShdw>
-          </a:effectLst>
+          <a:effectLst/>
           <a:latin typeface="+mn-lt"/>
           <a:ea typeface="+mn-ea"/>
           <a:cs typeface="+mn-cs"/>
         </a:defRPr>
       </a:lvl5pPr>
-      <a:lvl6pPr marL="2514600" indent="-228600" algn="l" defTabSz="914400" rtl="0" eaLnBrk="1" latinLnBrk="0" hangingPunct="1">
-        <a:lnSpc>
-          <a:spcPct val="120000"/>
-        </a:lnSpc>
+      <a:lvl6pPr marL="2514600" indent="-228600" algn="l" defTabSz="457200" rtl="0" eaLnBrk="1" latinLnBrk="0" hangingPunct="1">
         <a:spcBef>
-          <a:spcPts val="500"/>
+          <a:spcPct val="20000"/>
         </a:spcBef>
-        <a:buFont typeface="Arial" panose="020B0604020202020204" pitchFamily="34" charset="0"/>
+        <a:spcAft>
+          <a:spcPts val="600"/>
+        </a:spcAft>
+        <a:buClr>
+          <a:schemeClr val="accent1">
+            <a:lumMod val="75000"/>
+          </a:schemeClr>
+        </a:buClr>
+        <a:buSzPct val="145000"/>
+        <a:buFont typeface="Arial"/>
         <a:buChar char="•"/>
-        <a:defRPr sz="1200" kern="1200">
+        <a:defRPr sz="1400" kern="1200" cap="none">
           <a:solidFill>
             <a:schemeClr val="tx1"/>
           </a:solidFill>
-          <a:effectLst>
-            <a:outerShdw blurRad="50800" dist="38100" dir="2700000" algn="tl" rotWithShape="0">
-              <a:srgbClr val="000000">
-                <a:alpha val="48000"/>
-              </a:srgbClr>
-            </a:outerShdw>
-          </a:effectLst>
+          <a:effectLst/>
           <a:latin typeface="+mn-lt"/>
           <a:ea typeface="+mn-ea"/>
           <a:cs typeface="+mn-cs"/>
         </a:defRPr>
       </a:lvl6pPr>
-      <a:lvl7pPr marL="2971800" indent="-228600" algn="l" defTabSz="914400" rtl="0" eaLnBrk="1" latinLnBrk="0" hangingPunct="1">
-        <a:lnSpc>
-          <a:spcPct val="120000"/>
-        </a:lnSpc>
+      <a:lvl7pPr marL="2971800" indent="-228600" algn="l" defTabSz="457200" rtl="0" eaLnBrk="1" latinLnBrk="0" hangingPunct="1">
         <a:spcBef>
-          <a:spcPts val="500"/>
+          <a:spcPct val="20000"/>
         </a:spcBef>
-        <a:buFont typeface="Arial" panose="020B0604020202020204" pitchFamily="34" charset="0"/>
+        <a:spcAft>
+          <a:spcPts val="600"/>
+        </a:spcAft>
+        <a:buClr>
+          <a:schemeClr val="accent1">
+            <a:lumMod val="75000"/>
+          </a:schemeClr>
+        </a:buClr>
+        <a:buSzPct val="145000"/>
+        <a:buFont typeface="Arial"/>
         <a:buChar char="•"/>
-        <a:defRPr sz="1200" kern="1200">
+        <a:defRPr sz="1400" kern="1200" cap="none">
           <a:solidFill>
             <a:schemeClr val="tx1"/>
           </a:solidFill>
-          <a:effectLst>
-            <a:outerShdw blurRad="50800" dist="38100" dir="2700000" algn="tl" rotWithShape="0">
-              <a:srgbClr val="000000">
-                <a:alpha val="48000"/>
-              </a:srgbClr>
-            </a:outerShdw>
-          </a:effectLst>
+          <a:effectLst/>
           <a:latin typeface="+mn-lt"/>
           <a:ea typeface="+mn-ea"/>
           <a:cs typeface="+mn-cs"/>
         </a:defRPr>
       </a:lvl7pPr>
-      <a:lvl8pPr marL="3429000" indent="-228600" algn="l" defTabSz="914400" rtl="0" eaLnBrk="1" latinLnBrk="0" hangingPunct="1">
-        <a:lnSpc>
-          <a:spcPct val="120000"/>
-        </a:lnSpc>
+      <a:lvl8pPr marL="3429000" indent="-228600" algn="l" defTabSz="457200" rtl="0" eaLnBrk="1" latinLnBrk="0" hangingPunct="1">
         <a:spcBef>
-          <a:spcPts val="500"/>
+          <a:spcPct val="20000"/>
         </a:spcBef>
-        <a:buFont typeface="Arial" panose="020B0604020202020204" pitchFamily="34" charset="0"/>
+        <a:spcAft>
+          <a:spcPts val="600"/>
+        </a:spcAft>
+        <a:buClr>
+          <a:schemeClr val="accent1">
+            <a:lumMod val="75000"/>
+          </a:schemeClr>
+        </a:buClr>
+        <a:buSzPct val="145000"/>
+        <a:buFont typeface="Arial"/>
         <a:buChar char="•"/>
-        <a:defRPr sz="1200" kern="1200">
+        <a:defRPr sz="1400" kern="1200" cap="none">
           <a:solidFill>
             <a:schemeClr val="tx1"/>
           </a:solidFill>
-          <a:effectLst>
-            <a:outerShdw blurRad="50800" dist="38100" dir="2700000" algn="tl" rotWithShape="0">
-              <a:srgbClr val="000000">
-                <a:alpha val="48000"/>
-              </a:srgbClr>
-            </a:outerShdw>
-          </a:effectLst>
+          <a:effectLst/>
           <a:latin typeface="+mn-lt"/>
           <a:ea typeface="+mn-ea"/>
           <a:cs typeface="+mn-cs"/>
         </a:defRPr>
       </a:lvl8pPr>
-      <a:lvl9pPr marL="3886200" indent="-228600" algn="l" defTabSz="914400" rtl="0" eaLnBrk="1" latinLnBrk="0" hangingPunct="1">
-        <a:lnSpc>
-          <a:spcPct val="120000"/>
-        </a:lnSpc>
+      <a:lvl9pPr marL="3886200" indent="-228600" algn="l" defTabSz="457200" rtl="0" eaLnBrk="1" latinLnBrk="0" hangingPunct="1">
         <a:spcBef>
-          <a:spcPts val="500"/>
+          <a:spcPct val="20000"/>
         </a:spcBef>
-        <a:buFont typeface="Arial" panose="020B0604020202020204" pitchFamily="34" charset="0"/>
+        <a:spcAft>
+          <a:spcPts val="600"/>
+        </a:spcAft>
+        <a:buClr>
+          <a:schemeClr val="accent1">
+            <a:lumMod val="75000"/>
+          </a:schemeClr>
+        </a:buClr>
+        <a:buSzPct val="145000"/>
+        <a:buFont typeface="Arial"/>
         <a:buChar char="•"/>
-        <a:defRPr sz="1200" kern="1200">
+        <a:defRPr sz="1400" kern="1200" cap="none">
           <a:solidFill>
             <a:schemeClr val="tx1"/>
           </a:solidFill>
-          <a:effectLst>
-            <a:outerShdw blurRad="50800" dist="38100" dir="2700000" algn="tl" rotWithShape="0">
-              <a:srgbClr val="000000">
-                <a:alpha val="48000"/>
-              </a:srgbClr>
-            </a:outerShdw>
-          </a:effectLst>
+          <a:effectLst/>
           <a:latin typeface="+mn-lt"/>
           <a:ea typeface="+mn-ea"/>
           <a:cs typeface="+mn-cs"/>
@@ -5962,7 +6484,7 @@
       <a:defPPr>
         <a:defRPr lang="en-US"/>
       </a:defPPr>
-      <a:lvl1pPr marL="0" algn="l" defTabSz="914400" rtl="0" eaLnBrk="1" latinLnBrk="0" hangingPunct="1">
+      <a:lvl1pPr marL="0" algn="l" defTabSz="457200" rtl="0" eaLnBrk="1" latinLnBrk="0" hangingPunct="1">
         <a:defRPr sz="1800" kern="1200">
           <a:solidFill>
             <a:schemeClr val="tx1"/>
@@ -5972,7 +6494,7 @@
           <a:cs typeface="+mn-cs"/>
         </a:defRPr>
       </a:lvl1pPr>
-      <a:lvl2pPr marL="457200" algn="l" defTabSz="914400" rtl="0" eaLnBrk="1" latinLnBrk="0" hangingPunct="1">
+      <a:lvl2pPr marL="457200" algn="l" defTabSz="457200" rtl="0" eaLnBrk="1" latinLnBrk="0" hangingPunct="1">
         <a:defRPr sz="1800" kern="1200">
           <a:solidFill>
             <a:schemeClr val="tx1"/>
@@ -5982,7 +6504,7 @@
           <a:cs typeface="+mn-cs"/>
         </a:defRPr>
       </a:lvl2pPr>
-      <a:lvl3pPr marL="914400" algn="l" defTabSz="914400" rtl="0" eaLnBrk="1" latinLnBrk="0" hangingPunct="1">
+      <a:lvl3pPr marL="914400" algn="l" defTabSz="457200" rtl="0" eaLnBrk="1" latinLnBrk="0" hangingPunct="1">
         <a:defRPr sz="1800" kern="1200">
           <a:solidFill>
             <a:schemeClr val="tx1"/>
@@ -5992,7 +6514,7 @@
           <a:cs typeface="+mn-cs"/>
         </a:defRPr>
       </a:lvl3pPr>
-      <a:lvl4pPr marL="1371600" algn="l" defTabSz="914400" rtl="0" eaLnBrk="1" latinLnBrk="0" hangingPunct="1">
+      <a:lvl4pPr marL="1371600" algn="l" defTabSz="457200" rtl="0" eaLnBrk="1" latinLnBrk="0" hangingPunct="1">
         <a:defRPr sz="1800" kern="1200">
           <a:solidFill>
             <a:schemeClr val="tx1"/>
@@ -6002,7 +6524,7 @@
           <a:cs typeface="+mn-cs"/>
         </a:defRPr>
       </a:lvl4pPr>
-      <a:lvl5pPr marL="1828800" algn="l" defTabSz="914400" rtl="0" eaLnBrk="1" latinLnBrk="0" hangingPunct="1">
+      <a:lvl5pPr marL="1828800" algn="l" defTabSz="457200" rtl="0" eaLnBrk="1" latinLnBrk="0" hangingPunct="1">
         <a:defRPr sz="1800" kern="1200">
           <a:solidFill>
             <a:schemeClr val="tx1"/>
@@ -6012,7 +6534,7 @@
           <a:cs typeface="+mn-cs"/>
         </a:defRPr>
       </a:lvl5pPr>
-      <a:lvl6pPr marL="2286000" algn="l" defTabSz="914400" rtl="0" eaLnBrk="1" latinLnBrk="0" hangingPunct="1">
+      <a:lvl6pPr marL="2286000" algn="l" defTabSz="457200" rtl="0" eaLnBrk="1" latinLnBrk="0" hangingPunct="1">
         <a:defRPr sz="1800" kern="1200">
           <a:solidFill>
             <a:schemeClr val="tx1"/>
@@ -6022,7 +6544,7 @@
           <a:cs typeface="+mn-cs"/>
         </a:defRPr>
       </a:lvl6pPr>
-      <a:lvl7pPr marL="2743200" algn="l" defTabSz="914400" rtl="0" eaLnBrk="1" latinLnBrk="0" hangingPunct="1">
+      <a:lvl7pPr marL="2743200" algn="l" defTabSz="457200" rtl="0" eaLnBrk="1" latinLnBrk="0" hangingPunct="1">
         <a:defRPr sz="1800" kern="1200">
           <a:solidFill>
             <a:schemeClr val="tx1"/>
@@ -6032,7 +6554,7 @@
           <a:cs typeface="+mn-cs"/>
         </a:defRPr>
       </a:lvl7pPr>
-      <a:lvl8pPr marL="3200400" algn="l" defTabSz="914400" rtl="0" eaLnBrk="1" latinLnBrk="0" hangingPunct="1">
+      <a:lvl8pPr marL="3200400" algn="l" defTabSz="457200" rtl="0" eaLnBrk="1" latinLnBrk="0" hangingPunct="1">
         <a:defRPr sz="1800" kern="1200">
           <a:solidFill>
             <a:schemeClr val="tx1"/>
@@ -6042,7 +6564,7 @@
           <a:cs typeface="+mn-cs"/>
         </a:defRPr>
       </a:lvl8pPr>
-      <a:lvl9pPr marL="3657600" algn="l" defTabSz="914400" rtl="0" eaLnBrk="1" latinLnBrk="0" hangingPunct="1">
+      <a:lvl9pPr marL="3657600" algn="l" defTabSz="457200" rtl="0" eaLnBrk="1" latinLnBrk="0" hangingPunct="1">
         <a:defRPr sz="1800" kern="1200">
           <a:solidFill>
             <a:schemeClr val="tx1"/>
@@ -6084,18 +6606,23 @@
             <p:ph type="ctrTitle"/>
           </p:nvPr>
         </p:nvSpPr>
-        <p:spPr/>
+        <p:spPr>
+          <a:xfrm>
+            <a:off x="1191539" y="902525"/>
+            <a:ext cx="10814418" cy="2006931"/>
+          </a:xfrm>
+        </p:spPr>
         <p:txBody>
           <a:bodyPr>
-            <a:normAutofit fontScale="90000"/>
+            <a:normAutofit/>
           </a:bodyPr>
           <a:lstStyle/>
           <a:p>
             <a:r>
-              <a:rPr lang="en-US" dirty="0" smtClean="0"/>
+              <a:rPr lang="en-US" sz="4400" dirty="0" smtClean="0"/>
               <a:t>Vehicle Make and model Classification using Convolutional Neural Networks</a:t>
             </a:r>
-            <a:endParaRPr lang="en-US" dirty="0"/>
+            <a:endParaRPr lang="en-US" sz="4400" dirty="0"/>
           </a:p>
         </p:txBody>
       </p:sp>
@@ -6111,30 +6638,33 @@
         </p:nvSpPr>
         <p:spPr>
           <a:xfrm>
-            <a:off x="835231" y="4943950"/>
-            <a:ext cx="11075720" cy="1655762"/>
+            <a:off x="8478981" y="5177642"/>
+            <a:ext cx="3467595" cy="1413163"/>
           </a:xfrm>
         </p:spPr>
         <p:txBody>
           <a:bodyPr/>
           <a:lstStyle/>
           <a:p>
-            <a:pPr algn="l"/>
+            <a:r>
+              <a:rPr lang="en-US" b="1" u="sng" dirty="0" smtClean="0"/>
+              <a:t>Group 04</a:t>
+            </a:r>
+          </a:p>
+          <a:p>
             <a:r>
               <a:rPr lang="en-US" dirty="0" smtClean="0"/>
-              <a:t>Rajitha Meka                                                                   Syed </a:t>
-            </a:r>
-            <a:r>
-              <a:rPr lang="en-US" dirty="0" err="1" smtClean="0"/>
-              <a:t>Hasib</a:t>
-            </a:r>
+              <a:t>Rajitha Meka </a:t>
+            </a:r>
+          </a:p>
+          <a:p>
             <a:r>
               <a:rPr lang="en-US" dirty="0" smtClean="0"/>
-              <a:t> Akhter </a:t>
-            </a:r>
-            <a:r>
-              <a:rPr lang="en-US" dirty="0" err="1" smtClean="0"/>
-              <a:t>Faruqui</a:t>
+              <a:t>Syed </a:t>
+            </a:r>
+            <a:r>
+              <a:rPr lang="en-US" dirty="0" smtClean="0"/>
+              <a:t>Hasib Akhter Faruqui</a:t>
             </a:r>
             <a:endParaRPr lang="en-US" dirty="0"/>
           </a:p>
@@ -6205,54 +6735,53 @@
         </p:nvSpPr>
         <p:spPr>
           <a:xfrm>
-            <a:off x="871535" y="2044604"/>
-            <a:ext cx="10353762" cy="3695136"/>
+            <a:off x="1591293" y="1470204"/>
+            <a:ext cx="9634003" cy="3438262"/>
           </a:xfrm>
         </p:spPr>
         <p:txBody>
           <a:bodyPr/>
           <a:lstStyle/>
           <a:p>
-            <a:pPr>
-              <a:buFont typeface="Wingdings" panose="05000000000000000000" pitchFamily="2" charset="2"/>
-              <a:buChar char="Ø"/>
+            <a:pPr marL="0" indent="0">
+              <a:buNone/>
             </a:pPr>
             <a:r>
-              <a:rPr lang="en-US" dirty="0" smtClean="0"/>
-              <a:t>Dataset  :</a:t>
-            </a:r>
-          </a:p>
-          <a:p>
-            <a:r>
-              <a:rPr lang="en-US" dirty="0" smtClean="0"/>
+              <a:rPr lang="en-US" b="1" u="sng" dirty="0" smtClean="0"/>
+              <a:t>Dataset:</a:t>
+            </a:r>
+            <a:endParaRPr lang="en-US" b="1" u="sng" dirty="0" smtClean="0"/>
+          </a:p>
+          <a:p>
+            <a:r>
+              <a:rPr lang="en-US" sz="2000" dirty="0" smtClean="0"/>
               <a:t>Stanford </a:t>
             </a:r>
             <a:r>
-              <a:rPr lang="en-US" dirty="0"/>
+              <a:rPr lang="en-US" sz="2000" dirty="0"/>
               <a:t>cars </a:t>
             </a:r>
             <a:r>
-              <a:rPr lang="en-US" dirty="0" smtClean="0"/>
-              <a:t>dataset [http</a:t>
-            </a:r>
-            <a:r>
-              <a:rPr lang="en-US" dirty="0"/>
-              <a:t>://ai.stanford.edu/~</a:t>
-            </a:r>
-            <a:r>
-              <a:rPr lang="en-US" dirty="0" smtClean="0"/>
-              <a:t>jkrause/cars/car_dataset.html]</a:t>
-            </a:r>
-          </a:p>
-          <a:p>
-            <a:r>
-              <a:rPr lang="en-US" dirty="0" smtClean="0"/>
+              <a:rPr lang="en-US" sz="2000" dirty="0" smtClean="0">
+                <a:hlinkClick r:id="rId2"/>
+              </a:rPr>
+              <a:t>dataset</a:t>
+            </a:r>
+            <a:r>
+              <a:rPr lang="en-US" sz="2000" dirty="0" smtClean="0"/>
+              <a:t>.</a:t>
+            </a:r>
+            <a:endParaRPr lang="en-US" sz="2000" dirty="0" smtClean="0"/>
+          </a:p>
+          <a:p>
+            <a:r>
+              <a:rPr lang="en-US" sz="2000" dirty="0" smtClean="0"/>
               <a:t>Images – 16,185</a:t>
             </a:r>
           </a:p>
           <a:p>
             <a:r>
-              <a:rPr lang="en-US" dirty="0" smtClean="0"/>
+              <a:rPr lang="en-US" sz="2000" dirty="0" smtClean="0"/>
               <a:t>Classes -196</a:t>
             </a:r>
           </a:p>
@@ -6267,7 +6796,7 @@
           <p:nvPr/>
         </p:nvPicPr>
         <p:blipFill>
-          <a:blip r:embed="rId2" cstate="print">
+          <a:blip r:embed="rId3" cstate="print">
             <a:extLst>
               <a:ext uri="{28A0092B-C50C-407E-A947-70E740481C1C}">
                 <a14:useLocalDpi xmlns:a14="http://schemas.microsoft.com/office/drawing/2010/main" val="0"/>
@@ -6280,8 +6809,8 @@
         </p:blipFill>
         <p:spPr>
           <a:xfrm>
-            <a:off x="304796" y="4692151"/>
-            <a:ext cx="11487240" cy="1723086"/>
+            <a:off x="2600695" y="5039702"/>
+            <a:ext cx="9476347" cy="1421452"/>
           </a:xfrm>
           <a:prstGeom prst="rect">
             <a:avLst/>
@@ -6298,6 +6827,13 @@
   <p:clrMapOvr>
     <a:masterClrMapping/>
   </p:clrMapOvr>
+  <p:timing>
+    <p:tnLst>
+      <p:par>
+        <p:cTn id="1" dur="indefinite" restart="never" nodeType="tmRoot"/>
+      </p:par>
+    </p:tnLst>
+  </p:timing>
 </p:sld>
 </file>
 
@@ -6353,20 +6889,19 @@
         </p:nvSpPr>
         <p:spPr>
           <a:xfrm>
-            <a:off x="871535" y="2044604"/>
-            <a:ext cx="10353762" cy="3695136"/>
+            <a:off x="1484311" y="2101931"/>
+            <a:ext cx="10226403" cy="3649683"/>
           </a:xfrm>
         </p:spPr>
         <p:txBody>
           <a:bodyPr/>
           <a:lstStyle/>
           <a:p>
-            <a:pPr>
-              <a:buFont typeface="Wingdings" panose="05000000000000000000" pitchFamily="2" charset="2"/>
-              <a:buChar char="Ø"/>
+            <a:pPr marL="0" indent="0">
+              <a:buNone/>
             </a:pPr>
             <a:r>
-              <a:rPr lang="en-US" dirty="0" smtClean="0"/>
+              <a:rPr lang="en-US" b="1" dirty="0" smtClean="0"/>
               <a:t>Objective:</a:t>
             </a:r>
           </a:p>
@@ -6381,25 +6916,31 @@
               <a:t>of make and model of cars using </a:t>
             </a:r>
             <a:r>
-              <a:rPr lang="en-US" dirty="0" err="1"/>
+              <a:rPr lang="en-US" dirty="0" err="1" smtClean="0">
+                <a:hlinkClick r:id="rId3"/>
+              </a:rPr>
               <a:t>AlexNet</a:t>
             </a:r>
             <a:r>
+              <a:rPr lang="en-US" dirty="0" smtClean="0"/>
+              <a:t> [</a:t>
+            </a:r>
+            <a:r>
               <a:rPr lang="en-US" dirty="0"/>
-              <a:t>[1</a:t>
+              <a:t>1</a:t>
             </a:r>
             <a:r>
               <a:rPr lang="en-US" dirty="0" smtClean="0"/>
-              <a:t>]</a:t>
-            </a:r>
-          </a:p>
-          <a:p>
-            <a:pPr>
-              <a:buFont typeface="Wingdings" panose="05000000000000000000" pitchFamily="2" charset="2"/>
-              <a:buChar char="Ø"/>
+              <a:t>].</a:t>
+            </a:r>
+            <a:endParaRPr lang="en-US" dirty="0" smtClean="0"/>
+          </a:p>
+          <a:p>
+            <a:pPr marL="0" indent="0">
+              <a:buNone/>
             </a:pPr>
             <a:r>
-              <a:rPr lang="en-US" dirty="0" smtClean="0"/>
+              <a:rPr lang="en-US" b="1" dirty="0" smtClean="0"/>
               <a:t>Challenges:</a:t>
             </a:r>
           </a:p>
@@ -6447,6 +6988,13 @@
   <p:clrMapOvr>
     <a:masterClrMapping/>
   </p:clrMapOvr>
+  <p:timing>
+    <p:tnLst>
+      <p:par>
+        <p:cTn id="1" dur="indefinite" restart="never" nodeType="tmRoot"/>
+      </p:par>
+    </p:tnLst>
+  </p:timing>
 </p:sld>
 </file>
 
@@ -6500,14 +7048,18 @@
             <p:ph idx="1"/>
           </p:nvPr>
         </p:nvSpPr>
-        <p:spPr/>
+        <p:spPr>
+          <a:xfrm>
+            <a:off x="1484310" y="2018805"/>
+            <a:ext cx="10018713" cy="3800104"/>
+          </a:xfrm>
+        </p:spPr>
         <p:txBody>
           <a:bodyPr/>
           <a:lstStyle/>
           <a:p>
-            <a:pPr>
-              <a:buFont typeface="Wingdings" panose="05000000000000000000" pitchFamily="2" charset="2"/>
-              <a:buChar char="Ø"/>
+            <a:pPr marL="0" indent="0">
+              <a:buNone/>
             </a:pPr>
             <a:r>
               <a:rPr lang="en-US" dirty="0" smtClean="0"/>
@@ -6662,15 +7214,125 @@
             <p:ph idx="1"/>
           </p:nvPr>
         </p:nvSpPr>
-        <p:spPr/>
+        <p:spPr>
+          <a:xfrm>
+            <a:off x="1980248" y="1955469"/>
+            <a:ext cx="1558600" cy="482930"/>
+          </a:xfrm>
+        </p:spPr>
         <p:txBody>
           <a:bodyPr/>
           <a:lstStyle/>
           <a:p>
-            <a:pPr>
-              <a:buFont typeface="Wingdings" panose="05000000000000000000" pitchFamily="2" charset="2"/>
-              <a:buChar char="Ø"/>
+            <a:pPr marL="0" indent="0">
+              <a:buNone/>
             </a:pPr>
+            <a:r>
+              <a:rPr lang="en-US" dirty="0" err="1" smtClean="0"/>
+              <a:t>AlexNet</a:t>
+            </a:r>
+            <a:r>
+              <a:rPr lang="en-US" dirty="0" smtClean="0"/>
+              <a:t>:</a:t>
+            </a:r>
+            <a:endParaRPr lang="en-US" dirty="0"/>
+          </a:p>
+        </p:txBody>
+      </p:sp>
+      <p:pic>
+        <p:nvPicPr>
+          <p:cNvPr id="4" name="Picture 3"/>
+          <p:cNvPicPr>
+            <a:picLocks noChangeAspect="1"/>
+          </p:cNvPicPr>
+          <p:nvPr/>
+        </p:nvPicPr>
+        <p:blipFill>
+          <a:blip r:embed="rId2">
+            <a:extLst>
+              <a:ext uri="{28A0092B-C50C-407E-A947-70E740481C1C}">
+                <a14:useLocalDpi xmlns:a14="http://schemas.microsoft.com/office/drawing/2010/main" val="0"/>
+              </a:ext>
+            </a:extLst>
+          </a:blip>
+          <a:stretch>
+            <a:fillRect/>
+          </a:stretch>
+        </p:blipFill>
+        <p:spPr>
+          <a:xfrm>
+            <a:off x="2472866" y="2438399"/>
+            <a:ext cx="8362475" cy="3454421"/>
+          </a:xfrm>
+          <a:prstGeom prst="rect">
+            <a:avLst/>
+          </a:prstGeom>
+        </p:spPr>
+      </p:pic>
+      <p:sp>
+        <p:nvSpPr>
+          <p:cNvPr id="5" name="TextBox 4"/>
+          <p:cNvSpPr txBox="1"/>
+          <p:nvPr/>
+        </p:nvSpPr>
+        <p:spPr>
+          <a:xfrm>
+            <a:off x="10272157" y="5320146"/>
+            <a:ext cx="563184" cy="369332"/>
+          </a:xfrm>
+          <a:prstGeom prst="rect">
+            <a:avLst/>
+          </a:prstGeom>
+          <a:solidFill>
+            <a:schemeClr val="bg1"/>
+          </a:solidFill>
+        </p:spPr>
+        <p:txBody>
+          <a:bodyPr wrap="square" rtlCol="0">
+            <a:spAutoFit/>
+          </a:bodyPr>
+          <a:lstStyle/>
+          <a:p>
+            <a:r>
+              <a:rPr lang="en-US" dirty="0" smtClean="0">
+                <a:latin typeface="Times New Roman" panose="02020603050405020304" pitchFamily="18" charset="0"/>
+                <a:cs typeface="Times New Roman" panose="02020603050405020304" pitchFamily="18" charset="0"/>
+              </a:rPr>
+              <a:t>196</a:t>
+            </a:r>
+            <a:endParaRPr lang="en-US" dirty="0">
+              <a:latin typeface="Times New Roman" panose="02020603050405020304" pitchFamily="18" charset="0"/>
+              <a:cs typeface="Times New Roman" panose="02020603050405020304" pitchFamily="18" charset="0"/>
+            </a:endParaRPr>
+          </a:p>
+        </p:txBody>
+      </p:sp>
+      <p:sp>
+        <p:nvSpPr>
+          <p:cNvPr id="6" name="TextBox 5"/>
+          <p:cNvSpPr txBox="1"/>
+          <p:nvPr/>
+        </p:nvSpPr>
+        <p:spPr>
+          <a:xfrm>
+            <a:off x="5227807" y="6006418"/>
+            <a:ext cx="2531719" cy="369332"/>
+          </a:xfrm>
+          <a:prstGeom prst="rect">
+            <a:avLst/>
+          </a:prstGeom>
+          <a:noFill/>
+        </p:spPr>
+        <p:txBody>
+          <a:bodyPr wrap="none" rtlCol="0">
+            <a:spAutoFit/>
+          </a:bodyPr>
+          <a:lstStyle/>
+          <a:p>
+            <a:r>
+              <a:rPr lang="en-US" dirty="0" smtClean="0"/>
+              <a:t>Fig: Structure of </a:t>
+            </a:r>
             <a:r>
               <a:rPr lang="en-US" dirty="0" err="1" smtClean="0"/>
               <a:t>AlexNet</a:t>
@@ -6692,10 +7354,293 @@
 </p:sld>
 </file>
 
+<file path=ppt/slides/slide6.xml><?xml version="1.0" encoding="utf-8"?>
+<p:sld xmlns:a="http://schemas.openxmlformats.org/drawingml/2006/main" xmlns:r="http://schemas.openxmlformats.org/officeDocument/2006/relationships" xmlns:p="http://schemas.openxmlformats.org/presentationml/2006/main">
+  <p:cSld>
+    <p:spTree>
+      <p:nvGrpSpPr>
+        <p:cNvPr id="1" name=""/>
+        <p:cNvGrpSpPr/>
+        <p:nvPr/>
+      </p:nvGrpSpPr>
+      <p:grpSpPr>
+        <a:xfrm>
+          <a:off x="0" y="0"/>
+          <a:ext cx="0" cy="0"/>
+          <a:chOff x="0" y="0"/>
+          <a:chExt cx="0" cy="0"/>
+        </a:xfrm>
+      </p:grpSpPr>
+      <p:sp>
+        <p:nvSpPr>
+          <p:cNvPr id="2" name="Title 1"/>
+          <p:cNvSpPr>
+            <a:spLocks noGrp="1"/>
+          </p:cNvSpPr>
+          <p:nvPr>
+            <p:ph type="title"/>
+          </p:nvPr>
+        </p:nvSpPr>
+        <p:spPr/>
+        <p:txBody>
+          <a:bodyPr/>
+          <a:lstStyle/>
+          <a:p>
+            <a:r>
+              <a:rPr lang="en-US" dirty="0" smtClean="0"/>
+              <a:t>Result Discussion</a:t>
+            </a:r>
+            <a:endParaRPr lang="en-US" dirty="0"/>
+          </a:p>
+        </p:txBody>
+      </p:sp>
+      <p:sp>
+        <p:nvSpPr>
+          <p:cNvPr id="3" name="Content Placeholder 2"/>
+          <p:cNvSpPr>
+            <a:spLocks noGrp="1"/>
+          </p:cNvSpPr>
+          <p:nvPr>
+            <p:ph idx="1"/>
+          </p:nvPr>
+        </p:nvSpPr>
+        <p:spPr/>
+        <p:txBody>
+          <a:bodyPr/>
+          <a:lstStyle/>
+          <a:p>
+            <a:endParaRPr lang="en-US" dirty="0"/>
+          </a:p>
+        </p:txBody>
+      </p:sp>
+    </p:spTree>
+    <p:extLst>
+      <p:ext uri="{BB962C8B-B14F-4D97-AF65-F5344CB8AC3E}">
+        <p14:creationId xmlns:p14="http://schemas.microsoft.com/office/powerpoint/2010/main" val="1542133935"/>
+      </p:ext>
+    </p:extLst>
+  </p:cSld>
+  <p:clrMapOvr>
+    <a:masterClrMapping/>
+  </p:clrMapOvr>
+</p:sld>
+</file>
+
+<file path=ppt/slides/slide7.xml><?xml version="1.0" encoding="utf-8"?>
+<p:sld xmlns:a="http://schemas.openxmlformats.org/drawingml/2006/main" xmlns:r="http://schemas.openxmlformats.org/officeDocument/2006/relationships" xmlns:p="http://schemas.openxmlformats.org/presentationml/2006/main">
+  <p:cSld>
+    <p:spTree>
+      <p:nvGrpSpPr>
+        <p:cNvPr id="1" name=""/>
+        <p:cNvGrpSpPr/>
+        <p:nvPr/>
+      </p:nvGrpSpPr>
+      <p:grpSpPr>
+        <a:xfrm>
+          <a:off x="0" y="0"/>
+          <a:ext cx="0" cy="0"/>
+          <a:chOff x="0" y="0"/>
+          <a:chExt cx="0" cy="0"/>
+        </a:xfrm>
+      </p:grpSpPr>
+      <p:sp>
+        <p:nvSpPr>
+          <p:cNvPr id="2" name="Title 1"/>
+          <p:cNvSpPr>
+            <a:spLocks noGrp="1"/>
+          </p:cNvSpPr>
+          <p:nvPr>
+            <p:ph type="title"/>
+          </p:nvPr>
+        </p:nvSpPr>
+        <p:spPr/>
+        <p:txBody>
+          <a:bodyPr/>
+          <a:lstStyle/>
+          <a:p>
+            <a:r>
+              <a:rPr lang="en-US" dirty="0" smtClean="0"/>
+              <a:t>Reference</a:t>
+            </a:r>
+            <a:endParaRPr lang="en-US" dirty="0"/>
+          </a:p>
+        </p:txBody>
+      </p:sp>
+      <p:sp>
+        <p:nvSpPr>
+          <p:cNvPr id="3" name="Content Placeholder 2"/>
+          <p:cNvSpPr>
+            <a:spLocks noGrp="1"/>
+          </p:cNvSpPr>
+          <p:nvPr>
+            <p:ph idx="1"/>
+          </p:nvPr>
+        </p:nvSpPr>
+        <p:spPr>
+          <a:xfrm>
+            <a:off x="1484310" y="2560124"/>
+            <a:ext cx="10018713" cy="3124201"/>
+          </a:xfrm>
+        </p:spPr>
+        <p:txBody>
+          <a:bodyPr>
+            <a:normAutofit fontScale="85000" lnSpcReduction="20000"/>
+          </a:bodyPr>
+          <a:lstStyle/>
+          <a:p>
+            <a:pPr marL="0" indent="0">
+              <a:buNone/>
+            </a:pPr>
+            <a:r>
+              <a:rPr lang="en-US" dirty="0" smtClean="0"/>
+              <a:t>[1] Krause</a:t>
+            </a:r>
+            <a:r>
+              <a:rPr lang="en-US" dirty="0"/>
+              <a:t>, Jonathan, et al. "3d object representations for fine-grained categorization." </a:t>
+            </a:r>
+            <a:r>
+              <a:rPr lang="en-US" i="1" dirty="0"/>
+              <a:t>Proceedings of the IEEE International Conference on Computer Vision Workshops</a:t>
+            </a:r>
+            <a:r>
+              <a:rPr lang="en-US" dirty="0"/>
+              <a:t>. 2013.</a:t>
+            </a:r>
+          </a:p>
+          <a:p>
+            <a:pPr marL="0" indent="0">
+              <a:buNone/>
+            </a:pPr>
+            <a:r>
+              <a:rPr lang="en-US" dirty="0" smtClean="0"/>
+              <a:t>[2] </a:t>
+            </a:r>
+            <a:r>
+              <a:rPr lang="en-US" dirty="0" err="1" smtClean="0"/>
+              <a:t>Krizhevsky</a:t>
+            </a:r>
+            <a:r>
+              <a:rPr lang="en-US" dirty="0"/>
+              <a:t>, Alex, Ilya </a:t>
+            </a:r>
+            <a:r>
+              <a:rPr lang="en-US" dirty="0" err="1"/>
+              <a:t>Sutskever</a:t>
+            </a:r>
+            <a:r>
+              <a:rPr lang="en-US" dirty="0"/>
+              <a:t>, and Geoffrey E. Hinton. "</a:t>
+            </a:r>
+            <a:r>
+              <a:rPr lang="en-US" dirty="0" err="1"/>
+              <a:t>Imagenet</a:t>
+            </a:r>
+            <a:r>
+              <a:rPr lang="en-US" dirty="0"/>
+              <a:t> classification with deep convolutional neural networks." </a:t>
+            </a:r>
+            <a:r>
+              <a:rPr lang="en-US" i="1" dirty="0"/>
+              <a:t>Advances in neural information processing systems</a:t>
+            </a:r>
+            <a:r>
+              <a:rPr lang="en-US" dirty="0"/>
+              <a:t>. 2012.</a:t>
+            </a:r>
+          </a:p>
+          <a:p>
+            <a:pPr marL="0" indent="0">
+              <a:buNone/>
+            </a:pPr>
+            <a:r>
+              <a:rPr lang="en-US" dirty="0" smtClean="0"/>
+              <a:t>[3] Krause</a:t>
+            </a:r>
+            <a:r>
+              <a:rPr lang="en-US" dirty="0"/>
+              <a:t>, Jonathan, et al. "Collecting a large-scale dataset of fine-grained cars." (2013).</a:t>
+            </a:r>
+          </a:p>
+          <a:p>
+            <a:pPr marL="0" indent="0">
+              <a:buNone/>
+            </a:pPr>
+            <a:r>
+              <a:rPr lang="en-US" dirty="0" smtClean="0"/>
+              <a:t>[4] Liu</a:t>
+            </a:r>
+            <a:r>
+              <a:rPr lang="en-US" dirty="0"/>
+              <a:t>, Derrick, and </a:t>
+            </a:r>
+            <a:r>
+              <a:rPr lang="en-US" dirty="0" err="1"/>
+              <a:t>Yushi</a:t>
+            </a:r>
+            <a:r>
+              <a:rPr lang="en-US" dirty="0"/>
+              <a:t> Wang. "Monza: Image Classification of Vehicle Make and Model Using Convolutional Neural Networks and Transfer Learning."</a:t>
+            </a:r>
+          </a:p>
+          <a:p>
+            <a:pPr marL="0" indent="0">
+              <a:buNone/>
+            </a:pPr>
+            <a:r>
+              <a:rPr lang="en-US" dirty="0" smtClean="0"/>
+              <a:t>[5] Zhou</a:t>
+            </a:r>
+            <a:r>
+              <a:rPr lang="en-US" dirty="0"/>
+              <a:t>, </a:t>
+            </a:r>
+            <a:r>
+              <a:rPr lang="en-US" dirty="0" err="1"/>
+              <a:t>Yiren</a:t>
+            </a:r>
+            <a:r>
+              <a:rPr lang="en-US" dirty="0"/>
+              <a:t>, et al. "Image-based Vehicle Analysis using Deep Neural Network: A Systematic Study." </a:t>
+            </a:r>
+            <a:r>
+              <a:rPr lang="en-US" i="1" dirty="0" err="1"/>
+              <a:t>arXiv</a:t>
+            </a:r>
+            <a:r>
+              <a:rPr lang="en-US" i="1" dirty="0"/>
+              <a:t> preprint arXiv:1601.01145</a:t>
+            </a:r>
+            <a:r>
+              <a:rPr lang="en-US" dirty="0"/>
+              <a:t> (2016).</a:t>
+            </a:r>
+          </a:p>
+          <a:p>
+            <a:pPr marL="0" indent="0">
+              <a:buNone/>
+            </a:pPr>
+            <a:endParaRPr lang="en-US" dirty="0"/>
+          </a:p>
+        </p:txBody>
+      </p:sp>
+    </p:spTree>
+    <p:extLst>
+      <p:ext uri="{BB962C8B-B14F-4D97-AF65-F5344CB8AC3E}">
+        <p14:creationId xmlns:p14="http://schemas.microsoft.com/office/powerpoint/2010/main" val="1370219399"/>
+      </p:ext>
+    </p:extLst>
+  </p:cSld>
+  <p:clrMapOvr>
+    <a:masterClrMapping/>
+  </p:clrMapOvr>
+</p:sld>
+</file>
+
 <file path=ppt/theme/theme1.xml><?xml version="1.0" encoding="utf-8"?>
-<a:theme xmlns:a="http://schemas.openxmlformats.org/drawingml/2006/main" name="Damask">
+<a:theme xmlns:a="http://schemas.openxmlformats.org/drawingml/2006/main" name="Parallax">
   <a:themeElements>
-    <a:clrScheme name="Damask">
+    <a:clrScheme name="Parallax">
       <a:dk1>
         <a:sysClr val="windowText" lastClr="000000"/>
       </a:dk1>
@@ -6703,52 +7648,52 @@
         <a:sysClr val="window" lastClr="FFFFFF"/>
       </a:lt1>
       <a:dk2>
-        <a:srgbClr val="2A5B7F"/>
+        <a:srgbClr val="212121"/>
       </a:dk2>
       <a:lt2>
-        <a:srgbClr val="ABDAFC"/>
+        <a:srgbClr val="CDD0D1"/>
       </a:lt2>
       <a:accent1>
-        <a:srgbClr val="9EC544"/>
+        <a:srgbClr val="30ACEC"/>
       </a:accent1>
       <a:accent2>
-        <a:srgbClr val="50BEA3"/>
+        <a:srgbClr val="80C34F"/>
       </a:accent2>
       <a:accent3>
-        <a:srgbClr val="4A9CCC"/>
+        <a:srgbClr val="E29D3E"/>
       </a:accent3>
       <a:accent4>
-        <a:srgbClr val="9A66CA"/>
+        <a:srgbClr val="D64A3B"/>
       </a:accent4>
       <a:accent5>
-        <a:srgbClr val="C54F71"/>
+        <a:srgbClr val="D64787"/>
       </a:accent5>
       <a:accent6>
-        <a:srgbClr val="DE9C3C"/>
+        <a:srgbClr val="A666E1"/>
       </a:accent6>
       <a:hlink>
-        <a:srgbClr val="6BA9DA"/>
+        <a:srgbClr val="3085ED"/>
       </a:hlink>
       <a:folHlink>
-        <a:srgbClr val="A0BCD3"/>
+        <a:srgbClr val="82B6F4"/>
       </a:folHlink>
     </a:clrScheme>
-    <a:fontScheme name="Damask">
+    <a:fontScheme name="Parallax">
       <a:majorFont>
-        <a:latin typeface="Bookman Old Style" panose="02050604050505020204"/>
+        <a:latin typeface="Corbel" panose="020B0503020204020204"/>
         <a:ea typeface=""/>
         <a:cs typeface=""/>
-        <a:font script="Jpan" typeface="ＭＳ Ｐゴシック"/>
-        <a:font script="Hang" typeface="맑은 고딕"/>
-        <a:font script="Hans" typeface="宋体"/>
+        <a:font script="Jpan" typeface="HGｺﾞｼｯｸM"/>
+        <a:font script="Hang" typeface="HY엽서L"/>
+        <a:font script="Hans" typeface="华文楷体"/>
         <a:font script="Hant" typeface="新細明體"/>
-        <a:font script="Arab" typeface="Times New Roman"/>
-        <a:font script="Hebr" typeface="Times New Roman"/>
-        <a:font script="Thai" typeface="Angsana New"/>
+        <a:font script="Arab" typeface="Tahoma"/>
+        <a:font script="Hebr" typeface="Miriam"/>
+        <a:font script="Thai" typeface="DilleniaUPC"/>
         <a:font script="Ethi" typeface="Nyala"/>
         <a:font script="Beng" typeface="Vrinda"/>
         <a:font script="Gujr" typeface="Shruti"/>
-        <a:font script="Khmr" typeface="MoolBoran"/>
+        <a:font script="Khmr" typeface="DaunPenh"/>
         <a:font script="Knda" typeface="Tunga"/>
         <a:font script="Guru" typeface="Raavi"/>
         <a:font script="Cans" typeface="Euphemia"/>
@@ -6765,21 +7710,21 @@
         <a:font script="Laoo" typeface="DokChampa"/>
         <a:font script="Sinh" typeface="Iskoola Pota"/>
         <a:font script="Mong" typeface="Mongolian Baiti"/>
-        <a:font script="Viet" typeface="Times New Roman"/>
+        <a:font script="Viet" typeface="Arial"/>
         <a:font script="Uigh" typeface="Microsoft Uighur"/>
         <a:font script="Geor" typeface="Sylfaen"/>
       </a:majorFont>
       <a:minorFont>
-        <a:latin typeface="Rockwell" panose="02060603020205020403"/>
+        <a:latin typeface="Corbel" panose="020B0503020204020204"/>
         <a:ea typeface=""/>
         <a:cs typeface=""/>
-        <a:font script="Jpan" typeface="ＭＳ Ｐゴシック"/>
-        <a:font script="Hang" typeface="맑은 고딕"/>
-        <a:font script="Hans" typeface="宋体"/>
+        <a:font script="Jpan" typeface="HGｺﾞｼｯｸM"/>
+        <a:font script="Hang" typeface="HY엽서L"/>
+        <a:font script="Hans" typeface="华文楷体"/>
         <a:font script="Hant" typeface="新細明體"/>
-        <a:font script="Arab" typeface="Arial"/>
-        <a:font script="Hebr" typeface="Arial"/>
-        <a:font script="Thai" typeface="Cordia New"/>
+        <a:font script="Arab" typeface="Tahoma"/>
+        <a:font script="Hebr" typeface="Miriam"/>
+        <a:font script="Thai" typeface="DilleniaUPC"/>
         <a:font script="Ethi" typeface="Nyala"/>
         <a:font script="Beng" typeface="Vrinda"/>
         <a:font script="Gujr" typeface="Shruti"/>
@@ -6805,7 +7750,7 @@
         <a:font script="Geor" typeface="Sylfaen"/>
       </a:minorFont>
     </a:fontScheme>
-    <a:fmtScheme name="Damask">
+    <a:fmtScheme name="Parallax">
       <a:fillStyleLst>
         <a:solidFill>
           <a:schemeClr val="phClr"/>
@@ -6814,16 +7759,13 @@
           <a:gsLst>
             <a:gs pos="0">
               <a:schemeClr val="phClr">
-                <a:tint val="48000"/>
-                <a:satMod val="105000"/>
-                <a:lumMod val="110000"/>
+                <a:tint val="60000"/>
+                <a:lumMod val="104000"/>
               </a:schemeClr>
             </a:gs>
             <a:gs pos="100000">
               <a:schemeClr val="phClr">
-                <a:tint val="78000"/>
-                <a:satMod val="109000"/>
-                <a:lumMod val="100000"/>
+                <a:tint val="84000"/>
               </a:schemeClr>
             </a:gs>
           </a:gsLst>
@@ -6833,43 +7775,38 @@
           <a:gsLst>
             <a:gs pos="0">
               <a:schemeClr val="phClr">
-                <a:tint val="94000"/>
-                <a:satMod val="100000"/>
-                <a:lumMod val="104000"/>
-              </a:schemeClr>
-            </a:gs>
-            <a:gs pos="69000">
-              <a:schemeClr val="phClr">
-                <a:shade val="86000"/>
-                <a:satMod val="130000"/>
+                <a:tint val="96000"/>
                 <a:lumMod val="102000"/>
               </a:schemeClr>
             </a:gs>
             <a:gs pos="100000">
               <a:schemeClr val="phClr">
-                <a:shade val="72000"/>
-                <a:satMod val="130000"/>
-                <a:lumMod val="100000"/>
+                <a:shade val="88000"/>
+                <a:lumMod val="94000"/>
               </a:schemeClr>
             </a:gs>
           </a:gsLst>
-          <a:lin ang="5400000" scaled="0"/>
+          <a:path path="circle">
+            <a:fillToRect l="50000" t="100000" r="100000" b="50000"/>
+          </a:path>
         </a:gradFill>
       </a:fillStyleLst>
       <a:lnStyleLst>
-        <a:ln w="12700" cap="flat" cmpd="sng" algn="ctr">
+        <a:ln w="9525" cap="rnd" cmpd="sng" algn="ctr">
+          <a:solidFill>
+            <a:schemeClr val="phClr">
+              <a:tint val="60000"/>
+            </a:schemeClr>
+          </a:solidFill>
+          <a:prstDash val="solid"/>
+        </a:ln>
+        <a:ln w="15875" cap="rnd" cmpd="sng" algn="ctr">
           <a:solidFill>
             <a:schemeClr val="phClr"/>
           </a:solidFill>
           <a:prstDash val="solid"/>
         </a:ln>
-        <a:ln w="19050" cap="flat" cmpd="sng" algn="ctr">
-          <a:solidFill>
-            <a:schemeClr val="phClr"/>
-          </a:solidFill>
-          <a:prstDash val="solid"/>
-        </a:ln>
-        <a:ln w="25400" cap="flat" cmpd="sng" algn="ctr">
+        <a:ln w="22225" cap="rnd" cmpd="sng" algn="ctr">
           <a:solidFill>
             <a:schemeClr val="phClr"/>
           </a:solidFill>
@@ -6882,18 +7819,14 @@
         </a:effectStyle>
         <a:effectStyle>
           <a:effectLst>
-            <a:outerShdw blurRad="50800" dist="38100" dir="5400000" sy="96000" rotWithShape="0">
-              <a:srgbClr val="000000">
-                <a:alpha val="54000"/>
-              </a:srgbClr>
-            </a:outerShdw>
+            <a:reflection blurRad="12700" stA="26000" endPos="32000" dist="12700" dir="5400000" sy="-100000" rotWithShape="0"/>
           </a:effectLst>
         </a:effectStyle>
         <a:effectStyle>
           <a:effectLst>
-            <a:outerShdw blurRad="76200" dist="38100" dir="5400000" algn="ctr" rotWithShape="0">
+            <a:outerShdw blurRad="38100" dist="25400" dir="5400000" rotWithShape="0">
               <a:srgbClr val="000000">
-                <a:alpha val="76000"/>
+                <a:alpha val="64000"/>
               </a:srgbClr>
             </a:outerShdw>
           </a:effectLst>
@@ -6901,10 +7834,12 @@
             <a:camera prst="orthographicFront">
               <a:rot lat="0" lon="0" rev="0"/>
             </a:camera>
-            <a:lightRig rig="balanced" dir="t"/>
+            <a:lightRig rig="threePt" dir="tl">
+              <a:rot lat="0" lon="0" rev="1200000"/>
+            </a:lightRig>
           </a:scene3d>
-          <a:sp3d prstMaterial="matte">
-            <a:bevelT w="25400" h="25400" prst="relaxedInset"/>
+          <a:sp3d>
+            <a:bevelT w="25400" h="12700"/>
           </a:sp3d>
         </a:effectStyle>
       </a:effectStyleLst>
@@ -6912,24 +7847,34 @@
         <a:solidFill>
           <a:schemeClr val="phClr"/>
         </a:solidFill>
-        <a:solidFill>
-          <a:schemeClr val="phClr">
-            <a:tint val="95000"/>
-            <a:satMod val="170000"/>
-          </a:schemeClr>
-        </a:solidFill>
+        <a:gradFill rotWithShape="1">
+          <a:gsLst>
+            <a:gs pos="0">
+              <a:schemeClr val="phClr">
+                <a:tint val="90000"/>
+                <a:lumMod val="110000"/>
+              </a:schemeClr>
+            </a:gs>
+            <a:gs pos="100000">
+              <a:schemeClr val="phClr">
+                <a:shade val="64000"/>
+                <a:lumMod val="98000"/>
+              </a:schemeClr>
+            </a:gs>
+          </a:gsLst>
+          <a:lin ang="5400000" scaled="0"/>
+        </a:gradFill>
         <a:blipFill rotWithShape="1">
           <a:blip xmlns:r="http://schemas.openxmlformats.org/officeDocument/2006/relationships" r:embed="rId1">
             <a:duotone>
               <a:schemeClr val="phClr">
-                <a:shade val="18000"/>
-                <a:satMod val="160000"/>
-                <a:lumMod val="28000"/>
+                <a:shade val="76000"/>
+                <a:satMod val="180000"/>
               </a:schemeClr>
               <a:schemeClr val="phClr">
-                <a:tint val="95000"/>
-                <a:satMod val="160000"/>
-                <a:lumMod val="116000"/>
+                <a:tint val="80000"/>
+                <a:satMod val="120000"/>
+                <a:lumMod val="180000"/>
               </a:schemeClr>
             </a:duotone>
           </a:blip>
@@ -6942,7 +7887,7 @@
   <a:extraClrSchemeLst/>
   <a:extLst>
     <a:ext uri="{05A4C25C-085E-4340-85A3-A5531E510DB2}">
-      <thm15:themeFamily xmlns:thm15="http://schemas.microsoft.com/office/thememl/2012/main" name="Damask" id="{F9A299A0-33D0-4E0F-9F3F-7163E3744208}" vid="{746EEEEA-FB6A-406B-B510-531588D54811}"/>
+      <thm15:themeFamily xmlns:thm15="http://schemas.microsoft.com/office/thememl/2012/main" name="Parallax" id="{3388167B-A2EB-4685-9635-1831D9AEF8C4}" vid="{4F7A876A-7598-49CA-AFC8-8EDA2551E4A7}"/>
     </a:ext>
   </a:extLst>
 </a:theme>
